--- a/Présentation.pptx
+++ b/Présentation.pptx
@@ -5,16 +5,17 @@
     <p:sldMasterId id="2147483648" r:id="rId1"/>
   </p:sldMasterIdLst>
   <p:notesMasterIdLst>
-    <p:notesMasterId r:id="rId9"/>
+    <p:notesMasterId r:id="rId10"/>
   </p:notesMasterIdLst>
   <p:sldIdLst>
     <p:sldId id="256" r:id="rId2"/>
-    <p:sldId id="257" r:id="rId3"/>
-    <p:sldId id="260" r:id="rId4"/>
-    <p:sldId id="261" r:id="rId5"/>
-    <p:sldId id="262" r:id="rId6"/>
-    <p:sldId id="258" r:id="rId7"/>
-    <p:sldId id="259" r:id="rId8"/>
+    <p:sldId id="258" r:id="rId3"/>
+    <p:sldId id="257" r:id="rId4"/>
+    <p:sldId id="260" r:id="rId5"/>
+    <p:sldId id="263" r:id="rId6"/>
+    <p:sldId id="261" r:id="rId7"/>
+    <p:sldId id="262" r:id="rId8"/>
+    <p:sldId id="259" r:id="rId9"/>
   </p:sldIdLst>
   <p:sldSz cx="12192000" cy="6858000"/>
   <p:notesSz cx="6858000" cy="9144000"/>
@@ -203,7 +204,7 @@
           <a:p>
             <a:fld id="{97A458A3-AB80-4652-ACA9-AA314B017CAF}" type="datetimeFigureOut">
               <a:rPr lang="fr-FR" smtClean="0"/>
-              <a:t>15/05/2019</a:t>
+              <a:t>21/05/2019</a:t>
             </a:fld>
             <a:endParaRPr lang="fr-FR"/>
           </a:p>
@@ -515,7 +516,89 @@
           <a:bodyPr/>
           <a:lstStyle/>
           <a:p>
-            <a:endParaRPr lang="fr-FR"/>
+            <a:r>
+              <a:rPr lang="fr-FR" dirty="0" err="1" smtClean="0"/>
+              <a:t>Bootstrap</a:t>
+            </a:r>
+            <a:r>
+              <a:rPr lang="fr-FR" dirty="0" smtClean="0"/>
+              <a:t> : Kit d’outils </a:t>
+            </a:r>
+            <a:r>
+              <a:rPr lang="fr-FR" dirty="0" err="1" smtClean="0"/>
+              <a:t>opensource</a:t>
+            </a:r>
+            <a:r>
+              <a:rPr lang="fr-FR" baseline="0" dirty="0" smtClean="0"/>
+              <a:t> permettant l’importation de style </a:t>
+            </a:r>
+            <a:r>
+              <a:rPr lang="fr-FR" baseline="0" dirty="0" err="1" smtClean="0"/>
+              <a:t>préfait</a:t>
+            </a:r>
+            <a:r>
+              <a:rPr lang="fr-FR" baseline="0" dirty="0" smtClean="0"/>
+              <a:t> afin de faciliter la </a:t>
+            </a:r>
+            <a:r>
+              <a:rPr lang="fr-FR" baseline="0" dirty="0" err="1" smtClean="0"/>
+              <a:t>dev</a:t>
+            </a:r>
+            <a:r>
+              <a:rPr lang="fr-FR" baseline="0" dirty="0" smtClean="0"/>
+              <a:t> CSS</a:t>
+            </a:r>
+          </a:p>
+          <a:p>
+            <a:r>
+              <a:rPr lang="fr-FR" baseline="0" dirty="0" err="1" smtClean="0"/>
+              <a:t>WampServer</a:t>
+            </a:r>
+            <a:r>
+              <a:rPr lang="fr-FR" baseline="0" dirty="0" smtClean="0"/>
+              <a:t> : Abréviation de Windows apache MYSQL &amp; </a:t>
+            </a:r>
+            <a:r>
+              <a:rPr lang="fr-FR" baseline="0" dirty="0" err="1" smtClean="0"/>
+              <a:t>MariaDB</a:t>
+            </a:r>
+            <a:r>
+              <a:rPr lang="fr-FR" baseline="0" dirty="0" smtClean="0"/>
+              <a:t>, </a:t>
+            </a:r>
+            <a:r>
+              <a:rPr lang="fr-FR" baseline="0" dirty="0" err="1" smtClean="0"/>
+              <a:t>php</a:t>
+            </a:r>
+            <a:r>
+              <a:rPr lang="fr-FR" baseline="0" dirty="0" smtClean="0"/>
+              <a:t> (Environnement comportant 3 Servers) – Apache-MYSQL-MARIADB-</a:t>
+            </a:r>
+            <a:r>
+              <a:rPr lang="fr-FR" baseline="0" dirty="0" err="1" smtClean="0"/>
+              <a:t>Intérpréteur</a:t>
+            </a:r>
+            <a:r>
+              <a:rPr lang="fr-FR" baseline="0" dirty="0" smtClean="0"/>
+              <a:t> PHP</a:t>
+            </a:r>
+          </a:p>
+          <a:p>
+            <a:r>
+              <a:rPr lang="fr-FR" baseline="0" dirty="0" err="1" smtClean="0"/>
+              <a:t>phpMyAdmin</a:t>
+            </a:r>
+            <a:r>
+              <a:rPr lang="fr-FR" baseline="0" dirty="0" smtClean="0"/>
+              <a:t>: Appli web de gestion pour SGBD MYSQL</a:t>
+            </a:r>
+          </a:p>
+          <a:p>
+            <a:r>
+              <a:rPr lang="fr-FR" baseline="0" dirty="0" smtClean="0"/>
+              <a:t>GITHUB : Application permettant la Gestion de Projet </a:t>
+            </a:r>
+            <a:endParaRPr lang="fr-FR" dirty="0"/>
           </a:p>
         </p:txBody>
       </p:sp>
@@ -536,7 +619,7 @@
           <a:p>
             <a:fld id="{05358A63-4E55-4906-AEA2-B5A89550A91C}" type="slidenum">
               <a:rPr lang="fr-FR" smtClean="0"/>
-              <a:t>3</a:t>
+              <a:t>4</a:t>
             </a:fld>
             <a:endParaRPr lang="fr-FR"/>
           </a:p>
@@ -686,7 +769,7 @@
           <a:p>
             <a:fld id="{A8ADBA8F-2492-40C5-889A-2DFF3703219A}" type="datetimeFigureOut">
               <a:rPr lang="fr-FR" smtClean="0"/>
-              <a:t>15/05/2019</a:t>
+              <a:t>21/05/2019</a:t>
             </a:fld>
             <a:endParaRPr lang="fr-FR"/>
           </a:p>
@@ -856,7 +939,7 @@
           <a:p>
             <a:fld id="{A8ADBA8F-2492-40C5-889A-2DFF3703219A}" type="datetimeFigureOut">
               <a:rPr lang="fr-FR" smtClean="0"/>
-              <a:t>15/05/2019</a:t>
+              <a:t>21/05/2019</a:t>
             </a:fld>
             <a:endParaRPr lang="fr-FR"/>
           </a:p>
@@ -1036,7 +1119,7 @@
           <a:p>
             <a:fld id="{A8ADBA8F-2492-40C5-889A-2DFF3703219A}" type="datetimeFigureOut">
               <a:rPr lang="fr-FR" smtClean="0"/>
-              <a:t>15/05/2019</a:t>
+              <a:t>21/05/2019</a:t>
             </a:fld>
             <a:endParaRPr lang="fr-FR"/>
           </a:p>
@@ -1206,7 +1289,7 @@
           <a:p>
             <a:fld id="{A8ADBA8F-2492-40C5-889A-2DFF3703219A}" type="datetimeFigureOut">
               <a:rPr lang="fr-FR" smtClean="0"/>
-              <a:t>15/05/2019</a:t>
+              <a:t>21/05/2019</a:t>
             </a:fld>
             <a:endParaRPr lang="fr-FR"/>
           </a:p>
@@ -1452,7 +1535,7 @@
           <a:p>
             <a:fld id="{A8ADBA8F-2492-40C5-889A-2DFF3703219A}" type="datetimeFigureOut">
               <a:rPr lang="fr-FR" smtClean="0"/>
-              <a:t>15/05/2019</a:t>
+              <a:t>21/05/2019</a:t>
             </a:fld>
             <a:endParaRPr lang="fr-FR"/>
           </a:p>
@@ -1684,7 +1767,7 @@
           <a:p>
             <a:fld id="{A8ADBA8F-2492-40C5-889A-2DFF3703219A}" type="datetimeFigureOut">
               <a:rPr lang="fr-FR" smtClean="0"/>
-              <a:t>15/05/2019</a:t>
+              <a:t>21/05/2019</a:t>
             </a:fld>
             <a:endParaRPr lang="fr-FR"/>
           </a:p>
@@ -2051,7 +2134,7 @@
           <a:p>
             <a:fld id="{A8ADBA8F-2492-40C5-889A-2DFF3703219A}" type="datetimeFigureOut">
               <a:rPr lang="fr-FR" smtClean="0"/>
-              <a:t>15/05/2019</a:t>
+              <a:t>21/05/2019</a:t>
             </a:fld>
             <a:endParaRPr lang="fr-FR"/>
           </a:p>
@@ -2169,7 +2252,7 @@
           <a:p>
             <a:fld id="{A8ADBA8F-2492-40C5-889A-2DFF3703219A}" type="datetimeFigureOut">
               <a:rPr lang="fr-FR" smtClean="0"/>
-              <a:t>15/05/2019</a:t>
+              <a:t>21/05/2019</a:t>
             </a:fld>
             <a:endParaRPr lang="fr-FR"/>
           </a:p>
@@ -2264,7 +2347,7 @@
           <a:p>
             <a:fld id="{A8ADBA8F-2492-40C5-889A-2DFF3703219A}" type="datetimeFigureOut">
               <a:rPr lang="fr-FR" smtClean="0"/>
-              <a:t>15/05/2019</a:t>
+              <a:t>21/05/2019</a:t>
             </a:fld>
             <a:endParaRPr lang="fr-FR"/>
           </a:p>
@@ -2541,7 +2624,7 @@
           <a:p>
             <a:fld id="{A8ADBA8F-2492-40C5-889A-2DFF3703219A}" type="datetimeFigureOut">
               <a:rPr lang="fr-FR" smtClean="0"/>
-              <a:t>15/05/2019</a:t>
+              <a:t>21/05/2019</a:t>
             </a:fld>
             <a:endParaRPr lang="fr-FR"/>
           </a:p>
@@ -2794,7 +2877,7 @@
           <a:p>
             <a:fld id="{A8ADBA8F-2492-40C5-889A-2DFF3703219A}" type="datetimeFigureOut">
               <a:rPr lang="fr-FR" smtClean="0"/>
-              <a:t>15/05/2019</a:t>
+              <a:t>21/05/2019</a:t>
             </a:fld>
             <a:endParaRPr lang="fr-FR"/>
           </a:p>
@@ -3007,7 +3090,7 @@
           <a:p>
             <a:fld id="{A8ADBA8F-2492-40C5-889A-2DFF3703219A}" type="datetimeFigureOut">
               <a:rPr lang="fr-FR" smtClean="0"/>
-              <a:t>15/05/2019</a:t>
+              <a:t>21/05/2019</a:t>
             </a:fld>
             <a:endParaRPr lang="fr-FR"/>
           </a:p>
@@ -3730,12 +3813,20 @@
           </a:p>
           <a:p>
             <a:r>
+              <a:rPr lang="fr-FR" dirty="0" smtClean="0"/>
+              <a:t>Pape </a:t>
+            </a:r>
+            <a:r>
               <a:rPr lang="fr-FR" dirty="0" err="1" smtClean="0"/>
-              <a:t>Papilo</a:t>
+              <a:t>ilo</a:t>
             </a:r>
             <a:r>
               <a:rPr lang="fr-FR" dirty="0" smtClean="0"/>
-              <a:t> Ndiaye</a:t>
+              <a:t> </a:t>
+            </a:r>
+            <a:r>
+              <a:rPr lang="fr-FR" dirty="0" smtClean="0"/>
+              <a:t>Ndiaye</a:t>
             </a:r>
           </a:p>
           <a:p>
@@ -3827,11 +3918,11 @@
   <p:clrMapOvr>
     <a:masterClrMapping/>
   </p:clrMapOvr>
-  <mc:AlternateContent xmlns:mc="http://schemas.openxmlformats.org/markup-compatibility/2006">
-    <mc:Choice xmlns:p14="http://schemas.microsoft.com/office/powerpoint/2010/main" Requires="p14">
+  <mc:AlternateContent xmlns:mc="http://schemas.openxmlformats.org/markup-compatibility/2006" xmlns:p14="http://schemas.microsoft.com/office/powerpoint/2010/main">
+    <mc:Choice Requires="p14">
       <p:transition p14:dur="0"/>
     </mc:Choice>
-    <mc:Fallback>
+    <mc:Fallback xmlns="">
       <p:transition/>
     </mc:Fallback>
   </mc:AlternateContent>
@@ -3874,6 +3965,1053 @@
         </p:nvSpPr>
         <p:spPr>
           <a:xfrm>
+            <a:off x="1549625" y="146142"/>
+            <a:ext cx="10515600" cy="1325563"/>
+          </a:xfrm>
+        </p:spPr>
+        <p:txBody>
+          <a:bodyPr/>
+          <a:lstStyle/>
+          <a:p>
+            <a:pPr algn="ctr"/>
+            <a:r>
+              <a:rPr lang="fr-FR" sz="4300" dirty="0">
+                <a:solidFill>
+                  <a:schemeClr val="accent6"/>
+                </a:solidFill>
+                <a:latin typeface="Futura Book" pitchFamily="82" charset="0"/>
+              </a:rPr>
+              <a:t>PLAN DU </a:t>
+            </a:r>
+            <a:r>
+              <a:rPr lang="fr-FR" sz="4300" dirty="0" smtClean="0">
+                <a:solidFill>
+                  <a:schemeClr val="accent6"/>
+                </a:solidFill>
+                <a:latin typeface="Futura Book" pitchFamily="82" charset="0"/>
+              </a:rPr>
+              <a:t>DIAPO</a:t>
+            </a:r>
+            <a:endParaRPr lang="fr-FR" sz="4300" dirty="0">
+              <a:solidFill>
+                <a:schemeClr val="accent6"/>
+              </a:solidFill>
+              <a:latin typeface="Futura Book" pitchFamily="82" charset="0"/>
+            </a:endParaRPr>
+          </a:p>
+        </p:txBody>
+      </p:sp>
+      <p:grpSp>
+        <p:nvGrpSpPr>
+          <p:cNvPr id="17" name="Groupe 16"/>
+          <p:cNvGrpSpPr/>
+          <p:nvPr/>
+        </p:nvGrpSpPr>
+        <p:grpSpPr>
+          <a:xfrm>
+            <a:off x="0" y="-77638"/>
+            <a:ext cx="1630392" cy="6935639"/>
+            <a:chOff x="1" y="51758"/>
+            <a:chExt cx="1365202" cy="6702730"/>
+          </a:xfrm>
+        </p:grpSpPr>
+        <p:pic>
+          <p:nvPicPr>
+            <p:cNvPr id="18" name="Espace réservé du contenu 3"/>
+            <p:cNvPicPr>
+              <a:picLocks noChangeAspect="1"/>
+            </p:cNvPicPr>
+            <p:nvPr/>
+          </p:nvPicPr>
+          <p:blipFill>
+            <a:blip r:embed="rId2">
+              <a:extLst>
+                <a:ext uri="{28A0092B-C50C-407E-A947-70E740481C1C}">
+                  <a14:useLocalDpi xmlns:a14="http://schemas.microsoft.com/office/drawing/2010/main" val="0"/>
+                </a:ext>
+              </a:extLst>
+            </a:blip>
+            <a:stretch>
+              <a:fillRect/>
+            </a:stretch>
+          </p:blipFill>
+          <p:spPr>
+            <a:xfrm rot="16200000">
+              <a:off x="-2204896" y="2258121"/>
+              <a:ext cx="5776461" cy="1363736"/>
+            </a:xfrm>
+            <a:prstGeom prst="rect">
+              <a:avLst/>
+            </a:prstGeom>
+          </p:spPr>
+        </p:pic>
+        <p:pic>
+          <p:nvPicPr>
+            <p:cNvPr id="19" name="Espace réservé du contenu 3"/>
+            <p:cNvPicPr>
+              <a:picLocks noChangeAspect="1"/>
+            </p:cNvPicPr>
+            <p:nvPr/>
+          </p:nvPicPr>
+          <p:blipFill rotWithShape="1">
+            <a:blip r:embed="rId2">
+              <a:extLst>
+                <a:ext uri="{28A0092B-C50C-407E-A947-70E740481C1C}">
+                  <a14:useLocalDpi xmlns:a14="http://schemas.microsoft.com/office/drawing/2010/main" val="0"/>
+                </a:ext>
+              </a:extLst>
+            </a:blip>
+            <a:srcRect r="29036"/>
+            <a:stretch/>
+          </p:blipFill>
+          <p:spPr>
+            <a:xfrm rot="16200000">
+              <a:off x="-1367733" y="4023018"/>
+              <a:ext cx="4099204" cy="1363736"/>
+            </a:xfrm>
+            <a:prstGeom prst="rect">
+              <a:avLst/>
+            </a:prstGeom>
+          </p:spPr>
+        </p:pic>
+      </p:grpSp>
+      <p:pic>
+        <p:nvPicPr>
+          <p:cNvPr id="20" name="Graphic 14" descr="Handshake">
+            <a:extLst>
+              <a:ext uri="{FF2B5EF4-FFF2-40B4-BE49-F238E27FC236}">
+                <a16:creationId xmlns:a16="http://schemas.microsoft.com/office/drawing/2014/main" xmlns="" xmlns:lc="http://schemas.openxmlformats.org/drawingml/2006/lockedCanvas" id="{8CC1CE3F-9962-4320-A5E0-2813AC4C7F5C}"/>
+              </a:ext>
+            </a:extLst>
+          </p:cNvPr>
+          <p:cNvPicPr>
+            <a:picLocks noChangeAspect="1"/>
+          </p:cNvPicPr>
+          <p:nvPr/>
+        </p:nvPicPr>
+        <p:blipFill>
+          <a:blip r:embed="rId3" cstate="print">
+            <a:extLst>
+              <a:ext uri="{BEBA8EAE-BF5A-486C-A8C5-ECC9F3942E4B}">
+                <a14:imgProps xmlns:a14="http://schemas.microsoft.com/office/drawing/2010/main">
+                  <a14:imgLayer r:embed="rId4">
+                    <a14:imgEffect>
+                      <a14:artisticGlowEdges/>
+                    </a14:imgEffect>
+                  </a14:imgLayer>
+                </a14:imgProps>
+              </a:ext>
+              <a:ext uri="{28A0092B-C50C-407E-A947-70E740481C1C}">
+                <a14:useLocalDpi xmlns:a14="http://schemas.microsoft.com/office/drawing/2010/main" val="0"/>
+              </a:ext>
+              <a:ext uri="{96DAC541-7B7A-43D3-8B79-37D633B846F1}">
+                <asvg:svgBlip xmlns:asvg="http://schemas.microsoft.com/office/drawing/2016/SVG/main" xmlns="" xmlns:lc="http://schemas.openxmlformats.org/drawingml/2006/lockedCanvas" r:embed="rId15"/>
+              </a:ext>
+            </a:extLst>
+          </a:blip>
+          <a:stretch>
+            <a:fillRect/>
+          </a:stretch>
+        </p:blipFill>
+        <p:spPr>
+          <a:xfrm>
+            <a:off x="4796176" y="1679454"/>
+            <a:ext cx="1457848" cy="1457848"/>
+          </a:xfrm>
+          <a:prstGeom prst="rect">
+            <a:avLst/>
+          </a:prstGeom>
+        </p:spPr>
+      </p:pic>
+      <p:pic>
+        <p:nvPicPr>
+          <p:cNvPr id="22" name="Graphic 17" descr="Monitor">
+            <a:extLst>
+              <a:ext uri="{FF2B5EF4-FFF2-40B4-BE49-F238E27FC236}">
+                <a16:creationId xmlns:a16="http://schemas.microsoft.com/office/drawing/2014/main" xmlns="" xmlns:lc="http://schemas.openxmlformats.org/drawingml/2006/lockedCanvas" id="{632D8E6C-CC68-4BD7-96CD-E18DC0FAF045}"/>
+              </a:ext>
+            </a:extLst>
+          </p:cNvPr>
+          <p:cNvPicPr>
+            <a:picLocks noChangeAspect="1"/>
+          </p:cNvPicPr>
+          <p:nvPr/>
+        </p:nvPicPr>
+        <p:blipFill>
+          <a:blip r:embed="rId16" cstate="print">
+            <a:extLst>
+              <a:ext uri="{BEBA8EAE-BF5A-486C-A8C5-ECC9F3942E4B}">
+                <a14:imgProps xmlns:a14="http://schemas.microsoft.com/office/drawing/2010/main">
+                  <a14:imgLayer r:embed="rId17">
+                    <a14:imgEffect>
+                      <a14:brightnessContrast bright="-100000" contrast="-40000"/>
+                    </a14:imgEffect>
+                  </a14:imgLayer>
+                </a14:imgProps>
+              </a:ext>
+              <a:ext uri="{28A0092B-C50C-407E-A947-70E740481C1C}">
+                <a14:useLocalDpi xmlns:a14="http://schemas.microsoft.com/office/drawing/2010/main" val="0"/>
+              </a:ext>
+              <a:ext uri="{96DAC541-7B7A-43D3-8B79-37D633B846F1}">
+                <asvg:svgBlip xmlns:asvg="http://schemas.microsoft.com/office/drawing/2016/SVG/main" xmlns="" xmlns:lc="http://schemas.openxmlformats.org/drawingml/2006/lockedCanvas" r:embed="rId8"/>
+              </a:ext>
+            </a:extLst>
+          </a:blip>
+          <a:stretch>
+            <a:fillRect/>
+          </a:stretch>
+        </p:blipFill>
+        <p:spPr>
+          <a:xfrm>
+            <a:off x="10127516" y="1592323"/>
+            <a:ext cx="1457848" cy="1457848"/>
+          </a:xfrm>
+          <a:prstGeom prst="rect">
+            <a:avLst/>
+          </a:prstGeom>
+          <a:noFill/>
+        </p:spPr>
+      </p:pic>
+      <p:pic>
+        <p:nvPicPr>
+          <p:cNvPr id="24" name="Content Placeholder 7" descr="Briefcase">
+            <a:extLst>
+              <a:ext uri="{FF2B5EF4-FFF2-40B4-BE49-F238E27FC236}">
+                <a16:creationId xmlns:a16="http://schemas.microsoft.com/office/drawing/2014/main" xmlns="" xmlns:lc="http://schemas.openxmlformats.org/drawingml/2006/lockedCanvas" id="{2B1B4CA7-BA24-4C57-8460-641C162B3E75}"/>
+              </a:ext>
+            </a:extLst>
+          </p:cNvPr>
+          <p:cNvPicPr>
+            <a:picLocks noChangeAspect="1"/>
+          </p:cNvPicPr>
+          <p:nvPr/>
+        </p:nvPicPr>
+        <p:blipFill>
+          <a:blip r:embed="rId18" cstate="print">
+            <a:extLst>
+              <a:ext uri="{BEBA8EAE-BF5A-486C-A8C5-ECC9F3942E4B}">
+                <a14:imgProps xmlns:a14="http://schemas.microsoft.com/office/drawing/2010/main">
+                  <a14:imgLayer r:embed="rId19">
+                    <a14:imgEffect>
+                      <a14:artisticGlowEdges/>
+                    </a14:imgEffect>
+                  </a14:imgLayer>
+                </a14:imgProps>
+              </a:ext>
+              <a:ext uri="{28A0092B-C50C-407E-A947-70E740481C1C}">
+                <a14:useLocalDpi xmlns:a14="http://schemas.microsoft.com/office/drawing/2010/main" val="0"/>
+              </a:ext>
+              <a:ext uri="{96DAC541-7B7A-43D3-8B79-37D633B846F1}">
+                <asvg:svgBlip xmlns:asvg="http://schemas.microsoft.com/office/drawing/2016/SVG/main" xmlns="" xmlns:lc="http://schemas.openxmlformats.org/drawingml/2006/lockedCanvas" r:embed="rId22"/>
+              </a:ext>
+            </a:extLst>
+          </a:blip>
+          <a:stretch>
+            <a:fillRect/>
+          </a:stretch>
+        </p:blipFill>
+        <p:spPr>
+          <a:xfrm>
+            <a:off x="4613208" y="4873195"/>
+            <a:ext cx="1482792" cy="1482792"/>
+          </a:xfrm>
+          <a:prstGeom prst="rect">
+            <a:avLst/>
+          </a:prstGeom>
+        </p:spPr>
+      </p:pic>
+      <p:sp>
+        <p:nvSpPr>
+          <p:cNvPr id="25" name="ZoneTexte 24"/>
+          <p:cNvSpPr txBox="1"/>
+          <p:nvPr/>
+        </p:nvSpPr>
+        <p:spPr>
+          <a:xfrm>
+            <a:off x="4894657" y="2832103"/>
+            <a:ext cx="1260886" cy="923330"/>
+          </a:xfrm>
+          <a:prstGeom prst="rect">
+            <a:avLst/>
+          </a:prstGeom>
+          <a:noFill/>
+        </p:spPr>
+        <p:txBody>
+          <a:bodyPr wrap="square" rtlCol="0">
+            <a:spAutoFit/>
+          </a:bodyPr>
+          <a:lstStyle/>
+          <a:p>
+            <a:r>
+              <a:rPr lang="fr-FR" dirty="0" smtClean="0"/>
+              <a:t>Travail d’équipe : répartition</a:t>
+            </a:r>
+            <a:endParaRPr lang="fr-FR" dirty="0"/>
+          </a:p>
+        </p:txBody>
+      </p:sp>
+      <p:pic>
+        <p:nvPicPr>
+          <p:cNvPr id="26" name="Graphic 6" descr="Mining Tools">
+            <a:extLst>
+              <a:ext uri="{FF2B5EF4-FFF2-40B4-BE49-F238E27FC236}">
+                <a16:creationId xmlns:a16="http://schemas.microsoft.com/office/drawing/2014/main" xmlns="" xmlns:lc="http://schemas.openxmlformats.org/drawingml/2006/lockedCanvas" id="{CA775E17-20FB-426A-862F-AF41550D67A2}"/>
+              </a:ext>
+            </a:extLst>
+          </p:cNvPr>
+          <p:cNvPicPr>
+            <a:picLocks noChangeAspect="1"/>
+          </p:cNvPicPr>
+          <p:nvPr/>
+        </p:nvPicPr>
+        <p:blipFill>
+          <a:blip r:embed="rId23" cstate="print">
+            <a:extLst>
+              <a:ext uri="{BEBA8EAE-BF5A-486C-A8C5-ECC9F3942E4B}">
+                <a14:imgProps xmlns:a14="http://schemas.microsoft.com/office/drawing/2010/main">
+                  <a14:imgLayer r:embed="rId24">
+                    <a14:imgEffect>
+                      <a14:artisticGlowEdges/>
+                    </a14:imgEffect>
+                  </a14:imgLayer>
+                </a14:imgProps>
+              </a:ext>
+              <a:ext uri="{28A0092B-C50C-407E-A947-70E740481C1C}">
+                <a14:useLocalDpi xmlns:a14="http://schemas.microsoft.com/office/drawing/2010/main" val="0"/>
+              </a:ext>
+              <a:ext uri="{96DAC541-7B7A-43D3-8B79-37D633B846F1}">
+                <asvg:svgBlip xmlns:asvg="http://schemas.microsoft.com/office/drawing/2016/SVG/main" xmlns="" xmlns:lc="http://schemas.openxmlformats.org/drawingml/2006/lockedCanvas" r:embed="rId10"/>
+              </a:ext>
+            </a:extLst>
+          </a:blip>
+          <a:stretch>
+            <a:fillRect/>
+          </a:stretch>
+        </p:blipFill>
+        <p:spPr>
+          <a:xfrm>
+            <a:off x="3567173" y="1780364"/>
+            <a:ext cx="863429" cy="848905"/>
+          </a:xfrm>
+          <a:prstGeom prst="rect">
+            <a:avLst/>
+          </a:prstGeom>
+        </p:spPr>
+      </p:pic>
+      <p:sp>
+        <p:nvSpPr>
+          <p:cNvPr id="28" name="ZoneTexte 27"/>
+          <p:cNvSpPr txBox="1"/>
+          <p:nvPr/>
+        </p:nvSpPr>
+        <p:spPr>
+          <a:xfrm>
+            <a:off x="3302637" y="2777094"/>
+            <a:ext cx="1260886" cy="923330"/>
+          </a:xfrm>
+          <a:prstGeom prst="rect">
+            <a:avLst/>
+          </a:prstGeom>
+          <a:noFill/>
+        </p:spPr>
+        <p:txBody>
+          <a:bodyPr wrap="square" rtlCol="0">
+            <a:spAutoFit/>
+          </a:bodyPr>
+          <a:lstStyle/>
+          <a:p>
+            <a:r>
+              <a:rPr lang="fr-FR" dirty="0" smtClean="0"/>
+              <a:t>Recherche d’outils: </a:t>
+            </a:r>
+            <a:r>
+              <a:rPr lang="fr-FR" dirty="0" err="1" smtClean="0"/>
+              <a:t>bootstrap</a:t>
+            </a:r>
+            <a:r>
+              <a:rPr lang="fr-FR" dirty="0" smtClean="0"/>
+              <a:t>…</a:t>
+            </a:r>
+            <a:endParaRPr lang="fr-FR" dirty="0"/>
+          </a:p>
+        </p:txBody>
+      </p:sp>
+      <p:sp>
+        <p:nvSpPr>
+          <p:cNvPr id="30" name="ZoneTexte 29"/>
+          <p:cNvSpPr txBox="1"/>
+          <p:nvPr/>
+        </p:nvSpPr>
+        <p:spPr>
+          <a:xfrm>
+            <a:off x="3320650" y="6241239"/>
+            <a:ext cx="4067907" cy="369332"/>
+          </a:xfrm>
+          <a:prstGeom prst="rect">
+            <a:avLst/>
+          </a:prstGeom>
+          <a:noFill/>
+        </p:spPr>
+        <p:txBody>
+          <a:bodyPr wrap="square" rtlCol="0">
+            <a:spAutoFit/>
+          </a:bodyPr>
+          <a:lstStyle/>
+          <a:p>
+            <a:r>
+              <a:rPr lang="fr-FR" dirty="0" smtClean="0"/>
+              <a:t>Conclusion : Expérience apporté</a:t>
+            </a:r>
+            <a:endParaRPr lang="fr-FR" dirty="0"/>
+          </a:p>
+        </p:txBody>
+      </p:sp>
+      <p:cxnSp>
+        <p:nvCxnSpPr>
+          <p:cNvPr id="32" name="Connecteur droit avec flèche 31"/>
+          <p:cNvCxnSpPr/>
+          <p:nvPr/>
+        </p:nvCxnSpPr>
+        <p:spPr>
+          <a:xfrm>
+            <a:off x="8963815" y="2147071"/>
+            <a:ext cx="968447" cy="0"/>
+          </a:xfrm>
+          <a:prstGeom prst="straightConnector1">
+            <a:avLst/>
+          </a:prstGeom>
+          <a:ln>
+            <a:tailEnd type="triangle"/>
+          </a:ln>
+        </p:spPr>
+        <p:style>
+          <a:lnRef idx="1">
+            <a:schemeClr val="accent1"/>
+          </a:lnRef>
+          <a:fillRef idx="0">
+            <a:schemeClr val="accent1"/>
+          </a:fillRef>
+          <a:effectRef idx="0">
+            <a:schemeClr val="accent1"/>
+          </a:effectRef>
+          <a:fontRef idx="minor">
+            <a:schemeClr val="tx1"/>
+          </a:fontRef>
+        </p:style>
+      </p:cxnSp>
+      <p:sp>
+        <p:nvSpPr>
+          <p:cNvPr id="33" name="ZoneTexte 32"/>
+          <p:cNvSpPr txBox="1"/>
+          <p:nvPr/>
+        </p:nvSpPr>
+        <p:spPr>
+          <a:xfrm>
+            <a:off x="10279676" y="3020568"/>
+            <a:ext cx="1912324" cy="923330"/>
+          </a:xfrm>
+          <a:prstGeom prst="rect">
+            <a:avLst/>
+          </a:prstGeom>
+          <a:noFill/>
+        </p:spPr>
+        <p:txBody>
+          <a:bodyPr wrap="square" rtlCol="0">
+            <a:spAutoFit/>
+          </a:bodyPr>
+          <a:lstStyle/>
+          <a:p>
+            <a:r>
+              <a:rPr lang="fr-FR" dirty="0" smtClean="0">
+                <a:latin typeface="Futura Book" pitchFamily="82" charset="0"/>
+              </a:rPr>
+              <a:t>Développement du site (présentation)</a:t>
+            </a:r>
+          </a:p>
+          <a:p>
+            <a:endParaRPr lang="fr-FR" dirty="0"/>
+          </a:p>
+        </p:txBody>
+      </p:sp>
+      <p:sp>
+        <p:nvSpPr>
+          <p:cNvPr id="34" name="Rectangle 33"/>
+          <p:cNvSpPr/>
+          <p:nvPr/>
+        </p:nvSpPr>
+        <p:spPr>
+          <a:xfrm>
+            <a:off x="1371600" y="1714341"/>
+            <a:ext cx="4885336" cy="2245184"/>
+          </a:xfrm>
+          <a:prstGeom prst="rect">
+            <a:avLst/>
+          </a:prstGeom>
+          <a:noFill/>
+        </p:spPr>
+        <p:style>
+          <a:lnRef idx="2">
+            <a:schemeClr val="accent1"/>
+          </a:lnRef>
+          <a:fillRef idx="1">
+            <a:schemeClr val="lt1"/>
+          </a:fillRef>
+          <a:effectRef idx="0">
+            <a:schemeClr val="accent1"/>
+          </a:effectRef>
+          <a:fontRef idx="minor">
+            <a:schemeClr val="dk1"/>
+          </a:fontRef>
+        </p:style>
+        <p:txBody>
+          <a:bodyPr rtlCol="0" anchor="ctr"/>
+          <a:lstStyle/>
+          <a:p>
+            <a:pPr algn="ctr"/>
+            <a:endParaRPr lang="fr-FR"/>
+          </a:p>
+        </p:txBody>
+      </p:sp>
+      <p:sp>
+        <p:nvSpPr>
+          <p:cNvPr id="35" name="ZoneTexte 34"/>
+          <p:cNvSpPr txBox="1"/>
+          <p:nvPr/>
+        </p:nvSpPr>
+        <p:spPr>
+          <a:xfrm>
+            <a:off x="1988964" y="3983178"/>
+            <a:ext cx="1944116" cy="369332"/>
+          </a:xfrm>
+          <a:prstGeom prst="rect">
+            <a:avLst/>
+          </a:prstGeom>
+          <a:noFill/>
+        </p:spPr>
+        <p:txBody>
+          <a:bodyPr wrap="square" rtlCol="0">
+            <a:spAutoFit/>
+          </a:bodyPr>
+          <a:lstStyle/>
+          <a:p>
+            <a:r>
+              <a:rPr lang="fr-FR" dirty="0" smtClean="0"/>
+              <a:t>Partie recherche</a:t>
+            </a:r>
+            <a:endParaRPr lang="fr-FR" dirty="0"/>
+          </a:p>
+        </p:txBody>
+      </p:sp>
+      <p:cxnSp>
+        <p:nvCxnSpPr>
+          <p:cNvPr id="37" name="Connecteur droit avec flèche 36"/>
+          <p:cNvCxnSpPr/>
+          <p:nvPr/>
+        </p:nvCxnSpPr>
+        <p:spPr>
+          <a:xfrm>
+            <a:off x="6341803" y="2203367"/>
+            <a:ext cx="1120987" cy="37046"/>
+          </a:xfrm>
+          <a:prstGeom prst="straightConnector1">
+            <a:avLst/>
+          </a:prstGeom>
+          <a:ln>
+            <a:tailEnd type="triangle"/>
+          </a:ln>
+        </p:spPr>
+        <p:style>
+          <a:lnRef idx="1">
+            <a:schemeClr val="accent1"/>
+          </a:lnRef>
+          <a:fillRef idx="0">
+            <a:schemeClr val="accent1"/>
+          </a:fillRef>
+          <a:effectRef idx="0">
+            <a:schemeClr val="accent1"/>
+          </a:effectRef>
+          <a:fontRef idx="minor">
+            <a:schemeClr val="tx1"/>
+          </a:fontRef>
+        </p:style>
+      </p:cxnSp>
+      <p:pic>
+        <p:nvPicPr>
+          <p:cNvPr id="39" name="Graphic 10" descr="Checklist">
+            <a:extLst>
+              <a:ext uri="{FF2B5EF4-FFF2-40B4-BE49-F238E27FC236}">
+                <a16:creationId xmlns:a16="http://schemas.microsoft.com/office/drawing/2014/main" xmlns="" xmlns:lc="http://schemas.openxmlformats.org/drawingml/2006/lockedCanvas" id="{C47068F2-9344-4F6C-B6CE-38FAF54B95AE}"/>
+              </a:ext>
+            </a:extLst>
+          </p:cNvPr>
+          <p:cNvPicPr>
+            <a:picLocks noChangeAspect="1"/>
+          </p:cNvPicPr>
+          <p:nvPr/>
+        </p:nvPicPr>
+        <p:blipFill>
+          <a:blip r:embed="rId25" cstate="print">
+            <a:extLst>
+              <a:ext uri="{BEBA8EAE-BF5A-486C-A8C5-ECC9F3942E4B}">
+                <a14:imgProps xmlns:a14="http://schemas.microsoft.com/office/drawing/2010/main">
+                  <a14:imgLayer r:embed="rId26">
+                    <a14:imgEffect>
+                      <a14:sharpenSoften amount="-100000"/>
+                    </a14:imgEffect>
+                    <a14:imgEffect>
+                      <a14:brightnessContrast bright="-100000" contrast="-40000"/>
+                    </a14:imgEffect>
+                  </a14:imgLayer>
+                </a14:imgProps>
+              </a:ext>
+              <a:ext uri="{28A0092B-C50C-407E-A947-70E740481C1C}">
+                <a14:useLocalDpi xmlns:a14="http://schemas.microsoft.com/office/drawing/2010/main" val="0"/>
+              </a:ext>
+              <a:ext uri="{96DAC541-7B7A-43D3-8B79-37D633B846F1}">
+                <asvg:svgBlip xmlns:asvg="http://schemas.microsoft.com/office/drawing/2016/SVG/main" xmlns="" xmlns:lc="http://schemas.openxmlformats.org/drawingml/2006/lockedCanvas" r:embed="rId11"/>
+              </a:ext>
+            </a:extLst>
+          </a:blip>
+          <a:stretch>
+            <a:fillRect/>
+          </a:stretch>
+        </p:blipFill>
+        <p:spPr>
+          <a:xfrm>
+            <a:off x="7428265" y="1831123"/>
+            <a:ext cx="1366888" cy="1366888"/>
+          </a:xfrm>
+          <a:prstGeom prst="rect">
+            <a:avLst/>
+          </a:prstGeom>
+        </p:spPr>
+      </p:pic>
+      <p:sp>
+        <p:nvSpPr>
+          <p:cNvPr id="40" name="ZoneTexte 12"/>
+          <p:cNvSpPr txBox="1"/>
+          <p:nvPr/>
+        </p:nvSpPr>
+        <p:spPr>
+          <a:xfrm>
+            <a:off x="7291661" y="3198011"/>
+            <a:ext cx="2207605" cy="830997"/>
+          </a:xfrm>
+          <a:prstGeom prst="rect">
+            <a:avLst/>
+          </a:prstGeom>
+          <a:noFill/>
+        </p:spPr>
+        <p:txBody>
+          <a:bodyPr wrap="square" rtlCol="0">
+            <a:spAutoFit/>
+          </a:bodyPr>
+          <a:lstStyle>
+            <a:defPPr>
+              <a:defRPr lang="fr-FR"/>
+            </a:defPPr>
+            <a:lvl1pPr marL="0" algn="l" defTabSz="810166" rtl="0" eaLnBrk="1" latinLnBrk="0" hangingPunct="1">
+              <a:defRPr sz="1600" kern="1200">
+                <a:solidFill>
+                  <a:schemeClr val="tx1"/>
+                </a:solidFill>
+                <a:latin typeface="+mn-lt"/>
+                <a:ea typeface="+mn-ea"/>
+                <a:cs typeface="+mn-cs"/>
+              </a:defRPr>
+            </a:lvl1pPr>
+            <a:lvl2pPr marL="405084" algn="l" defTabSz="810166" rtl="0" eaLnBrk="1" latinLnBrk="0" hangingPunct="1">
+              <a:defRPr sz="1600" kern="1200">
+                <a:solidFill>
+                  <a:schemeClr val="tx1"/>
+                </a:solidFill>
+                <a:latin typeface="+mn-lt"/>
+                <a:ea typeface="+mn-ea"/>
+                <a:cs typeface="+mn-cs"/>
+              </a:defRPr>
+            </a:lvl2pPr>
+            <a:lvl3pPr marL="810166" algn="l" defTabSz="810166" rtl="0" eaLnBrk="1" latinLnBrk="0" hangingPunct="1">
+              <a:defRPr sz="1600" kern="1200">
+                <a:solidFill>
+                  <a:schemeClr val="tx1"/>
+                </a:solidFill>
+                <a:latin typeface="+mn-lt"/>
+                <a:ea typeface="+mn-ea"/>
+                <a:cs typeface="+mn-cs"/>
+              </a:defRPr>
+            </a:lvl3pPr>
+            <a:lvl4pPr marL="1215248" algn="l" defTabSz="810166" rtl="0" eaLnBrk="1" latinLnBrk="0" hangingPunct="1">
+              <a:defRPr sz="1600" kern="1200">
+                <a:solidFill>
+                  <a:schemeClr val="tx1"/>
+                </a:solidFill>
+                <a:latin typeface="+mn-lt"/>
+                <a:ea typeface="+mn-ea"/>
+                <a:cs typeface="+mn-cs"/>
+              </a:defRPr>
+            </a:lvl4pPr>
+            <a:lvl5pPr marL="1620332" algn="l" defTabSz="810166" rtl="0" eaLnBrk="1" latinLnBrk="0" hangingPunct="1">
+              <a:defRPr sz="1600" kern="1200">
+                <a:solidFill>
+                  <a:schemeClr val="tx1"/>
+                </a:solidFill>
+                <a:latin typeface="+mn-lt"/>
+                <a:ea typeface="+mn-ea"/>
+                <a:cs typeface="+mn-cs"/>
+              </a:defRPr>
+            </a:lvl5pPr>
+            <a:lvl6pPr marL="2025414" algn="l" defTabSz="810166" rtl="0" eaLnBrk="1" latinLnBrk="0" hangingPunct="1">
+              <a:defRPr sz="1600" kern="1200">
+                <a:solidFill>
+                  <a:schemeClr val="tx1"/>
+                </a:solidFill>
+                <a:latin typeface="+mn-lt"/>
+                <a:ea typeface="+mn-ea"/>
+                <a:cs typeface="+mn-cs"/>
+              </a:defRPr>
+            </a:lvl6pPr>
+            <a:lvl7pPr marL="2430497" algn="l" defTabSz="810166" rtl="0" eaLnBrk="1" latinLnBrk="0" hangingPunct="1">
+              <a:defRPr sz="1600" kern="1200">
+                <a:solidFill>
+                  <a:schemeClr val="tx1"/>
+                </a:solidFill>
+                <a:latin typeface="+mn-lt"/>
+                <a:ea typeface="+mn-ea"/>
+                <a:cs typeface="+mn-cs"/>
+              </a:defRPr>
+            </a:lvl7pPr>
+            <a:lvl8pPr marL="2835579" algn="l" defTabSz="810166" rtl="0" eaLnBrk="1" latinLnBrk="0" hangingPunct="1">
+              <a:defRPr sz="1600" kern="1200">
+                <a:solidFill>
+                  <a:schemeClr val="tx1"/>
+                </a:solidFill>
+                <a:latin typeface="+mn-lt"/>
+                <a:ea typeface="+mn-ea"/>
+                <a:cs typeface="+mn-cs"/>
+              </a:defRPr>
+            </a:lvl8pPr>
+            <a:lvl9pPr marL="3240662" algn="l" defTabSz="810166" rtl="0" eaLnBrk="1" latinLnBrk="0" hangingPunct="1">
+              <a:defRPr sz="1600" kern="1200">
+                <a:solidFill>
+                  <a:schemeClr val="tx1"/>
+                </a:solidFill>
+                <a:latin typeface="+mn-lt"/>
+                <a:ea typeface="+mn-ea"/>
+                <a:cs typeface="+mn-cs"/>
+              </a:defRPr>
+            </a:lvl9pPr>
+          </a:lstStyle>
+          <a:p>
+            <a:r>
+              <a:rPr lang="fr-FR" sz="2400" dirty="0" smtClean="0">
+                <a:latin typeface="Futura Book" pitchFamily="82" charset="0"/>
+              </a:rPr>
+              <a:t>Définition </a:t>
+            </a:r>
+          </a:p>
+          <a:p>
+            <a:r>
+              <a:rPr lang="fr-FR" sz="2400" dirty="0">
+                <a:latin typeface="Futura Book" pitchFamily="82" charset="0"/>
+              </a:rPr>
+              <a:t>d</a:t>
+            </a:r>
+            <a:r>
+              <a:rPr lang="fr-FR" sz="2400" dirty="0" smtClean="0">
+                <a:latin typeface="Futura Book" pitchFamily="82" charset="0"/>
+              </a:rPr>
+              <a:t>es exigences (</a:t>
+            </a:r>
+            <a:r>
+              <a:rPr lang="fr-FR" sz="2400" dirty="0" err="1" smtClean="0">
+                <a:latin typeface="Futura Book" pitchFamily="82" charset="0"/>
+              </a:rPr>
+              <a:t>cdc</a:t>
+            </a:r>
+            <a:r>
+              <a:rPr lang="fr-FR" sz="2400" dirty="0" smtClean="0">
+                <a:latin typeface="Futura Book" pitchFamily="82" charset="0"/>
+              </a:rPr>
+              <a:t>)</a:t>
+            </a:r>
+            <a:endParaRPr lang="fr-FR" sz="2400" dirty="0">
+              <a:latin typeface="Futura Book" pitchFamily="82" charset="0"/>
+            </a:endParaRPr>
+          </a:p>
+        </p:txBody>
+      </p:sp>
+      <p:cxnSp>
+        <p:nvCxnSpPr>
+          <p:cNvPr id="41" name="Connecteur droit avec flèche 40"/>
+          <p:cNvCxnSpPr/>
+          <p:nvPr/>
+        </p:nvCxnSpPr>
+        <p:spPr>
+          <a:xfrm>
+            <a:off x="10642796" y="4314223"/>
+            <a:ext cx="0" cy="878879"/>
+          </a:xfrm>
+          <a:prstGeom prst="straightConnector1">
+            <a:avLst/>
+          </a:prstGeom>
+          <a:ln>
+            <a:tailEnd type="triangle"/>
+          </a:ln>
+        </p:spPr>
+        <p:style>
+          <a:lnRef idx="1">
+            <a:schemeClr val="accent1"/>
+          </a:lnRef>
+          <a:fillRef idx="0">
+            <a:schemeClr val="accent1"/>
+          </a:fillRef>
+          <a:effectRef idx="0">
+            <a:schemeClr val="accent1"/>
+          </a:effectRef>
+          <a:fontRef idx="minor">
+            <a:schemeClr val="tx1"/>
+          </a:fontRef>
+        </p:style>
+      </p:cxnSp>
+      <p:pic>
+        <p:nvPicPr>
+          <p:cNvPr id="43" name="Graphic 17" descr="Monitor">
+            <a:extLst>
+              <a:ext uri="{FF2B5EF4-FFF2-40B4-BE49-F238E27FC236}">
+                <a16:creationId xmlns:a16="http://schemas.microsoft.com/office/drawing/2014/main" xmlns="" xmlns:lc="http://schemas.openxmlformats.org/drawingml/2006/lockedCanvas" id="{632D8E6C-CC68-4BD7-96CD-E18DC0FAF045}"/>
+              </a:ext>
+            </a:extLst>
+          </p:cNvPr>
+          <p:cNvPicPr>
+            <a:picLocks noChangeAspect="1"/>
+          </p:cNvPicPr>
+          <p:nvPr/>
+        </p:nvPicPr>
+        <p:blipFill>
+          <a:blip r:embed="rId16" cstate="print">
+            <a:extLst>
+              <a:ext uri="{BEBA8EAE-BF5A-486C-A8C5-ECC9F3942E4B}">
+                <a14:imgProps xmlns:a14="http://schemas.microsoft.com/office/drawing/2010/main">
+                  <a14:imgLayer r:embed="rId17">
+                    <a14:imgEffect>
+                      <a14:brightnessContrast bright="-100000" contrast="-40000"/>
+                    </a14:imgEffect>
+                  </a14:imgLayer>
+                </a14:imgProps>
+              </a:ext>
+              <a:ext uri="{28A0092B-C50C-407E-A947-70E740481C1C}">
+                <a14:useLocalDpi xmlns:a14="http://schemas.microsoft.com/office/drawing/2010/main" val="0"/>
+              </a:ext>
+              <a:ext uri="{96DAC541-7B7A-43D3-8B79-37D633B846F1}">
+                <asvg:svgBlip xmlns:asvg="http://schemas.microsoft.com/office/drawing/2016/SVG/main" xmlns="" xmlns:lc="http://schemas.openxmlformats.org/drawingml/2006/lockedCanvas" r:embed="rId8"/>
+              </a:ext>
+            </a:extLst>
+          </a:blip>
+          <a:stretch>
+            <a:fillRect/>
+          </a:stretch>
+        </p:blipFill>
+        <p:spPr>
+          <a:xfrm>
+            <a:off x="9238907" y="5268130"/>
+            <a:ext cx="1457848" cy="1457848"/>
+          </a:xfrm>
+          <a:prstGeom prst="rect">
+            <a:avLst/>
+          </a:prstGeom>
+          <a:noFill/>
+        </p:spPr>
+      </p:pic>
+      <p:sp>
+        <p:nvSpPr>
+          <p:cNvPr id="44" name="ZoneTexte 43"/>
+          <p:cNvSpPr txBox="1"/>
+          <p:nvPr/>
+        </p:nvSpPr>
+        <p:spPr>
+          <a:xfrm>
+            <a:off x="10642796" y="5673889"/>
+            <a:ext cx="1468379" cy="646331"/>
+          </a:xfrm>
+          <a:prstGeom prst="rect">
+            <a:avLst/>
+          </a:prstGeom>
+          <a:noFill/>
+        </p:spPr>
+        <p:txBody>
+          <a:bodyPr wrap="square" rtlCol="0">
+            <a:spAutoFit/>
+          </a:bodyPr>
+          <a:lstStyle/>
+          <a:p>
+            <a:r>
+              <a:rPr lang="fr-FR" dirty="0" smtClean="0"/>
+              <a:t>Présentation du code</a:t>
+            </a:r>
+            <a:endParaRPr lang="fr-FR" dirty="0"/>
+          </a:p>
+        </p:txBody>
+      </p:sp>
+      <p:cxnSp>
+        <p:nvCxnSpPr>
+          <p:cNvPr id="46" name="Connecteur droit avec flèche 45"/>
+          <p:cNvCxnSpPr/>
+          <p:nvPr/>
+        </p:nvCxnSpPr>
+        <p:spPr>
+          <a:xfrm flipH="1" flipV="1">
+            <a:off x="7116792" y="5788325"/>
+            <a:ext cx="1630459" cy="30723"/>
+          </a:xfrm>
+          <a:prstGeom prst="straightConnector1">
+            <a:avLst/>
+          </a:prstGeom>
+          <a:ln>
+            <a:tailEnd type="triangle"/>
+          </a:ln>
+        </p:spPr>
+        <p:style>
+          <a:lnRef idx="1">
+            <a:schemeClr val="accent1"/>
+          </a:lnRef>
+          <a:fillRef idx="0">
+            <a:schemeClr val="accent1"/>
+          </a:fillRef>
+          <a:effectRef idx="0">
+            <a:schemeClr val="accent1"/>
+          </a:effectRef>
+          <a:fontRef idx="minor">
+            <a:schemeClr val="tx1"/>
+          </a:fontRef>
+        </p:style>
+      </p:cxnSp>
+      <p:pic>
+        <p:nvPicPr>
+          <p:cNvPr id="27" name="Content Placeholder 7" descr="Bullseye">
+            <a:extLst>
+              <a:ext uri="{FF2B5EF4-FFF2-40B4-BE49-F238E27FC236}">
+                <a16:creationId xmlns:a16="http://schemas.microsoft.com/office/drawing/2014/main" xmlns="" xmlns:lc="http://schemas.openxmlformats.org/drawingml/2006/lockedCanvas" id="{2F6EA311-2F89-4164-AA3A-D9A6109E3873}"/>
+              </a:ext>
+            </a:extLst>
+          </p:cNvPr>
+          <p:cNvPicPr>
+            <a:picLocks noChangeAspect="1"/>
+          </p:cNvPicPr>
+          <p:nvPr/>
+        </p:nvPicPr>
+        <p:blipFill>
+          <a:blip r:embed="rId27" cstate="print">
+            <a:extLst>
+              <a:ext uri="{BEBA8EAE-BF5A-486C-A8C5-ECC9F3942E4B}">
+                <a14:imgProps xmlns:a14="http://schemas.microsoft.com/office/drawing/2010/main">
+                  <a14:imgLayer r:embed="rId28">
+                    <a14:imgEffect>
+                      <a14:brightnessContrast bright="-100000" contrast="-40000"/>
+                    </a14:imgEffect>
+                  </a14:imgLayer>
+                </a14:imgProps>
+              </a:ext>
+              <a:ext uri="{28A0092B-C50C-407E-A947-70E740481C1C}">
+                <a14:useLocalDpi xmlns:a14="http://schemas.microsoft.com/office/drawing/2010/main" val="0"/>
+              </a:ext>
+              <a:ext uri="{96DAC541-7B7A-43D3-8B79-37D633B846F1}">
+                <asvg:svgBlip xmlns:asvg="http://schemas.microsoft.com/office/drawing/2016/SVG/main" xmlns="" xmlns:lc="http://schemas.openxmlformats.org/drawingml/2006/lockedCanvas" r:embed="rId14"/>
+              </a:ext>
+            </a:extLst>
+          </a:blip>
+          <a:stretch>
+            <a:fillRect/>
+          </a:stretch>
+        </p:blipFill>
+        <p:spPr>
+          <a:xfrm>
+            <a:off x="1843772" y="1917903"/>
+            <a:ext cx="980949" cy="980949"/>
+          </a:xfrm>
+          <a:prstGeom prst="rect">
+            <a:avLst/>
+          </a:prstGeom>
+        </p:spPr>
+      </p:pic>
+      <p:sp>
+        <p:nvSpPr>
+          <p:cNvPr id="31" name="ZoneTexte 30"/>
+          <p:cNvSpPr txBox="1"/>
+          <p:nvPr/>
+        </p:nvSpPr>
+        <p:spPr>
+          <a:xfrm>
+            <a:off x="1549625" y="2880919"/>
+            <a:ext cx="1621468" cy="923330"/>
+          </a:xfrm>
+          <a:prstGeom prst="rect">
+            <a:avLst/>
+          </a:prstGeom>
+          <a:noFill/>
+        </p:spPr>
+        <p:txBody>
+          <a:bodyPr wrap="square" rtlCol="0">
+            <a:spAutoFit/>
+          </a:bodyPr>
+          <a:lstStyle/>
+          <a:p>
+            <a:r>
+              <a:rPr lang="fr-FR" dirty="0" smtClean="0"/>
+              <a:t>Objectif : réalisation d’un intranet</a:t>
+            </a:r>
+            <a:endParaRPr lang="fr-FR" dirty="0"/>
+          </a:p>
+        </p:txBody>
+      </p:sp>
+    </p:spTree>
+    <p:extLst>
+      <p:ext uri="{BB962C8B-B14F-4D97-AF65-F5344CB8AC3E}">
+        <p14:creationId xmlns:p14="http://schemas.microsoft.com/office/powerpoint/2010/main" val="3822885357"/>
+      </p:ext>
+    </p:extLst>
+  </p:cSld>
+  <p:clrMapOvr>
+    <a:masterClrMapping/>
+  </p:clrMapOvr>
+  <p:timing>
+    <p:tnLst>
+      <p:par>
+        <p:cTn id="1" dur="indefinite" restart="never" nodeType="tmRoot"/>
+      </p:par>
+    </p:tnLst>
+  </p:timing>
+</p:sld>
+</file>
+
+<file path=ppt/slides/slide3.xml><?xml version="1.0" encoding="utf-8"?>
+<p:sld xmlns:a="http://schemas.openxmlformats.org/drawingml/2006/main" xmlns:r="http://schemas.openxmlformats.org/officeDocument/2006/relationships" xmlns:p="http://schemas.openxmlformats.org/presentationml/2006/main">
+  <p:cSld>
+    <p:spTree>
+      <p:nvGrpSpPr>
+        <p:cNvPr id="1" name=""/>
+        <p:cNvGrpSpPr/>
+        <p:nvPr/>
+      </p:nvGrpSpPr>
+      <p:grpSpPr>
+        <a:xfrm>
+          <a:off x="0" y="0"/>
+          <a:ext cx="0" cy="0"/>
+          <a:chOff x="0" y="0"/>
+          <a:chExt cx="0" cy="0"/>
+        </a:xfrm>
+      </p:grpSpPr>
+      <p:sp>
+        <p:nvSpPr>
+          <p:cNvPr id="2" name="Titre 1"/>
+          <p:cNvSpPr>
+            <a:spLocks noGrp="1"/>
+          </p:cNvSpPr>
+          <p:nvPr>
+            <p:ph type="title"/>
+          </p:nvPr>
+        </p:nvSpPr>
+        <p:spPr>
+          <a:xfrm>
             <a:off x="1077872" y="-95022"/>
             <a:ext cx="11114127" cy="1403201"/>
           </a:xfrm>
@@ -3892,12 +5030,6 @@
               </a:rPr>
               <a:t>Sommaire</a:t>
             </a:r>
-            <a:endParaRPr lang="fr-FR" sz="4300" dirty="0">
-              <a:solidFill>
-                <a:schemeClr val="accent6"/>
-              </a:solidFill>
-              <a:latin typeface="Futura Book" pitchFamily="82" charset="0"/>
-            </a:endParaRPr>
           </a:p>
         </p:txBody>
       </p:sp>
@@ -3944,7 +5076,6 @@
               <a:rPr lang="fr-FR" sz="1800" dirty="0"/>
               <a:t>objectifs</a:t>
             </a:r>
-            <a:endParaRPr lang="fr-FR" sz="1800" dirty="0"/>
           </a:p>
           <a:p>
             <a:pPr marL="0" indent="0" algn="ctr">
@@ -4207,7 +5338,7 @@
 </p:sld>
 </file>
 
-<file path=ppt/slides/slide3.xml><?xml version="1.0" encoding="utf-8"?>
+<file path=ppt/slides/slide4.xml><?xml version="1.0" encoding="utf-8"?>
 <p:sld xmlns:a="http://schemas.openxmlformats.org/drawingml/2006/main" xmlns:r="http://schemas.openxmlformats.org/officeDocument/2006/relationships" xmlns:p="http://schemas.openxmlformats.org/presentationml/2006/main">
   <p:cSld>
     <p:spTree>
@@ -4345,7 +5476,7 @@
           <p:cNvPr id="8" name="Graphic 6" descr="Mining Tools">
             <a:extLst>
               <a:ext uri="{FF2B5EF4-FFF2-40B4-BE49-F238E27FC236}">
-                <a16:creationId xmlns:lc="http://schemas.openxmlformats.org/drawingml/2006/lockedCanvas" xmlns="" xmlns:a16="http://schemas.microsoft.com/office/drawing/2014/main" id="{CA775E17-20FB-426A-862F-AF41550D67A2}"/>
+                <a16:creationId xmlns:a16="http://schemas.microsoft.com/office/drawing/2014/main" xmlns="" xmlns:lc="http://schemas.openxmlformats.org/drawingml/2006/lockedCanvas" id="{CA775E17-20FB-426A-862F-AF41550D67A2}"/>
               </a:ext>
             </a:extLst>
           </p:cNvPr>
@@ -4370,7 +5501,7 @@
                 <a14:useLocalDpi xmlns:a14="http://schemas.microsoft.com/office/drawing/2010/main" val="0"/>
               </a:ext>
               <a:ext uri="{96DAC541-7B7A-43D3-8B79-37D633B846F1}">
-                <asvg:svgBlip xmlns:lc="http://schemas.openxmlformats.org/drawingml/2006/lockedCanvas" xmlns="" xmlns:asvg="http://schemas.microsoft.com/office/drawing/2016/SVG/main" r:embed="rId10"/>
+                <asvg:svgBlip xmlns:asvg="http://schemas.microsoft.com/office/drawing/2016/SVG/main" xmlns="" xmlns:lc="http://schemas.openxmlformats.org/drawingml/2006/lockedCanvas" r:embed="rId10"/>
               </a:ext>
             </a:extLst>
           </a:blip>
@@ -4393,7 +5524,7 @@
           <p:cNvPr id="9" name="Content Placeholder 7" descr="Bullseye">
             <a:extLst>
               <a:ext uri="{FF2B5EF4-FFF2-40B4-BE49-F238E27FC236}">
-                <a16:creationId xmlns:lc="http://schemas.openxmlformats.org/drawingml/2006/lockedCanvas" xmlns="" xmlns:a16="http://schemas.microsoft.com/office/drawing/2014/main" id="{2F6EA311-2F89-4164-AA3A-D9A6109E3873}"/>
+                <a16:creationId xmlns:a16="http://schemas.microsoft.com/office/drawing/2014/main" xmlns="" xmlns:lc="http://schemas.openxmlformats.org/drawingml/2006/lockedCanvas" id="{2F6EA311-2F89-4164-AA3A-D9A6109E3873}"/>
               </a:ext>
             </a:extLst>
           </p:cNvPr>
@@ -4418,7 +5549,7 @@
                 <a14:useLocalDpi xmlns:a14="http://schemas.microsoft.com/office/drawing/2010/main" val="0"/>
               </a:ext>
               <a:ext uri="{96DAC541-7B7A-43D3-8B79-37D633B846F1}">
-                <asvg:svgBlip xmlns:lc="http://schemas.openxmlformats.org/drawingml/2006/lockedCanvas" xmlns="" xmlns:asvg="http://schemas.microsoft.com/office/drawing/2016/SVG/main" r:embed="rId14"/>
+                <asvg:svgBlip xmlns:asvg="http://schemas.microsoft.com/office/drawing/2016/SVG/main" xmlns="" xmlns:lc="http://schemas.openxmlformats.org/drawingml/2006/lockedCanvas" r:embed="rId14"/>
               </a:ext>
             </a:extLst>
           </a:blip>
@@ -4445,7 +5576,7 @@
         <p:spPr>
           <a:xfrm>
             <a:off x="1914340" y="3002862"/>
-            <a:ext cx="3370614" cy="1200329"/>
+            <a:ext cx="3370614" cy="923330"/>
           </a:xfrm>
           <a:prstGeom prst="rect">
             <a:avLst/>
@@ -4468,26 +5599,12 @@
             </a:br>
             <a:r>
               <a:rPr lang="fr-FR" dirty="0" smtClean="0"/>
-              <a:t>Réalisation d’un site internet en </a:t>
-            </a:r>
-            <a:br>
+              <a:t>Réalisation d’un site </a:t>
+            </a:r>
+            <a:r>
               <a:rPr lang="fr-FR" dirty="0" smtClean="0"/>
-            </a:br>
-            <a:r>
-              <a:rPr lang="fr-FR" dirty="0" smtClean="0"/>
-              <a:t>Html/CSS/</a:t>
-            </a:r>
-            <a:r>
-              <a:rPr lang="fr-FR" dirty="0" err="1" smtClean="0"/>
-              <a:t>php</a:t>
-            </a:r>
-            <a:r>
-              <a:rPr lang="fr-FR" dirty="0" smtClean="0"/>
-              <a:t/>
-            </a:r>
-            <a:br>
-              <a:rPr lang="fr-FR" dirty="0" smtClean="0"/>
-            </a:br>
+              <a:t>internet utilisant HTML/PHP/CSS</a:t>
+            </a:r>
             <a:endParaRPr lang="fr-FR" dirty="0"/>
           </a:p>
         </p:txBody>
@@ -5059,7 +6176,956 @@
 </p:sld>
 </file>
 
-<file path=ppt/slides/slide4.xml><?xml version="1.0" encoding="utf-8"?>
+<file path=ppt/slides/slide5.xml><?xml version="1.0" encoding="utf-8"?>
+<p:sld xmlns:a="http://schemas.openxmlformats.org/drawingml/2006/main" xmlns:r="http://schemas.openxmlformats.org/officeDocument/2006/relationships" xmlns:p="http://schemas.openxmlformats.org/presentationml/2006/main">
+  <p:cSld>
+    <p:spTree>
+      <p:nvGrpSpPr>
+        <p:cNvPr id="1" name=""/>
+        <p:cNvGrpSpPr/>
+        <p:nvPr/>
+      </p:nvGrpSpPr>
+      <p:grpSpPr>
+        <a:xfrm>
+          <a:off x="0" y="0"/>
+          <a:ext cx="0" cy="0"/>
+          <a:chOff x="0" y="0"/>
+          <a:chExt cx="0" cy="0"/>
+        </a:xfrm>
+      </p:grpSpPr>
+      <p:sp>
+        <p:nvSpPr>
+          <p:cNvPr id="3" name="Espace réservé du contenu 2"/>
+          <p:cNvSpPr>
+            <a:spLocks noGrp="1"/>
+          </p:cNvSpPr>
+          <p:nvPr>
+            <p:ph idx="1"/>
+          </p:nvPr>
+        </p:nvSpPr>
+        <p:spPr>
+          <a:xfrm>
+            <a:off x="1628641" y="1954108"/>
+            <a:ext cx="2870347" cy="1676610"/>
+          </a:xfrm>
+        </p:spPr>
+        <p:txBody>
+          <a:bodyPr>
+            <a:normAutofit/>
+          </a:bodyPr>
+          <a:lstStyle/>
+          <a:p>
+            <a:pPr algn="ctr"/>
+            <a:r>
+              <a:rPr lang="fr-FR" dirty="0" smtClean="0"/>
+              <a:t>HTML</a:t>
+            </a:r>
+          </a:p>
+          <a:p>
+            <a:pPr marL="0" indent="0" algn="ctr">
+              <a:buNone/>
+            </a:pPr>
+            <a:r>
+              <a:rPr lang="fr-FR" sz="2400" dirty="0" err="1" smtClean="0"/>
+              <a:t>Hypertext</a:t>
+            </a:r>
+            <a:r>
+              <a:rPr lang="fr-FR" sz="2400" dirty="0" smtClean="0"/>
+              <a:t> </a:t>
+            </a:r>
+            <a:r>
+              <a:rPr lang="fr-FR" sz="2400" dirty="0" err="1" smtClean="0"/>
+              <a:t>Markup</a:t>
+            </a:r>
+            <a:r>
+              <a:rPr lang="fr-FR" sz="2400" dirty="0" smtClean="0"/>
+              <a:t> </a:t>
+            </a:r>
+            <a:r>
+              <a:rPr lang="fr-FR" sz="2400" dirty="0" err="1" smtClean="0"/>
+              <a:t>Language</a:t>
+            </a:r>
+            <a:endParaRPr lang="fr-FR" sz="2400" dirty="0"/>
+          </a:p>
+          <a:p>
+            <a:pPr marL="0" indent="0">
+              <a:buNone/>
+            </a:pPr>
+            <a:endParaRPr lang="fr-FR" dirty="0" smtClean="0"/>
+          </a:p>
+          <a:p>
+            <a:pPr marL="0" indent="0">
+              <a:buNone/>
+            </a:pPr>
+            <a:endParaRPr lang="fr-FR" dirty="0"/>
+          </a:p>
+        </p:txBody>
+      </p:sp>
+      <p:grpSp>
+        <p:nvGrpSpPr>
+          <p:cNvPr id="4" name="Groupe 3"/>
+          <p:cNvGrpSpPr/>
+          <p:nvPr/>
+        </p:nvGrpSpPr>
+        <p:grpSpPr>
+          <a:xfrm>
+            <a:off x="0" y="-77638"/>
+            <a:ext cx="1630392" cy="6935639"/>
+            <a:chOff x="1" y="51758"/>
+            <a:chExt cx="1365202" cy="6702730"/>
+          </a:xfrm>
+        </p:grpSpPr>
+        <p:pic>
+          <p:nvPicPr>
+            <p:cNvPr id="5" name="Espace réservé du contenu 3"/>
+            <p:cNvPicPr>
+              <a:picLocks noChangeAspect="1"/>
+            </p:cNvPicPr>
+            <p:nvPr/>
+          </p:nvPicPr>
+          <p:blipFill>
+            <a:blip r:embed="rId2">
+              <a:extLst>
+                <a:ext uri="{28A0092B-C50C-407E-A947-70E740481C1C}">
+                  <a14:useLocalDpi xmlns:a14="http://schemas.microsoft.com/office/drawing/2010/main" val="0"/>
+                </a:ext>
+              </a:extLst>
+            </a:blip>
+            <a:stretch>
+              <a:fillRect/>
+            </a:stretch>
+          </p:blipFill>
+          <p:spPr>
+            <a:xfrm rot="16200000">
+              <a:off x="-2204896" y="2258121"/>
+              <a:ext cx="5776461" cy="1363736"/>
+            </a:xfrm>
+            <a:prstGeom prst="rect">
+              <a:avLst/>
+            </a:prstGeom>
+          </p:spPr>
+        </p:pic>
+        <p:pic>
+          <p:nvPicPr>
+            <p:cNvPr id="6" name="Espace réservé du contenu 3"/>
+            <p:cNvPicPr>
+              <a:picLocks noChangeAspect="1"/>
+            </p:cNvPicPr>
+            <p:nvPr/>
+          </p:nvPicPr>
+          <p:blipFill rotWithShape="1">
+            <a:blip r:embed="rId2">
+              <a:extLst>
+                <a:ext uri="{28A0092B-C50C-407E-A947-70E740481C1C}">
+                  <a14:useLocalDpi xmlns:a14="http://schemas.microsoft.com/office/drawing/2010/main" val="0"/>
+                </a:ext>
+              </a:extLst>
+            </a:blip>
+            <a:srcRect r="29036"/>
+            <a:stretch/>
+          </p:blipFill>
+          <p:spPr>
+            <a:xfrm rot="16200000">
+              <a:off x="-1367733" y="4023018"/>
+              <a:ext cx="4099204" cy="1363736"/>
+            </a:xfrm>
+            <a:prstGeom prst="rect">
+              <a:avLst/>
+            </a:prstGeom>
+          </p:spPr>
+        </p:pic>
+      </p:grpSp>
+      <p:sp>
+        <p:nvSpPr>
+          <p:cNvPr id="7" name="Titre 1"/>
+          <p:cNvSpPr>
+            <a:spLocks noGrp="1"/>
+          </p:cNvSpPr>
+          <p:nvPr>
+            <p:ph type="title"/>
+          </p:nvPr>
+        </p:nvSpPr>
+        <p:spPr>
+          <a:xfrm>
+            <a:off x="1173192" y="0"/>
+            <a:ext cx="10971049" cy="1325563"/>
+          </a:xfrm>
+        </p:spPr>
+        <p:txBody>
+          <a:bodyPr/>
+          <a:lstStyle/>
+          <a:p>
+            <a:pPr marL="742950" indent="-742950" algn="ctr">
+              <a:buFont typeface="+mj-lt"/>
+              <a:buAutoNum type="arabicParenR"/>
+            </a:pPr>
+            <a:r>
+              <a:rPr lang="fr-FR" sz="4300" dirty="0" smtClean="0">
+                <a:solidFill>
+                  <a:schemeClr val="accent6"/>
+                </a:solidFill>
+                <a:latin typeface="Futura Book" pitchFamily="82" charset="0"/>
+              </a:rPr>
+              <a:t>Recherche</a:t>
+            </a:r>
+            <a:endParaRPr lang="fr-FR" sz="4300" dirty="0">
+              <a:solidFill>
+                <a:schemeClr val="accent6"/>
+              </a:solidFill>
+              <a:latin typeface="Futura Book" pitchFamily="82" charset="0"/>
+            </a:endParaRPr>
+          </a:p>
+        </p:txBody>
+      </p:sp>
+      <p:sp>
+        <p:nvSpPr>
+          <p:cNvPr id="8" name="Espace réservé du contenu 2"/>
+          <p:cNvSpPr txBox="1">
+            <a:spLocks/>
+          </p:cNvSpPr>
+          <p:nvPr/>
+        </p:nvSpPr>
+        <p:spPr>
+          <a:xfrm>
+            <a:off x="5283927" y="1954108"/>
+            <a:ext cx="2749578" cy="1029628"/>
+          </a:xfrm>
+          <a:prstGeom prst="rect">
+            <a:avLst/>
+          </a:prstGeom>
+        </p:spPr>
+        <p:txBody>
+          <a:bodyPr vert="horz" lIns="91440" tIns="45720" rIns="91440" bIns="45720" rtlCol="0">
+            <a:normAutofit fontScale="85000" lnSpcReduction="20000"/>
+          </a:bodyPr>
+          <a:lstStyle>
+            <a:lvl1pPr marL="228600" indent="-228600" algn="l" defTabSz="914400" rtl="0" eaLnBrk="1" latinLnBrk="0" hangingPunct="1">
+              <a:lnSpc>
+                <a:spcPct val="90000"/>
+              </a:lnSpc>
+              <a:spcBef>
+                <a:spcPts val="1000"/>
+              </a:spcBef>
+              <a:buFont typeface="Arial" panose="020B0604020202020204" pitchFamily="34" charset="0"/>
+              <a:buChar char="•"/>
+              <a:defRPr sz="2800" kern="1200">
+                <a:solidFill>
+                  <a:schemeClr val="tx1"/>
+                </a:solidFill>
+                <a:latin typeface="+mn-lt"/>
+                <a:ea typeface="+mn-ea"/>
+                <a:cs typeface="+mn-cs"/>
+              </a:defRPr>
+            </a:lvl1pPr>
+            <a:lvl2pPr marL="685800" indent="-228600" algn="l" defTabSz="914400" rtl="0" eaLnBrk="1" latinLnBrk="0" hangingPunct="1">
+              <a:lnSpc>
+                <a:spcPct val="90000"/>
+              </a:lnSpc>
+              <a:spcBef>
+                <a:spcPts val="500"/>
+              </a:spcBef>
+              <a:buFont typeface="Arial" panose="020B0604020202020204" pitchFamily="34" charset="0"/>
+              <a:buChar char="•"/>
+              <a:defRPr sz="2400" kern="1200">
+                <a:solidFill>
+                  <a:schemeClr val="tx1"/>
+                </a:solidFill>
+                <a:latin typeface="+mn-lt"/>
+                <a:ea typeface="+mn-ea"/>
+                <a:cs typeface="+mn-cs"/>
+              </a:defRPr>
+            </a:lvl2pPr>
+            <a:lvl3pPr marL="1143000" indent="-228600" algn="l" defTabSz="914400" rtl="0" eaLnBrk="1" latinLnBrk="0" hangingPunct="1">
+              <a:lnSpc>
+                <a:spcPct val="90000"/>
+              </a:lnSpc>
+              <a:spcBef>
+                <a:spcPts val="500"/>
+              </a:spcBef>
+              <a:buFont typeface="Arial" panose="020B0604020202020204" pitchFamily="34" charset="0"/>
+              <a:buChar char="•"/>
+              <a:defRPr sz="2000" kern="1200">
+                <a:solidFill>
+                  <a:schemeClr val="tx1"/>
+                </a:solidFill>
+                <a:latin typeface="+mn-lt"/>
+                <a:ea typeface="+mn-ea"/>
+                <a:cs typeface="+mn-cs"/>
+              </a:defRPr>
+            </a:lvl3pPr>
+            <a:lvl4pPr marL="1600200" indent="-228600" algn="l" defTabSz="914400" rtl="0" eaLnBrk="1" latinLnBrk="0" hangingPunct="1">
+              <a:lnSpc>
+                <a:spcPct val="90000"/>
+              </a:lnSpc>
+              <a:spcBef>
+                <a:spcPts val="500"/>
+              </a:spcBef>
+              <a:buFont typeface="Arial" panose="020B0604020202020204" pitchFamily="34" charset="0"/>
+              <a:buChar char="•"/>
+              <a:defRPr sz="1800" kern="1200">
+                <a:solidFill>
+                  <a:schemeClr val="tx1"/>
+                </a:solidFill>
+                <a:latin typeface="+mn-lt"/>
+                <a:ea typeface="+mn-ea"/>
+                <a:cs typeface="+mn-cs"/>
+              </a:defRPr>
+            </a:lvl4pPr>
+            <a:lvl5pPr marL="2057400" indent="-228600" algn="l" defTabSz="914400" rtl="0" eaLnBrk="1" latinLnBrk="0" hangingPunct="1">
+              <a:lnSpc>
+                <a:spcPct val="90000"/>
+              </a:lnSpc>
+              <a:spcBef>
+                <a:spcPts val="500"/>
+              </a:spcBef>
+              <a:buFont typeface="Arial" panose="020B0604020202020204" pitchFamily="34" charset="0"/>
+              <a:buChar char="•"/>
+              <a:defRPr sz="1800" kern="1200">
+                <a:solidFill>
+                  <a:schemeClr val="tx1"/>
+                </a:solidFill>
+                <a:latin typeface="+mn-lt"/>
+                <a:ea typeface="+mn-ea"/>
+                <a:cs typeface="+mn-cs"/>
+              </a:defRPr>
+            </a:lvl5pPr>
+            <a:lvl6pPr marL="2514600" indent="-228600" algn="l" defTabSz="914400" rtl="0" eaLnBrk="1" latinLnBrk="0" hangingPunct="1">
+              <a:lnSpc>
+                <a:spcPct val="90000"/>
+              </a:lnSpc>
+              <a:spcBef>
+                <a:spcPts val="500"/>
+              </a:spcBef>
+              <a:buFont typeface="Arial" panose="020B0604020202020204" pitchFamily="34" charset="0"/>
+              <a:buChar char="•"/>
+              <a:defRPr sz="1800" kern="1200">
+                <a:solidFill>
+                  <a:schemeClr val="tx1"/>
+                </a:solidFill>
+                <a:latin typeface="+mn-lt"/>
+                <a:ea typeface="+mn-ea"/>
+                <a:cs typeface="+mn-cs"/>
+              </a:defRPr>
+            </a:lvl6pPr>
+            <a:lvl7pPr marL="2971800" indent="-228600" algn="l" defTabSz="914400" rtl="0" eaLnBrk="1" latinLnBrk="0" hangingPunct="1">
+              <a:lnSpc>
+                <a:spcPct val="90000"/>
+              </a:lnSpc>
+              <a:spcBef>
+                <a:spcPts val="500"/>
+              </a:spcBef>
+              <a:buFont typeface="Arial" panose="020B0604020202020204" pitchFamily="34" charset="0"/>
+              <a:buChar char="•"/>
+              <a:defRPr sz="1800" kern="1200">
+                <a:solidFill>
+                  <a:schemeClr val="tx1"/>
+                </a:solidFill>
+                <a:latin typeface="+mn-lt"/>
+                <a:ea typeface="+mn-ea"/>
+                <a:cs typeface="+mn-cs"/>
+              </a:defRPr>
+            </a:lvl7pPr>
+            <a:lvl8pPr marL="3429000" indent="-228600" algn="l" defTabSz="914400" rtl="0" eaLnBrk="1" latinLnBrk="0" hangingPunct="1">
+              <a:lnSpc>
+                <a:spcPct val="90000"/>
+              </a:lnSpc>
+              <a:spcBef>
+                <a:spcPts val="500"/>
+              </a:spcBef>
+              <a:buFont typeface="Arial" panose="020B0604020202020204" pitchFamily="34" charset="0"/>
+              <a:buChar char="•"/>
+              <a:defRPr sz="1800" kern="1200">
+                <a:solidFill>
+                  <a:schemeClr val="tx1"/>
+                </a:solidFill>
+                <a:latin typeface="+mn-lt"/>
+                <a:ea typeface="+mn-ea"/>
+                <a:cs typeface="+mn-cs"/>
+              </a:defRPr>
+            </a:lvl8pPr>
+            <a:lvl9pPr marL="3886200" indent="-228600" algn="l" defTabSz="914400" rtl="0" eaLnBrk="1" latinLnBrk="0" hangingPunct="1">
+              <a:lnSpc>
+                <a:spcPct val="90000"/>
+              </a:lnSpc>
+              <a:spcBef>
+                <a:spcPts val="500"/>
+              </a:spcBef>
+              <a:buFont typeface="Arial" panose="020B0604020202020204" pitchFamily="34" charset="0"/>
+              <a:buChar char="•"/>
+              <a:defRPr sz="1800" kern="1200">
+                <a:solidFill>
+                  <a:schemeClr val="tx1"/>
+                </a:solidFill>
+                <a:latin typeface="+mn-lt"/>
+                <a:ea typeface="+mn-ea"/>
+                <a:cs typeface="+mn-cs"/>
+              </a:defRPr>
+            </a:lvl9pPr>
+          </a:lstStyle>
+          <a:p>
+            <a:pPr algn="ctr"/>
+            <a:r>
+              <a:rPr lang="fr-FR" dirty="0" smtClean="0"/>
+              <a:t>CSS</a:t>
+            </a:r>
+          </a:p>
+          <a:p>
+            <a:pPr marL="0" indent="0" algn="ctr">
+              <a:buNone/>
+            </a:pPr>
+            <a:r>
+              <a:rPr lang="fr-FR" dirty="0" err="1" smtClean="0"/>
+              <a:t>Cascading</a:t>
+            </a:r>
+            <a:r>
+              <a:rPr lang="fr-FR" dirty="0" smtClean="0"/>
+              <a:t> style </a:t>
+            </a:r>
+            <a:r>
+              <a:rPr lang="fr-FR" dirty="0" err="1" smtClean="0"/>
+              <a:t>Sheets</a:t>
+            </a:r>
+            <a:endParaRPr lang="fr-FR" dirty="0" smtClean="0"/>
+          </a:p>
+          <a:p>
+            <a:pPr marL="0" indent="0">
+              <a:buFont typeface="Arial" panose="020B0604020202020204" pitchFamily="34" charset="0"/>
+              <a:buNone/>
+            </a:pPr>
+            <a:endParaRPr lang="fr-FR" dirty="0"/>
+          </a:p>
+        </p:txBody>
+      </p:sp>
+      <p:sp>
+        <p:nvSpPr>
+          <p:cNvPr id="9" name="Espace réservé du contenu 2"/>
+          <p:cNvSpPr txBox="1">
+            <a:spLocks/>
+          </p:cNvSpPr>
+          <p:nvPr/>
+        </p:nvSpPr>
+        <p:spPr>
+          <a:xfrm>
+            <a:off x="9616820" y="1881326"/>
+            <a:ext cx="1753708" cy="1029628"/>
+          </a:xfrm>
+          <a:prstGeom prst="rect">
+            <a:avLst/>
+          </a:prstGeom>
+        </p:spPr>
+        <p:txBody>
+          <a:bodyPr vert="horz" lIns="91440" tIns="45720" rIns="91440" bIns="45720" rtlCol="0">
+            <a:normAutofit/>
+          </a:bodyPr>
+          <a:lstStyle>
+            <a:lvl1pPr marL="228600" indent="-228600" algn="l" defTabSz="914400" rtl="0" eaLnBrk="1" latinLnBrk="0" hangingPunct="1">
+              <a:lnSpc>
+                <a:spcPct val="90000"/>
+              </a:lnSpc>
+              <a:spcBef>
+                <a:spcPts val="1000"/>
+              </a:spcBef>
+              <a:buFont typeface="Arial" panose="020B0604020202020204" pitchFamily="34" charset="0"/>
+              <a:buChar char="•"/>
+              <a:defRPr sz="2800" kern="1200">
+                <a:solidFill>
+                  <a:schemeClr val="tx1"/>
+                </a:solidFill>
+                <a:latin typeface="+mn-lt"/>
+                <a:ea typeface="+mn-ea"/>
+                <a:cs typeface="+mn-cs"/>
+              </a:defRPr>
+            </a:lvl1pPr>
+            <a:lvl2pPr marL="685800" indent="-228600" algn="l" defTabSz="914400" rtl="0" eaLnBrk="1" latinLnBrk="0" hangingPunct="1">
+              <a:lnSpc>
+                <a:spcPct val="90000"/>
+              </a:lnSpc>
+              <a:spcBef>
+                <a:spcPts val="500"/>
+              </a:spcBef>
+              <a:buFont typeface="Arial" panose="020B0604020202020204" pitchFamily="34" charset="0"/>
+              <a:buChar char="•"/>
+              <a:defRPr sz="2400" kern="1200">
+                <a:solidFill>
+                  <a:schemeClr val="tx1"/>
+                </a:solidFill>
+                <a:latin typeface="+mn-lt"/>
+                <a:ea typeface="+mn-ea"/>
+                <a:cs typeface="+mn-cs"/>
+              </a:defRPr>
+            </a:lvl2pPr>
+            <a:lvl3pPr marL="1143000" indent="-228600" algn="l" defTabSz="914400" rtl="0" eaLnBrk="1" latinLnBrk="0" hangingPunct="1">
+              <a:lnSpc>
+                <a:spcPct val="90000"/>
+              </a:lnSpc>
+              <a:spcBef>
+                <a:spcPts val="500"/>
+              </a:spcBef>
+              <a:buFont typeface="Arial" panose="020B0604020202020204" pitchFamily="34" charset="0"/>
+              <a:buChar char="•"/>
+              <a:defRPr sz="2000" kern="1200">
+                <a:solidFill>
+                  <a:schemeClr val="tx1"/>
+                </a:solidFill>
+                <a:latin typeface="+mn-lt"/>
+                <a:ea typeface="+mn-ea"/>
+                <a:cs typeface="+mn-cs"/>
+              </a:defRPr>
+            </a:lvl3pPr>
+            <a:lvl4pPr marL="1600200" indent="-228600" algn="l" defTabSz="914400" rtl="0" eaLnBrk="1" latinLnBrk="0" hangingPunct="1">
+              <a:lnSpc>
+                <a:spcPct val="90000"/>
+              </a:lnSpc>
+              <a:spcBef>
+                <a:spcPts val="500"/>
+              </a:spcBef>
+              <a:buFont typeface="Arial" panose="020B0604020202020204" pitchFamily="34" charset="0"/>
+              <a:buChar char="•"/>
+              <a:defRPr sz="1800" kern="1200">
+                <a:solidFill>
+                  <a:schemeClr val="tx1"/>
+                </a:solidFill>
+                <a:latin typeface="+mn-lt"/>
+                <a:ea typeface="+mn-ea"/>
+                <a:cs typeface="+mn-cs"/>
+              </a:defRPr>
+            </a:lvl4pPr>
+            <a:lvl5pPr marL="2057400" indent="-228600" algn="l" defTabSz="914400" rtl="0" eaLnBrk="1" latinLnBrk="0" hangingPunct="1">
+              <a:lnSpc>
+                <a:spcPct val="90000"/>
+              </a:lnSpc>
+              <a:spcBef>
+                <a:spcPts val="500"/>
+              </a:spcBef>
+              <a:buFont typeface="Arial" panose="020B0604020202020204" pitchFamily="34" charset="0"/>
+              <a:buChar char="•"/>
+              <a:defRPr sz="1800" kern="1200">
+                <a:solidFill>
+                  <a:schemeClr val="tx1"/>
+                </a:solidFill>
+                <a:latin typeface="+mn-lt"/>
+                <a:ea typeface="+mn-ea"/>
+                <a:cs typeface="+mn-cs"/>
+              </a:defRPr>
+            </a:lvl5pPr>
+            <a:lvl6pPr marL="2514600" indent="-228600" algn="l" defTabSz="914400" rtl="0" eaLnBrk="1" latinLnBrk="0" hangingPunct="1">
+              <a:lnSpc>
+                <a:spcPct val="90000"/>
+              </a:lnSpc>
+              <a:spcBef>
+                <a:spcPts val="500"/>
+              </a:spcBef>
+              <a:buFont typeface="Arial" panose="020B0604020202020204" pitchFamily="34" charset="0"/>
+              <a:buChar char="•"/>
+              <a:defRPr sz="1800" kern="1200">
+                <a:solidFill>
+                  <a:schemeClr val="tx1"/>
+                </a:solidFill>
+                <a:latin typeface="+mn-lt"/>
+                <a:ea typeface="+mn-ea"/>
+                <a:cs typeface="+mn-cs"/>
+              </a:defRPr>
+            </a:lvl6pPr>
+            <a:lvl7pPr marL="2971800" indent="-228600" algn="l" defTabSz="914400" rtl="0" eaLnBrk="1" latinLnBrk="0" hangingPunct="1">
+              <a:lnSpc>
+                <a:spcPct val="90000"/>
+              </a:lnSpc>
+              <a:spcBef>
+                <a:spcPts val="500"/>
+              </a:spcBef>
+              <a:buFont typeface="Arial" panose="020B0604020202020204" pitchFamily="34" charset="0"/>
+              <a:buChar char="•"/>
+              <a:defRPr sz="1800" kern="1200">
+                <a:solidFill>
+                  <a:schemeClr val="tx1"/>
+                </a:solidFill>
+                <a:latin typeface="+mn-lt"/>
+                <a:ea typeface="+mn-ea"/>
+                <a:cs typeface="+mn-cs"/>
+              </a:defRPr>
+            </a:lvl7pPr>
+            <a:lvl8pPr marL="3429000" indent="-228600" algn="l" defTabSz="914400" rtl="0" eaLnBrk="1" latinLnBrk="0" hangingPunct="1">
+              <a:lnSpc>
+                <a:spcPct val="90000"/>
+              </a:lnSpc>
+              <a:spcBef>
+                <a:spcPts val="500"/>
+              </a:spcBef>
+              <a:buFont typeface="Arial" panose="020B0604020202020204" pitchFamily="34" charset="0"/>
+              <a:buChar char="•"/>
+              <a:defRPr sz="1800" kern="1200">
+                <a:solidFill>
+                  <a:schemeClr val="tx1"/>
+                </a:solidFill>
+                <a:latin typeface="+mn-lt"/>
+                <a:ea typeface="+mn-ea"/>
+                <a:cs typeface="+mn-cs"/>
+              </a:defRPr>
+            </a:lvl8pPr>
+            <a:lvl9pPr marL="3886200" indent="-228600" algn="l" defTabSz="914400" rtl="0" eaLnBrk="1" latinLnBrk="0" hangingPunct="1">
+              <a:lnSpc>
+                <a:spcPct val="90000"/>
+              </a:lnSpc>
+              <a:spcBef>
+                <a:spcPts val="500"/>
+              </a:spcBef>
+              <a:buFont typeface="Arial" panose="020B0604020202020204" pitchFamily="34" charset="0"/>
+              <a:buChar char="•"/>
+              <a:defRPr sz="1800" kern="1200">
+                <a:solidFill>
+                  <a:schemeClr val="tx1"/>
+                </a:solidFill>
+                <a:latin typeface="+mn-lt"/>
+                <a:ea typeface="+mn-ea"/>
+                <a:cs typeface="+mn-cs"/>
+              </a:defRPr>
+            </a:lvl9pPr>
+          </a:lstStyle>
+          <a:p>
+            <a:r>
+              <a:rPr lang="fr-FR" dirty="0" smtClean="0"/>
+              <a:t>PHP</a:t>
+            </a:r>
+          </a:p>
+          <a:p>
+            <a:pPr marL="0" indent="0">
+              <a:buNone/>
+            </a:pPr>
+            <a:endParaRPr lang="fr-FR" dirty="0" smtClean="0"/>
+          </a:p>
+          <a:p>
+            <a:pPr marL="0" indent="0">
+              <a:buFont typeface="Arial" panose="020B0604020202020204" pitchFamily="34" charset="0"/>
+              <a:buNone/>
+            </a:pPr>
+            <a:endParaRPr lang="fr-FR" dirty="0"/>
+          </a:p>
+        </p:txBody>
+      </p:sp>
+      <p:sp>
+        <p:nvSpPr>
+          <p:cNvPr id="12" name="AutoShape 6" descr="Résultat de recherche d'images pour &quot;html&quot;"/>
+          <p:cNvSpPr>
+            <a:spLocks noChangeAspect="1" noChangeArrowheads="1"/>
+          </p:cNvSpPr>
+          <p:nvPr/>
+        </p:nvSpPr>
+        <p:spPr bwMode="auto">
+          <a:xfrm>
+            <a:off x="155575" y="-2125663"/>
+            <a:ext cx="4429125" cy="4429126"/>
+          </a:xfrm>
+          <a:prstGeom prst="rect">
+            <a:avLst/>
+          </a:prstGeom>
+          <a:noFill/>
+          <a:extLst>
+            <a:ext uri="{909E8E84-426E-40DD-AFC4-6F175D3DCCD1}">
+              <a14:hiddenFill xmlns:a14="http://schemas.microsoft.com/office/drawing/2010/main">
+                <a:solidFill>
+                  <a:srgbClr val="FFFFFF"/>
+                </a:solidFill>
+              </a14:hiddenFill>
+            </a:ext>
+          </a:extLst>
+        </p:spPr>
+        <p:txBody>
+          <a:bodyPr vert="horz" wrap="square" lIns="91440" tIns="45720" rIns="91440" bIns="45720" numCol="1" anchor="t" anchorCtr="0" compatLnSpc="1">
+            <a:prstTxWarp prst="textNoShape">
+              <a:avLst/>
+            </a:prstTxWarp>
+          </a:bodyPr>
+          <a:lstStyle/>
+          <a:p>
+            <a:endParaRPr lang="fr-FR"/>
+          </a:p>
+        </p:txBody>
+      </p:sp>
+      <p:pic>
+        <p:nvPicPr>
+          <p:cNvPr id="14" name="Image 13"/>
+          <p:cNvPicPr>
+            <a:picLocks noChangeAspect="1"/>
+          </p:cNvPicPr>
+          <p:nvPr/>
+        </p:nvPicPr>
+        <p:blipFill>
+          <a:blip r:embed="rId3">
+            <a:extLst>
+              <a:ext uri="{28A0092B-C50C-407E-A947-70E740481C1C}">
+                <a14:useLocalDpi xmlns:a14="http://schemas.microsoft.com/office/drawing/2010/main" val="0"/>
+              </a:ext>
+            </a:extLst>
+          </a:blip>
+          <a:stretch>
+            <a:fillRect/>
+          </a:stretch>
+        </p:blipFill>
+        <p:spPr>
+          <a:xfrm>
+            <a:off x="1992251" y="3576732"/>
+            <a:ext cx="2143125" cy="2143125"/>
+          </a:xfrm>
+          <a:prstGeom prst="rect">
+            <a:avLst/>
+          </a:prstGeom>
+        </p:spPr>
+      </p:pic>
+      <p:pic>
+        <p:nvPicPr>
+          <p:cNvPr id="16" name="Image 15"/>
+          <p:cNvPicPr>
+            <a:picLocks noChangeAspect="1"/>
+          </p:cNvPicPr>
+          <p:nvPr/>
+        </p:nvPicPr>
+        <p:blipFill>
+          <a:blip r:embed="rId4" cstate="print">
+            <a:extLst>
+              <a:ext uri="{28A0092B-C50C-407E-A947-70E740481C1C}">
+                <a14:useLocalDpi xmlns:a14="http://schemas.microsoft.com/office/drawing/2010/main" val="0"/>
+              </a:ext>
+            </a:extLst>
+          </a:blip>
+          <a:stretch>
+            <a:fillRect/>
+          </a:stretch>
+        </p:blipFill>
+        <p:spPr>
+          <a:xfrm>
+            <a:off x="5889984" y="3451226"/>
+            <a:ext cx="1537463" cy="2169105"/>
+          </a:xfrm>
+          <a:prstGeom prst="rect">
+            <a:avLst/>
+          </a:prstGeom>
+        </p:spPr>
+      </p:pic>
+      <p:pic>
+        <p:nvPicPr>
+          <p:cNvPr id="17" name="Image 16"/>
+          <p:cNvPicPr>
+            <a:picLocks noChangeAspect="1"/>
+          </p:cNvPicPr>
+          <p:nvPr/>
+        </p:nvPicPr>
+        <p:blipFill>
+          <a:blip r:embed="rId5" cstate="print">
+            <a:extLst>
+              <a:ext uri="{28A0092B-C50C-407E-A947-70E740481C1C}">
+                <a14:useLocalDpi xmlns:a14="http://schemas.microsoft.com/office/drawing/2010/main" val="0"/>
+              </a:ext>
+            </a:extLst>
+          </a:blip>
+          <a:stretch>
+            <a:fillRect/>
+          </a:stretch>
+        </p:blipFill>
+        <p:spPr>
+          <a:xfrm>
+            <a:off x="8714835" y="3800878"/>
+            <a:ext cx="3138578" cy="1694832"/>
+          </a:xfrm>
+          <a:prstGeom prst="rect">
+            <a:avLst/>
+          </a:prstGeom>
+        </p:spPr>
+      </p:pic>
+    </p:spTree>
+    <p:extLst>
+      <p:ext uri="{BB962C8B-B14F-4D97-AF65-F5344CB8AC3E}">
+        <p14:creationId xmlns:p14="http://schemas.microsoft.com/office/powerpoint/2010/main" val="2528565919"/>
+      </p:ext>
+    </p:extLst>
+  </p:cSld>
+  <p:clrMapOvr>
+    <a:masterClrMapping/>
+  </p:clrMapOvr>
+  <p:transition spd="slow">
+    <p:push dir="u"/>
+  </p:transition>
+  <p:timing>
+    <p:tnLst>
+      <p:par>
+        <p:cTn id="1" dur="indefinite" restart="never" nodeType="tmRoot">
+          <p:childTnLst>
+            <p:seq concurrent="1" nextAc="seek">
+              <p:cTn id="2" dur="indefinite" nodeType="mainSeq">
+                <p:childTnLst>
+                  <p:par>
+                    <p:cTn id="3" fill="hold">
+                      <p:stCondLst>
+                        <p:cond delay="indefinite"/>
+                      </p:stCondLst>
+                      <p:childTnLst>
+                        <p:par>
+                          <p:cTn id="4" fill="hold">
+                            <p:stCondLst>
+                              <p:cond delay="0"/>
+                            </p:stCondLst>
+                            <p:childTnLst>
+                              <p:par>
+                                <p:cTn id="5" presetID="1" presetClass="entr" presetSubtype="0" fill="hold" nodeType="clickEffect">
+                                  <p:stCondLst>
+                                    <p:cond delay="0"/>
+                                  </p:stCondLst>
+                                  <p:childTnLst>
+                                    <p:set>
+                                      <p:cBhvr>
+                                        <p:cTn id="6" dur="1" fill="hold">
+                                          <p:stCondLst>
+                                            <p:cond delay="0"/>
+                                          </p:stCondLst>
+                                        </p:cTn>
+                                        <p:tgtEl>
+                                          <p:spTgt spid="16"/>
+                                        </p:tgtEl>
+                                        <p:attrNameLst>
+                                          <p:attrName>style.visibility</p:attrName>
+                                        </p:attrNameLst>
+                                      </p:cBhvr>
+                                      <p:to>
+                                        <p:strVal val="visible"/>
+                                      </p:to>
+                                    </p:set>
+                                  </p:childTnLst>
+                                </p:cTn>
+                              </p:par>
+                              <p:par>
+                                <p:cTn id="7" presetID="1" presetClass="entr" presetSubtype="0" fill="hold" grpId="0" nodeType="withEffect">
+                                  <p:stCondLst>
+                                    <p:cond delay="0"/>
+                                  </p:stCondLst>
+                                  <p:childTnLst>
+                                    <p:set>
+                                      <p:cBhvr>
+                                        <p:cTn id="8" dur="1" fill="hold">
+                                          <p:stCondLst>
+                                            <p:cond delay="0"/>
+                                          </p:stCondLst>
+                                        </p:cTn>
+                                        <p:tgtEl>
+                                          <p:spTgt spid="8"/>
+                                        </p:tgtEl>
+                                        <p:attrNameLst>
+                                          <p:attrName>style.visibility</p:attrName>
+                                        </p:attrNameLst>
+                                      </p:cBhvr>
+                                      <p:to>
+                                        <p:strVal val="visible"/>
+                                      </p:to>
+                                    </p:set>
+                                  </p:childTnLst>
+                                </p:cTn>
+                              </p:par>
+                            </p:childTnLst>
+                          </p:cTn>
+                        </p:par>
+                      </p:childTnLst>
+                    </p:cTn>
+                  </p:par>
+                  <p:par>
+                    <p:cTn id="9" fill="hold">
+                      <p:stCondLst>
+                        <p:cond delay="indefinite"/>
+                      </p:stCondLst>
+                      <p:childTnLst>
+                        <p:par>
+                          <p:cTn id="10" fill="hold">
+                            <p:stCondLst>
+                              <p:cond delay="0"/>
+                            </p:stCondLst>
+                            <p:childTnLst>
+                              <p:par>
+                                <p:cTn id="11" presetID="1" presetClass="entr" presetSubtype="0" fill="hold" nodeType="clickEffect">
+                                  <p:stCondLst>
+                                    <p:cond delay="0"/>
+                                  </p:stCondLst>
+                                  <p:childTnLst>
+                                    <p:set>
+                                      <p:cBhvr>
+                                        <p:cTn id="12" dur="1" fill="hold">
+                                          <p:stCondLst>
+                                            <p:cond delay="0"/>
+                                          </p:stCondLst>
+                                        </p:cTn>
+                                        <p:tgtEl>
+                                          <p:spTgt spid="17"/>
+                                        </p:tgtEl>
+                                        <p:attrNameLst>
+                                          <p:attrName>style.visibility</p:attrName>
+                                        </p:attrNameLst>
+                                      </p:cBhvr>
+                                      <p:to>
+                                        <p:strVal val="visible"/>
+                                      </p:to>
+                                    </p:set>
+                                  </p:childTnLst>
+                                </p:cTn>
+                              </p:par>
+                              <p:par>
+                                <p:cTn id="13" presetID="1" presetClass="entr" presetSubtype="0" fill="hold" grpId="0" nodeType="withEffect">
+                                  <p:stCondLst>
+                                    <p:cond delay="0"/>
+                                  </p:stCondLst>
+                                  <p:childTnLst>
+                                    <p:set>
+                                      <p:cBhvr>
+                                        <p:cTn id="14" dur="1" fill="hold">
+                                          <p:stCondLst>
+                                            <p:cond delay="0"/>
+                                          </p:stCondLst>
+                                        </p:cTn>
+                                        <p:tgtEl>
+                                          <p:spTgt spid="9"/>
+                                        </p:tgtEl>
+                                        <p:attrNameLst>
+                                          <p:attrName>style.visibility</p:attrName>
+                                        </p:attrNameLst>
+                                      </p:cBhvr>
+                                      <p:to>
+                                        <p:strVal val="visible"/>
+                                      </p:to>
+                                    </p:set>
+                                  </p:childTnLst>
+                                </p:cTn>
+                              </p:par>
+                            </p:childTnLst>
+                          </p:cTn>
+                        </p:par>
+                      </p:childTnLst>
+                    </p:cTn>
+                  </p:par>
+                </p:childTnLst>
+              </p:cTn>
+              <p:prevCondLst>
+                <p:cond evt="onPrev" delay="0">
+                  <p:tgtEl>
+                    <p:sldTgt/>
+                  </p:tgtEl>
+                </p:cond>
+              </p:prevCondLst>
+              <p:nextCondLst>
+                <p:cond evt="onNext" delay="0">
+                  <p:tgtEl>
+                    <p:sldTgt/>
+                  </p:tgtEl>
+                </p:cond>
+              </p:nextCondLst>
+            </p:seq>
+          </p:childTnLst>
+        </p:cTn>
+      </p:par>
+    </p:tnLst>
+    <p:bldLst>
+      <p:bldP spid="8" grpId="0"/>
+      <p:bldP spid="9" grpId="0"/>
+    </p:bldLst>
+  </p:timing>
+</p:sld>
+</file>
+
+<file path=ppt/slides/slide6.xml><?xml version="1.0" encoding="utf-8"?>
 <p:sld xmlns:a="http://schemas.openxmlformats.org/drawingml/2006/main" xmlns:r="http://schemas.openxmlformats.org/officeDocument/2006/relationships" xmlns:p="http://schemas.openxmlformats.org/presentationml/2006/main">
   <p:cSld>
     <p:spTree>
@@ -5081,7 +7147,7 @@
           <p:cNvPr id="4" name="Graphic 14" descr="Handshake">
             <a:extLst>
               <a:ext uri="{FF2B5EF4-FFF2-40B4-BE49-F238E27FC236}">
-                <a16:creationId xmlns:lc="http://schemas.openxmlformats.org/drawingml/2006/lockedCanvas" xmlns="" xmlns:a16="http://schemas.microsoft.com/office/drawing/2014/main" id="{8CC1CE3F-9962-4320-A5E0-2813AC4C7F5C}"/>
+                <a16:creationId xmlns:a16="http://schemas.microsoft.com/office/drawing/2014/main" xmlns="" xmlns:lc="http://schemas.openxmlformats.org/drawingml/2006/lockedCanvas" id="{8CC1CE3F-9962-4320-A5E0-2813AC4C7F5C}"/>
               </a:ext>
             </a:extLst>
           </p:cNvPr>
@@ -5106,7 +7172,7 @@
                 <a14:useLocalDpi xmlns:a14="http://schemas.microsoft.com/office/drawing/2010/main" val="0"/>
               </a:ext>
               <a:ext uri="{96DAC541-7B7A-43D3-8B79-37D633B846F1}">
-                <asvg:svgBlip xmlns:lc="http://schemas.openxmlformats.org/drawingml/2006/lockedCanvas" xmlns="" xmlns:asvg="http://schemas.microsoft.com/office/drawing/2016/SVG/main" r:embed="rId15"/>
+                <asvg:svgBlip xmlns:asvg="http://schemas.microsoft.com/office/drawing/2016/SVG/main" xmlns="" xmlns:lc="http://schemas.openxmlformats.org/drawingml/2006/lockedCanvas" r:embed="rId15"/>
               </a:ext>
             </a:extLst>
           </a:blip>
@@ -5116,7 +7182,7 @@
         </p:blipFill>
         <p:spPr>
           <a:xfrm>
-            <a:off x="5950723" y="5285818"/>
+            <a:off x="5933509" y="4737178"/>
             <a:ext cx="1457848" cy="1457848"/>
           </a:xfrm>
           <a:prstGeom prst="rect">
@@ -5275,12 +7341,6 @@
               </a:rPr>
               <a:t>travail</a:t>
             </a:r>
-            <a:endParaRPr lang="fr-FR" sz="4300" dirty="0">
-              <a:solidFill>
-                <a:schemeClr val="accent6"/>
-              </a:solidFill>
-              <a:latin typeface="Futura Book" pitchFamily="82" charset="0"/>
-            </a:endParaRPr>
           </a:p>
         </p:txBody>
       </p:sp>
@@ -5375,7 +7435,7 @@
         <p:spPr>
           <a:xfrm>
             <a:off x="2741519" y="4209703"/>
-            <a:ext cx="1673441" cy="369332"/>
+            <a:ext cx="1673441" cy="923330"/>
           </a:xfrm>
           <a:prstGeom prst="rect">
             <a:avLst/>
@@ -5396,6 +7456,26 @@
               <a:rPr lang="fr-FR" dirty="0" smtClean="0"/>
               <a:t>BDD</a:t>
             </a:r>
+          </a:p>
+          <a:p>
+            <a:pPr marL="285750" indent="-285750" algn="ctr">
+              <a:buFont typeface="Arial" panose="020B0604020202020204" pitchFamily="34" charset="0"/>
+              <a:buChar char="•"/>
+            </a:pPr>
+            <a:r>
+              <a:rPr lang="fr-FR" dirty="0" smtClean="0"/>
+              <a:t>HTML</a:t>
+            </a:r>
+          </a:p>
+          <a:p>
+            <a:pPr marL="285750" indent="-285750" algn="ctr">
+              <a:buFont typeface="Arial" panose="020B0604020202020204" pitchFamily="34" charset="0"/>
+              <a:buChar char="•"/>
+            </a:pPr>
+            <a:r>
+              <a:rPr lang="fr-FR" dirty="0" smtClean="0"/>
+              <a:t>PHP</a:t>
+            </a:r>
             <a:endParaRPr lang="fr-FR" dirty="0"/>
           </a:p>
         </p:txBody>
@@ -5453,7 +7533,7 @@
         <p:spPr>
           <a:xfrm>
             <a:off x="9087870" y="4212767"/>
-            <a:ext cx="1121492" cy="923330"/>
+            <a:ext cx="1121492" cy="1200329"/>
           </a:xfrm>
           <a:prstGeom prst="rect">
             <a:avLst/>
@@ -5472,8 +7552,9 @@
             </a:pPr>
             <a:r>
               <a:rPr lang="fr-FR" dirty="0" smtClean="0"/>
-              <a:t>BDD</a:t>
-            </a:r>
+              <a:t>HTML</a:t>
+            </a:r>
+            <a:endParaRPr lang="fr-FR" dirty="0" smtClean="0"/>
           </a:p>
           <a:p>
             <a:pPr marL="285750" indent="-285750">
@@ -5482,7 +7563,7 @@
             </a:pPr>
             <a:r>
               <a:rPr lang="fr-FR" dirty="0" smtClean="0"/>
-              <a:t>HTML</a:t>
+              <a:t>CSS</a:t>
             </a:r>
           </a:p>
           <a:p>
@@ -5492,9 +7573,184 @@
             </a:pPr>
             <a:r>
               <a:rPr lang="fr-FR" dirty="0" smtClean="0"/>
-              <a:t>CSS</a:t>
-            </a:r>
+              <a:t>PHP</a:t>
+            </a:r>
+          </a:p>
+          <a:p>
             <a:endParaRPr lang="fr-FR" dirty="0"/>
+          </a:p>
+        </p:txBody>
+      </p:sp>
+      <p:pic>
+        <p:nvPicPr>
+          <p:cNvPr id="17" name="Espace réservé du contenu 3"/>
+          <p:cNvPicPr>
+            <a:picLocks noGrp="1" noChangeAspect="1"/>
+          </p:cNvPicPr>
+          <p:nvPr>
+            <p:ph idx="1"/>
+          </p:nvPr>
+        </p:nvPicPr>
+        <p:blipFill>
+          <a:blip r:embed="rId20">
+            <a:extLst>
+              <a:ext uri="{28A0092B-C50C-407E-A947-70E740481C1C}">
+                <a14:useLocalDpi xmlns:a14="http://schemas.microsoft.com/office/drawing/2010/main" val="0"/>
+              </a:ext>
+            </a:extLst>
+          </a:blip>
+          <a:stretch>
+            <a:fillRect/>
+          </a:stretch>
+        </p:blipFill>
+        <p:spPr>
+          <a:xfrm>
+            <a:off x="1378807" y="6206772"/>
+            <a:ext cx="10315859" cy="619944"/>
+          </a:xfrm>
+        </p:spPr>
+      </p:pic>
+      <p:sp>
+        <p:nvSpPr>
+          <p:cNvPr id="2" name="Rectangle 1"/>
+          <p:cNvSpPr/>
+          <p:nvPr/>
+        </p:nvSpPr>
+        <p:spPr>
+          <a:xfrm>
+            <a:off x="1378807" y="6149890"/>
+            <a:ext cx="10232168" cy="252177"/>
+          </a:xfrm>
+          <a:prstGeom prst="rect">
+            <a:avLst/>
+          </a:prstGeom>
+          <a:solidFill>
+            <a:schemeClr val="bg1"/>
+          </a:solidFill>
+          <a:ln>
+            <a:solidFill>
+              <a:schemeClr val="bg1"/>
+            </a:solidFill>
+          </a:ln>
+        </p:spPr>
+        <p:style>
+          <a:lnRef idx="2">
+            <a:schemeClr val="accent1">
+              <a:shade val="50000"/>
+            </a:schemeClr>
+          </a:lnRef>
+          <a:fillRef idx="1">
+            <a:schemeClr val="accent1"/>
+          </a:fillRef>
+          <a:effectRef idx="0">
+            <a:schemeClr val="accent1"/>
+          </a:effectRef>
+          <a:fontRef idx="minor">
+            <a:schemeClr val="lt1"/>
+          </a:fontRef>
+        </p:style>
+        <p:txBody>
+          <a:bodyPr rtlCol="0" anchor="ctr"/>
+          <a:lstStyle/>
+          <a:p>
+            <a:pPr algn="ctr"/>
+            <a:endParaRPr lang="fr-FR"/>
+          </a:p>
+        </p:txBody>
+      </p:sp>
+      <p:sp>
+        <p:nvSpPr>
+          <p:cNvPr id="18" name="Rectangle 17"/>
+          <p:cNvSpPr/>
+          <p:nvPr/>
+        </p:nvSpPr>
+        <p:spPr>
+          <a:xfrm>
+            <a:off x="11496363" y="6178204"/>
+            <a:ext cx="497526" cy="499920"/>
+          </a:xfrm>
+          <a:prstGeom prst="rect">
+            <a:avLst/>
+          </a:prstGeom>
+          <a:solidFill>
+            <a:schemeClr val="bg1"/>
+          </a:solidFill>
+          <a:ln>
+            <a:solidFill>
+              <a:schemeClr val="bg1"/>
+            </a:solidFill>
+          </a:ln>
+        </p:spPr>
+        <p:style>
+          <a:lnRef idx="2">
+            <a:schemeClr val="accent1">
+              <a:shade val="50000"/>
+            </a:schemeClr>
+          </a:lnRef>
+          <a:fillRef idx="1">
+            <a:schemeClr val="accent1"/>
+          </a:fillRef>
+          <a:effectRef idx="0">
+            <a:schemeClr val="accent1"/>
+          </a:effectRef>
+          <a:fontRef idx="minor">
+            <a:schemeClr val="lt1"/>
+          </a:fontRef>
+        </p:style>
+        <p:txBody>
+          <a:bodyPr rtlCol="0" anchor="ctr"/>
+          <a:lstStyle/>
+          <a:p>
+            <a:pPr algn="ctr"/>
+            <a:endParaRPr lang="fr-FR"/>
+          </a:p>
+        </p:txBody>
+      </p:sp>
+      <p:sp>
+        <p:nvSpPr>
+          <p:cNvPr id="19" name="Rectangle 18"/>
+          <p:cNvSpPr/>
+          <p:nvPr/>
+        </p:nvSpPr>
+        <p:spPr>
+          <a:xfrm>
+            <a:off x="1398453" y="6178204"/>
+            <a:ext cx="497526" cy="499920"/>
+          </a:xfrm>
+          <a:prstGeom prst="rect">
+            <a:avLst/>
+          </a:prstGeom>
+          <a:solidFill>
+            <a:schemeClr val="bg1"/>
+          </a:solidFill>
+          <a:ln>
+            <a:solidFill>
+              <a:schemeClr val="bg1"/>
+            </a:solidFill>
+          </a:ln>
+        </p:spPr>
+        <p:style>
+          <a:lnRef idx="2">
+            <a:schemeClr val="accent1">
+              <a:shade val="50000"/>
+            </a:schemeClr>
+          </a:lnRef>
+          <a:fillRef idx="1">
+            <a:schemeClr val="accent1"/>
+          </a:fillRef>
+          <a:effectRef idx="0">
+            <a:schemeClr val="accent1"/>
+          </a:effectRef>
+          <a:fontRef idx="minor">
+            <a:schemeClr val="lt1"/>
+          </a:fontRef>
+        </p:style>
+        <p:txBody>
+          <a:bodyPr rtlCol="0" anchor="ctr"/>
+          <a:lstStyle/>
+          <a:p>
+            <a:pPr algn="ctr"/>
+            <a:endParaRPr lang="fr-FR"/>
           </a:p>
         </p:txBody>
       </p:sp>
@@ -5521,7 +7777,7 @@
 </p:sld>
 </file>
 
-<file path=ppt/slides/slide5.xml><?xml version="1.0" encoding="utf-8"?>
+<file path=ppt/slides/slide7.xml><?xml version="1.0" encoding="utf-8"?>
 <p:sld xmlns:a="http://schemas.openxmlformats.org/drawingml/2006/main" xmlns:r="http://schemas.openxmlformats.org/officeDocument/2006/relationships" xmlns:p="http://schemas.openxmlformats.org/presentationml/2006/main">
   <p:cSld>
     <p:spTree>
@@ -5538,34 +7794,6 @@
           <a:chExt cx="0" cy="0"/>
         </a:xfrm>
       </p:grpSpPr>
-      <p:sp>
-        <p:nvSpPr>
-          <p:cNvPr id="2" name="Titre 1"/>
-          <p:cNvSpPr>
-            <a:spLocks noGrp="1"/>
-          </p:cNvSpPr>
-          <p:nvPr>
-            <p:ph type="title"/>
-          </p:nvPr>
-        </p:nvSpPr>
-        <p:spPr>
-          <a:xfrm>
-            <a:off x="1170432" y="0"/>
-            <a:ext cx="10973809" cy="1325563"/>
-          </a:xfrm>
-        </p:spPr>
-        <p:txBody>
-          <a:bodyPr/>
-          <a:lstStyle/>
-          <a:p>
-            <a:r>
-              <a:rPr lang="fr-FR" dirty="0" smtClean="0"/>
-              <a:t>D</a:t>
-            </a:r>
-            <a:endParaRPr lang="fr-FR" dirty="0"/>
-          </a:p>
-        </p:txBody>
-      </p:sp>
       <p:grpSp>
         <p:nvGrpSpPr>
           <p:cNvPr id="4" name="Groupe 3"/>
@@ -5574,7 +7802,7 @@
         </p:nvGrpSpPr>
         <p:grpSpPr>
           <a:xfrm>
-            <a:off x="0" y="-77638"/>
+            <a:off x="0" y="-19050"/>
             <a:ext cx="1630392" cy="6935639"/>
             <a:chOff x="1" y="51758"/>
             <a:chExt cx="1365202" cy="6702730"/>
@@ -5700,6 +7928,387 @@
           </a:p>
         </p:txBody>
       </p:sp>
+      <p:sp>
+        <p:nvSpPr>
+          <p:cNvPr id="3" name="ZoneTexte 2"/>
+          <p:cNvSpPr txBox="1"/>
+          <p:nvPr/>
+        </p:nvSpPr>
+        <p:spPr>
+          <a:xfrm>
+            <a:off x="8743950" y="2537790"/>
+            <a:ext cx="3295650" cy="2308324"/>
+          </a:xfrm>
+          <a:prstGeom prst="rect">
+            <a:avLst/>
+          </a:prstGeom>
+          <a:noFill/>
+        </p:spPr>
+        <p:txBody>
+          <a:bodyPr wrap="square" rtlCol="0">
+            <a:spAutoFit/>
+          </a:bodyPr>
+          <a:lstStyle/>
+          <a:p>
+            <a:pPr marL="285750" indent="-285750" algn="ctr">
+              <a:buFont typeface="Arial" panose="020B0604020202020204" pitchFamily="34" charset="0"/>
+              <a:buChar char="•"/>
+            </a:pPr>
+            <a:r>
+              <a:rPr lang="fr-FR" dirty="0" smtClean="0"/>
+              <a:t> Partie authentifié</a:t>
+            </a:r>
+          </a:p>
+          <a:p>
+            <a:pPr algn="ctr"/>
+            <a:endParaRPr lang="fr-FR" dirty="0" smtClean="0"/>
+          </a:p>
+          <a:p>
+            <a:pPr algn="ctr"/>
+            <a:r>
+              <a:rPr lang="fr-FR" dirty="0" smtClean="0"/>
+              <a:t>Page d’accueil avec </a:t>
+            </a:r>
+            <a:r>
+              <a:rPr lang="fr-FR" dirty="0"/>
+              <a:t>:</a:t>
+            </a:r>
+          </a:p>
+          <a:p>
+            <a:pPr algn="ctr"/>
+            <a:r>
+              <a:rPr lang="fr-FR" dirty="0"/>
+              <a:t>Emploi du temps</a:t>
+            </a:r>
+          </a:p>
+          <a:p>
+            <a:pPr algn="ctr"/>
+            <a:r>
+              <a:rPr lang="fr-FR" dirty="0"/>
+              <a:t>Trombinoscope</a:t>
+            </a:r>
+          </a:p>
+          <a:p>
+            <a:pPr algn="ctr"/>
+            <a:r>
+              <a:rPr lang="fr-FR" dirty="0"/>
+              <a:t>Contact</a:t>
+            </a:r>
+          </a:p>
+          <a:p>
+            <a:pPr algn="ctr"/>
+            <a:r>
+              <a:rPr lang="fr-FR" dirty="0"/>
+              <a:t>Déconnexion</a:t>
+            </a:r>
+          </a:p>
+          <a:p>
+            <a:pPr algn="ctr"/>
+            <a:endParaRPr lang="fr-FR" dirty="0"/>
+          </a:p>
+        </p:txBody>
+      </p:sp>
+      <p:sp>
+        <p:nvSpPr>
+          <p:cNvPr id="8" name="ZoneTexte 7"/>
+          <p:cNvSpPr txBox="1"/>
+          <p:nvPr/>
+        </p:nvSpPr>
+        <p:spPr>
+          <a:xfrm>
+            <a:off x="1309502" y="2537790"/>
+            <a:ext cx="2990077" cy="2585323"/>
+          </a:xfrm>
+          <a:prstGeom prst="rect">
+            <a:avLst/>
+          </a:prstGeom>
+          <a:noFill/>
+        </p:spPr>
+        <p:txBody>
+          <a:bodyPr wrap="square" rtlCol="0">
+            <a:spAutoFit/>
+          </a:bodyPr>
+          <a:lstStyle/>
+          <a:p>
+            <a:pPr marL="285750" indent="-285750" algn="ctr">
+              <a:buFont typeface="Arial" panose="020B0604020202020204" pitchFamily="34" charset="0"/>
+              <a:buChar char="•"/>
+            </a:pPr>
+            <a:r>
+              <a:rPr lang="fr-FR" dirty="0" smtClean="0"/>
+              <a:t>Partie non authentifié</a:t>
+            </a:r>
+            <a:r>
+              <a:rPr lang="fr-FR" dirty="0"/>
+              <a:t/>
+            </a:r>
+            <a:br>
+              <a:rPr lang="fr-FR" dirty="0"/>
+            </a:br>
+            <a:endParaRPr lang="fr-FR" dirty="0"/>
+          </a:p>
+          <a:p>
+            <a:pPr algn="ctr"/>
+            <a:r>
+              <a:rPr lang="fr-FR" dirty="0"/>
+              <a:t>Page </a:t>
+            </a:r>
+            <a:r>
+              <a:rPr lang="fr-FR" dirty="0" smtClean="0"/>
+              <a:t>d’accueil </a:t>
+            </a:r>
+            <a:r>
+              <a:rPr lang="fr-FR" dirty="0"/>
+              <a:t>restreinte </a:t>
+            </a:r>
+          </a:p>
+          <a:p>
+            <a:pPr algn="ctr"/>
+            <a:r>
+              <a:rPr lang="fr-FR" dirty="0"/>
+              <a:t>Contact é</a:t>
+            </a:r>
+            <a:r>
+              <a:rPr lang="fr-FR" dirty="0" smtClean="0"/>
+              <a:t>cole</a:t>
+            </a:r>
+            <a:endParaRPr lang="fr-FR" dirty="0"/>
+          </a:p>
+          <a:p>
+            <a:pPr algn="ctr"/>
+            <a:r>
+              <a:rPr lang="fr-FR" dirty="0" smtClean="0"/>
+              <a:t>Sortie scolaire</a:t>
+            </a:r>
+          </a:p>
+          <a:p>
+            <a:pPr algn="ctr"/>
+            <a:r>
+              <a:rPr lang="fr-FR" dirty="0" smtClean="0"/>
+              <a:t>Evènement </a:t>
+            </a:r>
+            <a:r>
+              <a:rPr lang="fr-FR" dirty="0"/>
+              <a:t>à</a:t>
+            </a:r>
+            <a:r>
+              <a:rPr lang="fr-FR" dirty="0" smtClean="0"/>
+              <a:t> venir</a:t>
+            </a:r>
+          </a:p>
+          <a:p>
+            <a:pPr algn="ctr"/>
+            <a:r>
+              <a:rPr lang="fr-FR" dirty="0" smtClean="0"/>
+              <a:t>Enregistrement</a:t>
+            </a:r>
+            <a:endParaRPr lang="fr-FR" dirty="0"/>
+          </a:p>
+          <a:p>
+            <a:pPr algn="ctr"/>
+            <a:r>
+              <a:rPr lang="fr-FR" dirty="0"/>
+              <a:t>Connexion</a:t>
+            </a:r>
+          </a:p>
+          <a:p>
+            <a:pPr algn="ctr"/>
+            <a:endParaRPr lang="fr-FR" dirty="0"/>
+          </a:p>
+        </p:txBody>
+      </p:sp>
+      <p:sp>
+        <p:nvSpPr>
+          <p:cNvPr id="9" name="ZoneTexte 8"/>
+          <p:cNvSpPr txBox="1"/>
+          <p:nvPr/>
+        </p:nvSpPr>
+        <p:spPr>
+          <a:xfrm>
+            <a:off x="5441312" y="2537790"/>
+            <a:ext cx="2400304" cy="1200329"/>
+          </a:xfrm>
+          <a:prstGeom prst="rect">
+            <a:avLst/>
+          </a:prstGeom>
+          <a:noFill/>
+        </p:spPr>
+        <p:txBody>
+          <a:bodyPr wrap="square" rtlCol="0">
+            <a:spAutoFit/>
+          </a:bodyPr>
+          <a:lstStyle/>
+          <a:p>
+            <a:pPr marL="285750" indent="-285750" algn="ctr">
+              <a:buFont typeface="Arial" panose="020B0604020202020204" pitchFamily="34" charset="0"/>
+              <a:buChar char="•"/>
+            </a:pPr>
+            <a:r>
+              <a:rPr lang="fr-FR" dirty="0" smtClean="0"/>
+              <a:t>Connexion</a:t>
+            </a:r>
+          </a:p>
+          <a:p>
+            <a:pPr algn="ctr"/>
+            <a:endParaRPr lang="fr-FR" dirty="0" smtClean="0"/>
+          </a:p>
+          <a:p>
+            <a:pPr algn="ctr"/>
+            <a:r>
+              <a:rPr lang="fr-FR" dirty="0" smtClean="0"/>
+              <a:t>Pseudo</a:t>
+            </a:r>
+            <a:r>
+              <a:rPr lang="fr-FR" dirty="0"/>
+              <a:t>+ </a:t>
+            </a:r>
+            <a:r>
+              <a:rPr lang="fr-FR" dirty="0" smtClean="0"/>
+              <a:t>mot de passe </a:t>
+            </a:r>
+            <a:r>
+              <a:rPr lang="fr-FR" dirty="0"/>
+              <a:t>(Stockage </a:t>
+            </a:r>
+            <a:r>
+              <a:rPr lang="fr-FR" dirty="0" smtClean="0"/>
+              <a:t>BDD)</a:t>
+            </a:r>
+            <a:endParaRPr lang="fr-FR" dirty="0"/>
+          </a:p>
+        </p:txBody>
+      </p:sp>
+      <p:sp>
+        <p:nvSpPr>
+          <p:cNvPr id="11" name="Flèche droite 10"/>
+          <p:cNvSpPr/>
+          <p:nvPr/>
+        </p:nvSpPr>
+        <p:spPr>
+          <a:xfrm>
+            <a:off x="4429125" y="3137954"/>
+            <a:ext cx="821687" cy="600165"/>
+          </a:xfrm>
+          <a:prstGeom prst="rightArrow">
+            <a:avLst/>
+          </a:prstGeom>
+        </p:spPr>
+        <p:style>
+          <a:lnRef idx="2">
+            <a:schemeClr val="accent1">
+              <a:shade val="50000"/>
+            </a:schemeClr>
+          </a:lnRef>
+          <a:fillRef idx="1">
+            <a:schemeClr val="accent1"/>
+          </a:fillRef>
+          <a:effectRef idx="0">
+            <a:schemeClr val="accent1"/>
+          </a:effectRef>
+          <a:fontRef idx="minor">
+            <a:schemeClr val="lt1"/>
+          </a:fontRef>
+        </p:style>
+        <p:txBody>
+          <a:bodyPr rtlCol="0" anchor="ctr"/>
+          <a:lstStyle/>
+          <a:p>
+            <a:pPr algn="ctr"/>
+            <a:endParaRPr lang="fr-FR"/>
+          </a:p>
+        </p:txBody>
+      </p:sp>
+      <p:sp>
+        <p:nvSpPr>
+          <p:cNvPr id="12" name="Flèche droite 11"/>
+          <p:cNvSpPr/>
+          <p:nvPr/>
+        </p:nvSpPr>
+        <p:spPr>
+          <a:xfrm>
+            <a:off x="7920512" y="3137954"/>
+            <a:ext cx="821687" cy="600165"/>
+          </a:xfrm>
+          <a:prstGeom prst="rightArrow">
+            <a:avLst/>
+          </a:prstGeom>
+        </p:spPr>
+        <p:style>
+          <a:lnRef idx="2">
+            <a:schemeClr val="accent1">
+              <a:shade val="50000"/>
+            </a:schemeClr>
+          </a:lnRef>
+          <a:fillRef idx="1">
+            <a:schemeClr val="accent1"/>
+          </a:fillRef>
+          <a:effectRef idx="0">
+            <a:schemeClr val="accent1"/>
+          </a:effectRef>
+          <a:fontRef idx="minor">
+            <a:schemeClr val="lt1"/>
+          </a:fontRef>
+        </p:style>
+        <p:txBody>
+          <a:bodyPr rtlCol="0" anchor="ctr"/>
+          <a:lstStyle/>
+          <a:p>
+            <a:pPr algn="ctr"/>
+            <a:endParaRPr lang="fr-FR"/>
+          </a:p>
+        </p:txBody>
+      </p:sp>
+      <p:pic>
+        <p:nvPicPr>
+          <p:cNvPr id="13" name="Graphic 10" descr="Checklist">
+            <a:extLst>
+              <a:ext uri="{FF2B5EF4-FFF2-40B4-BE49-F238E27FC236}">
+                <a16:creationId xmlns:a16="http://schemas.microsoft.com/office/drawing/2014/main" xmlns="" xmlns:lc="http://schemas.openxmlformats.org/drawingml/2006/lockedCanvas" id="{C47068F2-9344-4F6C-B6CE-38FAF54B95AE}"/>
+              </a:ext>
+            </a:extLst>
+          </p:cNvPr>
+          <p:cNvPicPr>
+            <a:picLocks noChangeAspect="1"/>
+          </p:cNvPicPr>
+          <p:nvPr/>
+        </p:nvPicPr>
+        <p:blipFill>
+          <a:blip r:embed="rId3" cstate="print">
+            <a:extLst>
+              <a:ext uri="{BEBA8EAE-BF5A-486C-A8C5-ECC9F3942E4B}">
+                <a14:imgProps xmlns:a14="http://schemas.microsoft.com/office/drawing/2010/main">
+                  <a14:imgLayer r:embed="rId4">
+                    <a14:imgEffect>
+                      <a14:sharpenSoften amount="-100000"/>
+                    </a14:imgEffect>
+                    <a14:imgEffect>
+                      <a14:brightnessContrast bright="-100000" contrast="-40000"/>
+                    </a14:imgEffect>
+                  </a14:imgLayer>
+                </a14:imgProps>
+              </a:ext>
+              <a:ext uri="{28A0092B-C50C-407E-A947-70E740481C1C}">
+                <a14:useLocalDpi xmlns:a14="http://schemas.microsoft.com/office/drawing/2010/main" val="0"/>
+              </a:ext>
+              <a:ext uri="{96DAC541-7B7A-43D3-8B79-37D633B846F1}">
+                <asvg:svgBlip xmlns:asvg="http://schemas.microsoft.com/office/drawing/2016/SVG/main" xmlns="" xmlns:lc="http://schemas.openxmlformats.org/drawingml/2006/lockedCanvas" r:embed="rId11"/>
+              </a:ext>
+            </a:extLst>
+          </a:blip>
+          <a:stretch>
+            <a:fillRect/>
+          </a:stretch>
+        </p:blipFill>
+        <p:spPr>
+          <a:xfrm>
+            <a:off x="2121096" y="181426"/>
+            <a:ext cx="1366888" cy="1366888"/>
+          </a:xfrm>
+          <a:prstGeom prst="rect">
+            <a:avLst/>
+          </a:prstGeom>
+        </p:spPr>
+      </p:pic>
     </p:spTree>
     <p:extLst>
       <p:ext uri="{BB962C8B-B14F-4D97-AF65-F5344CB8AC3E}">
@@ -5716,14 +8325,187 @@
   <p:timing>
     <p:tnLst>
       <p:par>
-        <p:cTn id="1" dur="indefinite" restart="never" nodeType="tmRoot"/>
+        <p:cTn id="1" dur="indefinite" restart="never" nodeType="tmRoot">
+          <p:childTnLst>
+            <p:seq concurrent="1" nextAc="seek">
+              <p:cTn id="2" dur="indefinite" nodeType="mainSeq">
+                <p:childTnLst>
+                  <p:par>
+                    <p:cTn id="3" fill="hold">
+                      <p:stCondLst>
+                        <p:cond delay="indefinite"/>
+                      </p:stCondLst>
+                      <p:childTnLst>
+                        <p:par>
+                          <p:cTn id="4" fill="hold">
+                            <p:stCondLst>
+                              <p:cond delay="0"/>
+                            </p:stCondLst>
+                            <p:childTnLst>
+                              <p:par>
+                                <p:cTn id="5" presetID="1" presetClass="entr" presetSubtype="0" fill="hold" grpId="0" nodeType="clickEffect">
+                                  <p:stCondLst>
+                                    <p:cond delay="0"/>
+                                  </p:stCondLst>
+                                  <p:childTnLst>
+                                    <p:set>
+                                      <p:cBhvr>
+                                        <p:cTn id="6" dur="1" fill="hold">
+                                          <p:stCondLst>
+                                            <p:cond delay="0"/>
+                                          </p:stCondLst>
+                                        </p:cTn>
+                                        <p:tgtEl>
+                                          <p:spTgt spid="9"/>
+                                        </p:tgtEl>
+                                        <p:attrNameLst>
+                                          <p:attrName>style.visibility</p:attrName>
+                                        </p:attrNameLst>
+                                      </p:cBhvr>
+                                      <p:to>
+                                        <p:strVal val="visible"/>
+                                      </p:to>
+                                    </p:set>
+                                  </p:childTnLst>
+                                </p:cTn>
+                              </p:par>
+                              <p:par>
+                                <p:cTn id="7" presetID="1" presetClass="entr" presetSubtype="0" fill="hold" grpId="0" nodeType="withEffect">
+                                  <p:stCondLst>
+                                    <p:cond delay="0"/>
+                                  </p:stCondLst>
+                                  <p:childTnLst>
+                                    <p:set>
+                                      <p:cBhvr>
+                                        <p:cTn id="8" dur="1" fill="hold">
+                                          <p:stCondLst>
+                                            <p:cond delay="0"/>
+                                          </p:stCondLst>
+                                        </p:cTn>
+                                        <p:tgtEl>
+                                          <p:spTgt spid="11"/>
+                                        </p:tgtEl>
+                                        <p:attrNameLst>
+                                          <p:attrName>style.visibility</p:attrName>
+                                        </p:attrNameLst>
+                                      </p:cBhvr>
+                                      <p:to>
+                                        <p:strVal val="visible"/>
+                                      </p:to>
+                                    </p:set>
+                                  </p:childTnLst>
+                                </p:cTn>
+                              </p:par>
+                            </p:childTnLst>
+                          </p:cTn>
+                        </p:par>
+                      </p:childTnLst>
+                    </p:cTn>
+                  </p:par>
+                  <p:par>
+                    <p:cTn id="9" fill="hold">
+                      <p:stCondLst>
+                        <p:cond delay="indefinite"/>
+                      </p:stCondLst>
+                      <p:childTnLst>
+                        <p:par>
+                          <p:cTn id="10" fill="hold">
+                            <p:stCondLst>
+                              <p:cond delay="0"/>
+                            </p:stCondLst>
+                            <p:childTnLst>
+                              <p:par>
+                                <p:cTn id="11" presetID="1" presetClass="entr" presetSubtype="0" fill="hold" grpId="0" nodeType="clickEffect">
+                                  <p:stCondLst>
+                                    <p:cond delay="0"/>
+                                  </p:stCondLst>
+                                  <p:childTnLst>
+                                    <p:set>
+                                      <p:cBhvr>
+                                        <p:cTn id="12" dur="1" fill="hold">
+                                          <p:stCondLst>
+                                            <p:cond delay="0"/>
+                                          </p:stCondLst>
+                                        </p:cTn>
+                                        <p:tgtEl>
+                                          <p:spTgt spid="12"/>
+                                        </p:tgtEl>
+                                        <p:attrNameLst>
+                                          <p:attrName>style.visibility</p:attrName>
+                                        </p:attrNameLst>
+                                      </p:cBhvr>
+                                      <p:to>
+                                        <p:strVal val="visible"/>
+                                      </p:to>
+                                    </p:set>
+                                  </p:childTnLst>
+                                </p:cTn>
+                              </p:par>
+                              <p:par>
+                                <p:cTn id="13" presetID="1" presetClass="entr" presetSubtype="0" fill="hold" grpId="0" nodeType="withEffect">
+                                  <p:stCondLst>
+                                    <p:cond delay="0"/>
+                                  </p:stCondLst>
+                                  <p:childTnLst>
+                                    <p:set>
+                                      <p:cBhvr>
+                                        <p:cTn id="14" dur="1" fill="hold">
+                                          <p:stCondLst>
+                                            <p:cond delay="0"/>
+                                          </p:stCondLst>
+                                        </p:cTn>
+                                        <p:tgtEl>
+                                          <p:spTgt spid="3"/>
+                                        </p:tgtEl>
+                                        <p:attrNameLst>
+                                          <p:attrName>style.visibility</p:attrName>
+                                        </p:attrNameLst>
+                                      </p:cBhvr>
+                                      <p:to>
+                                        <p:strVal val="visible"/>
+                                      </p:to>
+                                    </p:set>
+                                  </p:childTnLst>
+                                </p:cTn>
+                              </p:par>
+                            </p:childTnLst>
+                          </p:cTn>
+                        </p:par>
+                      </p:childTnLst>
+                    </p:cTn>
+                  </p:par>
+                </p:childTnLst>
+              </p:cTn>
+              <p:prevCondLst>
+                <p:cond evt="onPrev" delay="0">
+                  <p:tgtEl>
+                    <p:sldTgt/>
+                  </p:tgtEl>
+                </p:cond>
+              </p:prevCondLst>
+              <p:nextCondLst>
+                <p:cond evt="onNext" delay="0">
+                  <p:tgtEl>
+                    <p:sldTgt/>
+                  </p:tgtEl>
+                </p:cond>
+              </p:nextCondLst>
+            </p:seq>
+          </p:childTnLst>
+        </p:cTn>
       </p:par>
     </p:tnLst>
+    <p:bldLst>
+      <p:bldP spid="3" grpId="0"/>
+      <p:bldP spid="9" grpId="0"/>
+      <p:bldP spid="11" grpId="0" animBg="1"/>
+      <p:bldP spid="12" grpId="0" animBg="1"/>
+    </p:bldLst>
   </p:timing>
 </p:sld>
 </file>
 
-<file path=ppt/slides/slide6.xml><?xml version="1.0" encoding="utf-8"?>
+<file path=ppt/slides/slide8.xml><?xml version="1.0" encoding="utf-8"?>
 <p:sld xmlns:a="http://schemas.openxmlformats.org/drawingml/2006/main" xmlns:r="http://schemas.openxmlformats.org/officeDocument/2006/relationships" xmlns:p="http://schemas.openxmlformats.org/presentationml/2006/main">
   <p:cSld>
     <p:spTree>
@@ -5752,8 +8534,8 @@
         </p:nvSpPr>
         <p:spPr>
           <a:xfrm>
-            <a:off x="1549625" y="146142"/>
-            <a:ext cx="10515600" cy="1325563"/>
+            <a:off x="609601" y="2778281"/>
+            <a:ext cx="11582400" cy="1325563"/>
           </a:xfrm>
         </p:spPr>
         <p:txBody>
@@ -5762,1075 +8544,12 @@
           <a:p>
             <a:pPr algn="ctr"/>
             <a:r>
-              <a:rPr lang="fr-FR" sz="4300" dirty="0">
-                <a:solidFill>
-                  <a:schemeClr val="accent6"/>
-                </a:solidFill>
-                <a:latin typeface="Futura Book" pitchFamily="82" charset="0"/>
+              <a:rPr lang="fr-FR" dirty="0" smtClean="0">
+                <a:hlinkClick r:id="rId2"/>
               </a:rPr>
-              <a:t>PLAN DU DIAPO MAMENE</a:t>
-            </a:r>
-            <a:endParaRPr lang="fr-FR" sz="4300" dirty="0">
-              <a:solidFill>
-                <a:schemeClr val="accent6"/>
-              </a:solidFill>
-              <a:latin typeface="Futura Book" pitchFamily="82" charset="0"/>
-            </a:endParaRPr>
-          </a:p>
-        </p:txBody>
-      </p:sp>
-      <p:grpSp>
-        <p:nvGrpSpPr>
-          <p:cNvPr id="17" name="Groupe 16"/>
-          <p:cNvGrpSpPr/>
-          <p:nvPr/>
-        </p:nvGrpSpPr>
-        <p:grpSpPr>
-          <a:xfrm>
-            <a:off x="0" y="-77638"/>
-            <a:ext cx="1630392" cy="6935639"/>
-            <a:chOff x="1" y="51758"/>
-            <a:chExt cx="1365202" cy="6702730"/>
-          </a:xfrm>
-        </p:grpSpPr>
-        <p:pic>
-          <p:nvPicPr>
-            <p:cNvPr id="18" name="Espace réservé du contenu 3"/>
-            <p:cNvPicPr>
-              <a:picLocks noChangeAspect="1"/>
-            </p:cNvPicPr>
-            <p:nvPr/>
-          </p:nvPicPr>
-          <p:blipFill>
-            <a:blip r:embed="rId2">
-              <a:extLst>
-                <a:ext uri="{28A0092B-C50C-407E-A947-70E740481C1C}">
-                  <a14:useLocalDpi xmlns:a14="http://schemas.microsoft.com/office/drawing/2010/main" val="0"/>
-                </a:ext>
-              </a:extLst>
-            </a:blip>
-            <a:stretch>
-              <a:fillRect/>
-            </a:stretch>
-          </p:blipFill>
-          <p:spPr>
-            <a:xfrm rot="16200000">
-              <a:off x="-2204896" y="2258121"/>
-              <a:ext cx="5776461" cy="1363736"/>
-            </a:xfrm>
-            <a:prstGeom prst="rect">
-              <a:avLst/>
-            </a:prstGeom>
-          </p:spPr>
-        </p:pic>
-        <p:pic>
-          <p:nvPicPr>
-            <p:cNvPr id="19" name="Espace réservé du contenu 3"/>
-            <p:cNvPicPr>
-              <a:picLocks noChangeAspect="1"/>
-            </p:cNvPicPr>
-            <p:nvPr/>
-          </p:nvPicPr>
-          <p:blipFill rotWithShape="1">
-            <a:blip r:embed="rId2">
-              <a:extLst>
-                <a:ext uri="{28A0092B-C50C-407E-A947-70E740481C1C}">
-                  <a14:useLocalDpi xmlns:a14="http://schemas.microsoft.com/office/drawing/2010/main" val="0"/>
-                </a:ext>
-              </a:extLst>
-            </a:blip>
-            <a:srcRect r="29036"/>
-            <a:stretch/>
-          </p:blipFill>
-          <p:spPr>
-            <a:xfrm rot="16200000">
-              <a:off x="-1367733" y="4023018"/>
-              <a:ext cx="4099204" cy="1363736"/>
-            </a:xfrm>
-            <a:prstGeom prst="rect">
-              <a:avLst/>
-            </a:prstGeom>
-          </p:spPr>
-        </p:pic>
-      </p:grpSp>
-      <p:pic>
-        <p:nvPicPr>
-          <p:cNvPr id="20" name="Graphic 14" descr="Handshake">
-            <a:extLst>
-              <a:ext uri="{FF2B5EF4-FFF2-40B4-BE49-F238E27FC236}">
-                <a16:creationId xmlns:lc="http://schemas.openxmlformats.org/drawingml/2006/lockedCanvas" xmlns="" xmlns:a16="http://schemas.microsoft.com/office/drawing/2014/main" id="{8CC1CE3F-9962-4320-A5E0-2813AC4C7F5C}"/>
-              </a:ext>
-            </a:extLst>
-          </p:cNvPr>
-          <p:cNvPicPr>
-            <a:picLocks noChangeAspect="1"/>
-          </p:cNvPicPr>
-          <p:nvPr/>
-        </p:nvPicPr>
-        <p:blipFill>
-          <a:blip r:embed="rId3" cstate="print">
-            <a:extLst>
-              <a:ext uri="{BEBA8EAE-BF5A-486C-A8C5-ECC9F3942E4B}">
-                <a14:imgProps xmlns:a14="http://schemas.microsoft.com/office/drawing/2010/main">
-                  <a14:imgLayer r:embed="rId4">
-                    <a14:imgEffect>
-                      <a14:artisticGlowEdges/>
-                    </a14:imgEffect>
-                  </a14:imgLayer>
-                </a14:imgProps>
-              </a:ext>
-              <a:ext uri="{28A0092B-C50C-407E-A947-70E740481C1C}">
-                <a14:useLocalDpi xmlns:a14="http://schemas.microsoft.com/office/drawing/2010/main" val="0"/>
-              </a:ext>
-              <a:ext uri="{96DAC541-7B7A-43D3-8B79-37D633B846F1}">
-                <asvg:svgBlip xmlns:lc="http://schemas.openxmlformats.org/drawingml/2006/lockedCanvas" xmlns="" xmlns:asvg="http://schemas.microsoft.com/office/drawing/2016/SVG/main" r:embed="rId15"/>
-              </a:ext>
-            </a:extLst>
-          </a:blip>
-          <a:stretch>
-            <a:fillRect/>
-          </a:stretch>
-        </p:blipFill>
-        <p:spPr>
-          <a:xfrm>
-            <a:off x="4796176" y="1679454"/>
-            <a:ext cx="1457848" cy="1457848"/>
-          </a:xfrm>
-          <a:prstGeom prst="rect">
-            <a:avLst/>
-          </a:prstGeom>
-        </p:spPr>
-      </p:pic>
-      <p:pic>
-        <p:nvPicPr>
-          <p:cNvPr id="22" name="Graphic 17" descr="Monitor">
-            <a:extLst>
-              <a:ext uri="{FF2B5EF4-FFF2-40B4-BE49-F238E27FC236}">
-                <a16:creationId xmlns:lc="http://schemas.openxmlformats.org/drawingml/2006/lockedCanvas" xmlns="" xmlns:a16="http://schemas.microsoft.com/office/drawing/2014/main" id="{632D8E6C-CC68-4BD7-96CD-E18DC0FAF045}"/>
-              </a:ext>
-            </a:extLst>
-          </p:cNvPr>
-          <p:cNvPicPr>
-            <a:picLocks noChangeAspect="1"/>
-          </p:cNvPicPr>
-          <p:nvPr/>
-        </p:nvPicPr>
-        <p:blipFill>
-          <a:blip r:embed="rId16" cstate="print">
-            <a:extLst>
-              <a:ext uri="{BEBA8EAE-BF5A-486C-A8C5-ECC9F3942E4B}">
-                <a14:imgProps xmlns:a14="http://schemas.microsoft.com/office/drawing/2010/main">
-                  <a14:imgLayer r:embed="rId17">
-                    <a14:imgEffect>
-                      <a14:brightnessContrast bright="-100000" contrast="-40000"/>
-                    </a14:imgEffect>
-                  </a14:imgLayer>
-                </a14:imgProps>
-              </a:ext>
-              <a:ext uri="{28A0092B-C50C-407E-A947-70E740481C1C}">
-                <a14:useLocalDpi xmlns:a14="http://schemas.microsoft.com/office/drawing/2010/main" val="0"/>
-              </a:ext>
-              <a:ext uri="{96DAC541-7B7A-43D3-8B79-37D633B846F1}">
-                <asvg:svgBlip xmlns:lc="http://schemas.openxmlformats.org/drawingml/2006/lockedCanvas" xmlns="" xmlns:asvg="http://schemas.microsoft.com/office/drawing/2016/SVG/main" r:embed="rId8"/>
-              </a:ext>
-            </a:extLst>
-          </a:blip>
-          <a:stretch>
-            <a:fillRect/>
-          </a:stretch>
-        </p:blipFill>
-        <p:spPr>
-          <a:xfrm>
-            <a:off x="10127516" y="1592323"/>
-            <a:ext cx="1457848" cy="1457848"/>
-          </a:xfrm>
-          <a:prstGeom prst="rect">
-            <a:avLst/>
-          </a:prstGeom>
-          <a:noFill/>
-        </p:spPr>
-      </p:pic>
-      <p:pic>
-        <p:nvPicPr>
-          <p:cNvPr id="24" name="Content Placeholder 7" descr="Briefcase">
-            <a:extLst>
-              <a:ext uri="{FF2B5EF4-FFF2-40B4-BE49-F238E27FC236}">
-                <a16:creationId xmlns:lc="http://schemas.openxmlformats.org/drawingml/2006/lockedCanvas" xmlns="" xmlns:a16="http://schemas.microsoft.com/office/drawing/2014/main" id="{2B1B4CA7-BA24-4C57-8460-641C162B3E75}"/>
-              </a:ext>
-            </a:extLst>
-          </p:cNvPr>
-          <p:cNvPicPr>
-            <a:picLocks noChangeAspect="1"/>
-          </p:cNvPicPr>
-          <p:nvPr/>
-        </p:nvPicPr>
-        <p:blipFill>
-          <a:blip r:embed="rId18" cstate="print">
-            <a:extLst>
-              <a:ext uri="{BEBA8EAE-BF5A-486C-A8C5-ECC9F3942E4B}">
-                <a14:imgProps xmlns:a14="http://schemas.microsoft.com/office/drawing/2010/main">
-                  <a14:imgLayer r:embed="rId19">
-                    <a14:imgEffect>
-                      <a14:artisticGlowEdges/>
-                    </a14:imgEffect>
-                  </a14:imgLayer>
-                </a14:imgProps>
-              </a:ext>
-              <a:ext uri="{28A0092B-C50C-407E-A947-70E740481C1C}">
-                <a14:useLocalDpi xmlns:a14="http://schemas.microsoft.com/office/drawing/2010/main" val="0"/>
-              </a:ext>
-              <a:ext uri="{96DAC541-7B7A-43D3-8B79-37D633B846F1}">
-                <asvg:svgBlip xmlns:lc="http://schemas.openxmlformats.org/drawingml/2006/lockedCanvas" xmlns="" xmlns:asvg="http://schemas.microsoft.com/office/drawing/2016/SVG/main" r:embed="rId22"/>
-              </a:ext>
-            </a:extLst>
-          </a:blip>
-          <a:stretch>
-            <a:fillRect/>
-          </a:stretch>
-        </p:blipFill>
-        <p:spPr>
-          <a:xfrm>
-            <a:off x="4613208" y="4873195"/>
-            <a:ext cx="1482792" cy="1482792"/>
-          </a:xfrm>
-          <a:prstGeom prst="rect">
-            <a:avLst/>
-          </a:prstGeom>
-        </p:spPr>
-      </p:pic>
-      <p:sp>
-        <p:nvSpPr>
-          <p:cNvPr id="25" name="ZoneTexte 24"/>
-          <p:cNvSpPr txBox="1"/>
-          <p:nvPr/>
-        </p:nvSpPr>
-        <p:spPr>
-          <a:xfrm>
-            <a:off x="4894657" y="2832103"/>
-            <a:ext cx="1260886" cy="923330"/>
-          </a:xfrm>
-          <a:prstGeom prst="rect">
-            <a:avLst/>
-          </a:prstGeom>
-          <a:noFill/>
-        </p:spPr>
-        <p:txBody>
-          <a:bodyPr wrap="square" rtlCol="0">
-            <a:spAutoFit/>
-          </a:bodyPr>
-          <a:lstStyle/>
-          <a:p>
-            <a:r>
-              <a:rPr lang="fr-FR" dirty="0" smtClean="0"/>
-              <a:t>Travail d’équipe : répartition</a:t>
+              <a:t>Présentation du site</a:t>
             </a:r>
             <a:endParaRPr lang="fr-FR" dirty="0"/>
-          </a:p>
-        </p:txBody>
-      </p:sp>
-      <p:pic>
-        <p:nvPicPr>
-          <p:cNvPr id="26" name="Graphic 6" descr="Mining Tools">
-            <a:extLst>
-              <a:ext uri="{FF2B5EF4-FFF2-40B4-BE49-F238E27FC236}">
-                <a16:creationId xmlns:lc="http://schemas.openxmlformats.org/drawingml/2006/lockedCanvas" xmlns="" xmlns:a16="http://schemas.microsoft.com/office/drawing/2014/main" id="{CA775E17-20FB-426A-862F-AF41550D67A2}"/>
-              </a:ext>
-            </a:extLst>
-          </p:cNvPr>
-          <p:cNvPicPr>
-            <a:picLocks noChangeAspect="1"/>
-          </p:cNvPicPr>
-          <p:nvPr/>
-        </p:nvPicPr>
-        <p:blipFill>
-          <a:blip r:embed="rId23" cstate="print">
-            <a:extLst>
-              <a:ext uri="{BEBA8EAE-BF5A-486C-A8C5-ECC9F3942E4B}">
-                <a14:imgProps xmlns:a14="http://schemas.microsoft.com/office/drawing/2010/main">
-                  <a14:imgLayer r:embed="rId24">
-                    <a14:imgEffect>
-                      <a14:artisticGlowEdges/>
-                    </a14:imgEffect>
-                  </a14:imgLayer>
-                </a14:imgProps>
-              </a:ext>
-              <a:ext uri="{28A0092B-C50C-407E-A947-70E740481C1C}">
-                <a14:useLocalDpi xmlns:a14="http://schemas.microsoft.com/office/drawing/2010/main" val="0"/>
-              </a:ext>
-              <a:ext uri="{96DAC541-7B7A-43D3-8B79-37D633B846F1}">
-                <asvg:svgBlip xmlns:lc="http://schemas.openxmlformats.org/drawingml/2006/lockedCanvas" xmlns="" xmlns:asvg="http://schemas.microsoft.com/office/drawing/2016/SVG/main" r:embed="rId10"/>
-              </a:ext>
-            </a:extLst>
-          </a:blip>
-          <a:stretch>
-            <a:fillRect/>
-          </a:stretch>
-        </p:blipFill>
-        <p:spPr>
-          <a:xfrm>
-            <a:off x="3567173" y="1780364"/>
-            <a:ext cx="863429" cy="848905"/>
-          </a:xfrm>
-          <a:prstGeom prst="rect">
-            <a:avLst/>
-          </a:prstGeom>
-        </p:spPr>
-      </p:pic>
-      <p:sp>
-        <p:nvSpPr>
-          <p:cNvPr id="28" name="ZoneTexte 27"/>
-          <p:cNvSpPr txBox="1"/>
-          <p:nvPr/>
-        </p:nvSpPr>
-        <p:spPr>
-          <a:xfrm>
-            <a:off x="3302637" y="2777094"/>
-            <a:ext cx="1260886" cy="923330"/>
-          </a:xfrm>
-          <a:prstGeom prst="rect">
-            <a:avLst/>
-          </a:prstGeom>
-          <a:noFill/>
-        </p:spPr>
-        <p:txBody>
-          <a:bodyPr wrap="square" rtlCol="0">
-            <a:spAutoFit/>
-          </a:bodyPr>
-          <a:lstStyle/>
-          <a:p>
-            <a:r>
-              <a:rPr lang="fr-FR" dirty="0" smtClean="0"/>
-              <a:t>Recherche d’outils: </a:t>
-            </a:r>
-            <a:r>
-              <a:rPr lang="fr-FR" dirty="0" err="1" smtClean="0"/>
-              <a:t>bootstrap</a:t>
-            </a:r>
-            <a:r>
-              <a:rPr lang="fr-FR" dirty="0" smtClean="0"/>
-              <a:t>…</a:t>
-            </a:r>
-            <a:endParaRPr lang="fr-FR" dirty="0"/>
-          </a:p>
-        </p:txBody>
-      </p:sp>
-      <p:sp>
-        <p:nvSpPr>
-          <p:cNvPr id="30" name="ZoneTexte 29"/>
-          <p:cNvSpPr txBox="1"/>
-          <p:nvPr/>
-        </p:nvSpPr>
-        <p:spPr>
-          <a:xfrm>
-            <a:off x="3320650" y="6241239"/>
-            <a:ext cx="4067907" cy="369332"/>
-          </a:xfrm>
-          <a:prstGeom prst="rect">
-            <a:avLst/>
-          </a:prstGeom>
-          <a:noFill/>
-        </p:spPr>
-        <p:txBody>
-          <a:bodyPr wrap="square" rtlCol="0">
-            <a:spAutoFit/>
-          </a:bodyPr>
-          <a:lstStyle/>
-          <a:p>
-            <a:r>
-              <a:rPr lang="fr-FR" dirty="0" smtClean="0"/>
-              <a:t>Conclusion : Expérience apporté</a:t>
-            </a:r>
-            <a:endParaRPr lang="fr-FR" dirty="0"/>
-          </a:p>
-        </p:txBody>
-      </p:sp>
-      <p:cxnSp>
-        <p:nvCxnSpPr>
-          <p:cNvPr id="32" name="Connecteur droit avec flèche 31"/>
-          <p:cNvCxnSpPr/>
-          <p:nvPr/>
-        </p:nvCxnSpPr>
-        <p:spPr>
-          <a:xfrm>
-            <a:off x="8963815" y="2147071"/>
-            <a:ext cx="968447" cy="0"/>
-          </a:xfrm>
-          <a:prstGeom prst="straightConnector1">
-            <a:avLst/>
-          </a:prstGeom>
-          <a:ln>
-            <a:tailEnd type="triangle"/>
-          </a:ln>
-        </p:spPr>
-        <p:style>
-          <a:lnRef idx="1">
-            <a:schemeClr val="accent1"/>
-          </a:lnRef>
-          <a:fillRef idx="0">
-            <a:schemeClr val="accent1"/>
-          </a:fillRef>
-          <a:effectRef idx="0">
-            <a:schemeClr val="accent1"/>
-          </a:effectRef>
-          <a:fontRef idx="minor">
-            <a:schemeClr val="tx1"/>
-          </a:fontRef>
-        </p:style>
-      </p:cxnSp>
-      <p:sp>
-        <p:nvSpPr>
-          <p:cNvPr id="33" name="ZoneTexte 32"/>
-          <p:cNvSpPr txBox="1"/>
-          <p:nvPr/>
-        </p:nvSpPr>
-        <p:spPr>
-          <a:xfrm>
-            <a:off x="10279676" y="3020568"/>
-            <a:ext cx="1912324" cy="923330"/>
-          </a:xfrm>
-          <a:prstGeom prst="rect">
-            <a:avLst/>
-          </a:prstGeom>
-          <a:noFill/>
-        </p:spPr>
-        <p:txBody>
-          <a:bodyPr wrap="square" rtlCol="0">
-            <a:spAutoFit/>
-          </a:bodyPr>
-          <a:lstStyle/>
-          <a:p>
-            <a:r>
-              <a:rPr lang="fr-FR" dirty="0" smtClean="0">
-                <a:latin typeface="Futura Book" pitchFamily="82" charset="0"/>
-              </a:rPr>
-              <a:t>Développement </a:t>
-            </a:r>
-            <a:r>
-              <a:rPr lang="fr-FR" dirty="0" smtClean="0">
-                <a:latin typeface="Futura Book" pitchFamily="82" charset="0"/>
-              </a:rPr>
-              <a:t>du site (présentation</a:t>
-            </a:r>
-            <a:r>
-              <a:rPr lang="fr-FR" dirty="0" smtClean="0">
-                <a:latin typeface="Futura Book" pitchFamily="82" charset="0"/>
-              </a:rPr>
-              <a:t>)</a:t>
-            </a:r>
-          </a:p>
-          <a:p>
-            <a:endParaRPr lang="fr-FR" dirty="0"/>
-          </a:p>
-        </p:txBody>
-      </p:sp>
-      <p:sp>
-        <p:nvSpPr>
-          <p:cNvPr id="34" name="Rectangle 33"/>
-          <p:cNvSpPr/>
-          <p:nvPr/>
-        </p:nvSpPr>
-        <p:spPr>
-          <a:xfrm>
-            <a:off x="1371600" y="1714341"/>
-            <a:ext cx="4885336" cy="2245184"/>
-          </a:xfrm>
-          <a:prstGeom prst="rect">
-            <a:avLst/>
-          </a:prstGeom>
-          <a:noFill/>
-        </p:spPr>
-        <p:style>
-          <a:lnRef idx="2">
-            <a:schemeClr val="accent1"/>
-          </a:lnRef>
-          <a:fillRef idx="1">
-            <a:schemeClr val="lt1"/>
-          </a:fillRef>
-          <a:effectRef idx="0">
-            <a:schemeClr val="accent1"/>
-          </a:effectRef>
-          <a:fontRef idx="minor">
-            <a:schemeClr val="dk1"/>
-          </a:fontRef>
-        </p:style>
-        <p:txBody>
-          <a:bodyPr rtlCol="0" anchor="ctr"/>
-          <a:lstStyle/>
-          <a:p>
-            <a:pPr algn="ctr"/>
-            <a:endParaRPr lang="fr-FR"/>
-          </a:p>
-        </p:txBody>
-      </p:sp>
-      <p:sp>
-        <p:nvSpPr>
-          <p:cNvPr id="35" name="ZoneTexte 34"/>
-          <p:cNvSpPr txBox="1"/>
-          <p:nvPr/>
-        </p:nvSpPr>
-        <p:spPr>
-          <a:xfrm>
-            <a:off x="1988964" y="3983178"/>
-            <a:ext cx="1944116" cy="369332"/>
-          </a:xfrm>
-          <a:prstGeom prst="rect">
-            <a:avLst/>
-          </a:prstGeom>
-          <a:noFill/>
-        </p:spPr>
-        <p:txBody>
-          <a:bodyPr wrap="square" rtlCol="0">
-            <a:spAutoFit/>
-          </a:bodyPr>
-          <a:lstStyle/>
-          <a:p>
-            <a:r>
-              <a:rPr lang="fr-FR" dirty="0" smtClean="0"/>
-              <a:t>Partie recherche</a:t>
-            </a:r>
-            <a:endParaRPr lang="fr-FR" dirty="0"/>
-          </a:p>
-        </p:txBody>
-      </p:sp>
-      <p:cxnSp>
-        <p:nvCxnSpPr>
-          <p:cNvPr id="37" name="Connecteur droit avec flèche 36"/>
-          <p:cNvCxnSpPr/>
-          <p:nvPr/>
-        </p:nvCxnSpPr>
-        <p:spPr>
-          <a:xfrm>
-            <a:off x="6341803" y="2203367"/>
-            <a:ext cx="1120987" cy="37046"/>
-          </a:xfrm>
-          <a:prstGeom prst="straightConnector1">
-            <a:avLst/>
-          </a:prstGeom>
-          <a:ln>
-            <a:tailEnd type="triangle"/>
-          </a:ln>
-        </p:spPr>
-        <p:style>
-          <a:lnRef idx="1">
-            <a:schemeClr val="accent1"/>
-          </a:lnRef>
-          <a:fillRef idx="0">
-            <a:schemeClr val="accent1"/>
-          </a:fillRef>
-          <a:effectRef idx="0">
-            <a:schemeClr val="accent1"/>
-          </a:effectRef>
-          <a:fontRef idx="minor">
-            <a:schemeClr val="tx1"/>
-          </a:fontRef>
-        </p:style>
-      </p:cxnSp>
-      <p:pic>
-        <p:nvPicPr>
-          <p:cNvPr id="39" name="Graphic 10" descr="Checklist">
-            <a:extLst>
-              <a:ext uri="{FF2B5EF4-FFF2-40B4-BE49-F238E27FC236}">
-                <a16:creationId xmlns:lc="http://schemas.openxmlformats.org/drawingml/2006/lockedCanvas" xmlns="" xmlns:a16="http://schemas.microsoft.com/office/drawing/2014/main" id="{C47068F2-9344-4F6C-B6CE-38FAF54B95AE}"/>
-              </a:ext>
-            </a:extLst>
-          </p:cNvPr>
-          <p:cNvPicPr>
-            <a:picLocks noChangeAspect="1"/>
-          </p:cNvPicPr>
-          <p:nvPr/>
-        </p:nvPicPr>
-        <p:blipFill>
-          <a:blip r:embed="rId25" cstate="print">
-            <a:extLst>
-              <a:ext uri="{BEBA8EAE-BF5A-486C-A8C5-ECC9F3942E4B}">
-                <a14:imgProps xmlns:a14="http://schemas.microsoft.com/office/drawing/2010/main">
-                  <a14:imgLayer r:embed="rId26">
-                    <a14:imgEffect>
-                      <a14:sharpenSoften amount="-100000"/>
-                    </a14:imgEffect>
-                    <a14:imgEffect>
-                      <a14:brightnessContrast bright="-100000" contrast="-40000"/>
-                    </a14:imgEffect>
-                  </a14:imgLayer>
-                </a14:imgProps>
-              </a:ext>
-              <a:ext uri="{28A0092B-C50C-407E-A947-70E740481C1C}">
-                <a14:useLocalDpi xmlns:a14="http://schemas.microsoft.com/office/drawing/2010/main" val="0"/>
-              </a:ext>
-              <a:ext uri="{96DAC541-7B7A-43D3-8B79-37D633B846F1}">
-                <asvg:svgBlip xmlns:lc="http://schemas.openxmlformats.org/drawingml/2006/lockedCanvas" xmlns="" xmlns:asvg="http://schemas.microsoft.com/office/drawing/2016/SVG/main" r:embed="rId11"/>
-              </a:ext>
-            </a:extLst>
-          </a:blip>
-          <a:stretch>
-            <a:fillRect/>
-          </a:stretch>
-        </p:blipFill>
-        <p:spPr>
-          <a:xfrm>
-            <a:off x="7428265" y="1831123"/>
-            <a:ext cx="1366888" cy="1366888"/>
-          </a:xfrm>
-          <a:prstGeom prst="rect">
-            <a:avLst/>
-          </a:prstGeom>
-        </p:spPr>
-      </p:pic>
-      <p:sp>
-        <p:nvSpPr>
-          <p:cNvPr id="40" name="ZoneTexte 12"/>
-          <p:cNvSpPr txBox="1"/>
-          <p:nvPr/>
-        </p:nvSpPr>
-        <p:spPr>
-          <a:xfrm>
-            <a:off x="7291661" y="3198011"/>
-            <a:ext cx="2207605" cy="830997"/>
-          </a:xfrm>
-          <a:prstGeom prst="rect">
-            <a:avLst/>
-          </a:prstGeom>
-          <a:noFill/>
-        </p:spPr>
-        <p:txBody>
-          <a:bodyPr wrap="square" rtlCol="0">
-            <a:spAutoFit/>
-          </a:bodyPr>
-          <a:lstStyle>
-            <a:defPPr>
-              <a:defRPr lang="fr-FR"/>
-            </a:defPPr>
-            <a:lvl1pPr marL="0" algn="l" defTabSz="810166" rtl="0" eaLnBrk="1" latinLnBrk="0" hangingPunct="1">
-              <a:defRPr sz="1600" kern="1200">
-                <a:solidFill>
-                  <a:schemeClr val="tx1"/>
-                </a:solidFill>
-                <a:latin typeface="+mn-lt"/>
-                <a:ea typeface="+mn-ea"/>
-                <a:cs typeface="+mn-cs"/>
-              </a:defRPr>
-            </a:lvl1pPr>
-            <a:lvl2pPr marL="405084" algn="l" defTabSz="810166" rtl="0" eaLnBrk="1" latinLnBrk="0" hangingPunct="1">
-              <a:defRPr sz="1600" kern="1200">
-                <a:solidFill>
-                  <a:schemeClr val="tx1"/>
-                </a:solidFill>
-                <a:latin typeface="+mn-lt"/>
-                <a:ea typeface="+mn-ea"/>
-                <a:cs typeface="+mn-cs"/>
-              </a:defRPr>
-            </a:lvl2pPr>
-            <a:lvl3pPr marL="810166" algn="l" defTabSz="810166" rtl="0" eaLnBrk="1" latinLnBrk="0" hangingPunct="1">
-              <a:defRPr sz="1600" kern="1200">
-                <a:solidFill>
-                  <a:schemeClr val="tx1"/>
-                </a:solidFill>
-                <a:latin typeface="+mn-lt"/>
-                <a:ea typeface="+mn-ea"/>
-                <a:cs typeface="+mn-cs"/>
-              </a:defRPr>
-            </a:lvl3pPr>
-            <a:lvl4pPr marL="1215248" algn="l" defTabSz="810166" rtl="0" eaLnBrk="1" latinLnBrk="0" hangingPunct="1">
-              <a:defRPr sz="1600" kern="1200">
-                <a:solidFill>
-                  <a:schemeClr val="tx1"/>
-                </a:solidFill>
-                <a:latin typeface="+mn-lt"/>
-                <a:ea typeface="+mn-ea"/>
-                <a:cs typeface="+mn-cs"/>
-              </a:defRPr>
-            </a:lvl4pPr>
-            <a:lvl5pPr marL="1620332" algn="l" defTabSz="810166" rtl="0" eaLnBrk="1" latinLnBrk="0" hangingPunct="1">
-              <a:defRPr sz="1600" kern="1200">
-                <a:solidFill>
-                  <a:schemeClr val="tx1"/>
-                </a:solidFill>
-                <a:latin typeface="+mn-lt"/>
-                <a:ea typeface="+mn-ea"/>
-                <a:cs typeface="+mn-cs"/>
-              </a:defRPr>
-            </a:lvl5pPr>
-            <a:lvl6pPr marL="2025414" algn="l" defTabSz="810166" rtl="0" eaLnBrk="1" latinLnBrk="0" hangingPunct="1">
-              <a:defRPr sz="1600" kern="1200">
-                <a:solidFill>
-                  <a:schemeClr val="tx1"/>
-                </a:solidFill>
-                <a:latin typeface="+mn-lt"/>
-                <a:ea typeface="+mn-ea"/>
-                <a:cs typeface="+mn-cs"/>
-              </a:defRPr>
-            </a:lvl6pPr>
-            <a:lvl7pPr marL="2430497" algn="l" defTabSz="810166" rtl="0" eaLnBrk="1" latinLnBrk="0" hangingPunct="1">
-              <a:defRPr sz="1600" kern="1200">
-                <a:solidFill>
-                  <a:schemeClr val="tx1"/>
-                </a:solidFill>
-                <a:latin typeface="+mn-lt"/>
-                <a:ea typeface="+mn-ea"/>
-                <a:cs typeface="+mn-cs"/>
-              </a:defRPr>
-            </a:lvl7pPr>
-            <a:lvl8pPr marL="2835579" algn="l" defTabSz="810166" rtl="0" eaLnBrk="1" latinLnBrk="0" hangingPunct="1">
-              <a:defRPr sz="1600" kern="1200">
-                <a:solidFill>
-                  <a:schemeClr val="tx1"/>
-                </a:solidFill>
-                <a:latin typeface="+mn-lt"/>
-                <a:ea typeface="+mn-ea"/>
-                <a:cs typeface="+mn-cs"/>
-              </a:defRPr>
-            </a:lvl8pPr>
-            <a:lvl9pPr marL="3240662" algn="l" defTabSz="810166" rtl="0" eaLnBrk="1" latinLnBrk="0" hangingPunct="1">
-              <a:defRPr sz="1600" kern="1200">
-                <a:solidFill>
-                  <a:schemeClr val="tx1"/>
-                </a:solidFill>
-                <a:latin typeface="+mn-lt"/>
-                <a:ea typeface="+mn-ea"/>
-                <a:cs typeface="+mn-cs"/>
-              </a:defRPr>
-            </a:lvl9pPr>
-          </a:lstStyle>
-          <a:p>
-            <a:r>
-              <a:rPr lang="fr-FR" sz="2400" dirty="0" smtClean="0">
-                <a:latin typeface="Futura Book" pitchFamily="82" charset="0"/>
-              </a:rPr>
-              <a:t>Définition </a:t>
-            </a:r>
-          </a:p>
-          <a:p>
-            <a:r>
-              <a:rPr lang="fr-FR" sz="2400" dirty="0">
-                <a:latin typeface="Futura Book" pitchFamily="82" charset="0"/>
-              </a:rPr>
-              <a:t>d</a:t>
-            </a:r>
-            <a:r>
-              <a:rPr lang="fr-FR" sz="2400" dirty="0" smtClean="0">
-                <a:latin typeface="Futura Book" pitchFamily="82" charset="0"/>
-              </a:rPr>
-              <a:t>es </a:t>
-            </a:r>
-            <a:r>
-              <a:rPr lang="fr-FR" sz="2400" dirty="0" smtClean="0">
-                <a:latin typeface="Futura Book" pitchFamily="82" charset="0"/>
-              </a:rPr>
-              <a:t>exigences (</a:t>
-            </a:r>
-            <a:r>
-              <a:rPr lang="fr-FR" sz="2400" dirty="0" err="1" smtClean="0">
-                <a:latin typeface="Futura Book" pitchFamily="82" charset="0"/>
-              </a:rPr>
-              <a:t>cdc</a:t>
-            </a:r>
-            <a:r>
-              <a:rPr lang="fr-FR" sz="2400" dirty="0" smtClean="0">
-                <a:latin typeface="Futura Book" pitchFamily="82" charset="0"/>
-              </a:rPr>
-              <a:t>)</a:t>
-            </a:r>
-            <a:endParaRPr lang="fr-FR" sz="2400" dirty="0">
-              <a:latin typeface="Futura Book" pitchFamily="82" charset="0"/>
-            </a:endParaRPr>
-          </a:p>
-        </p:txBody>
-      </p:sp>
-      <p:cxnSp>
-        <p:nvCxnSpPr>
-          <p:cNvPr id="41" name="Connecteur droit avec flèche 40"/>
-          <p:cNvCxnSpPr/>
-          <p:nvPr/>
-        </p:nvCxnSpPr>
-        <p:spPr>
-          <a:xfrm>
-            <a:off x="10642796" y="4314223"/>
-            <a:ext cx="0" cy="878879"/>
-          </a:xfrm>
-          <a:prstGeom prst="straightConnector1">
-            <a:avLst/>
-          </a:prstGeom>
-          <a:ln>
-            <a:tailEnd type="triangle"/>
-          </a:ln>
-        </p:spPr>
-        <p:style>
-          <a:lnRef idx="1">
-            <a:schemeClr val="accent1"/>
-          </a:lnRef>
-          <a:fillRef idx="0">
-            <a:schemeClr val="accent1"/>
-          </a:fillRef>
-          <a:effectRef idx="0">
-            <a:schemeClr val="accent1"/>
-          </a:effectRef>
-          <a:fontRef idx="minor">
-            <a:schemeClr val="tx1"/>
-          </a:fontRef>
-        </p:style>
-      </p:cxnSp>
-      <p:pic>
-        <p:nvPicPr>
-          <p:cNvPr id="43" name="Graphic 17" descr="Monitor">
-            <a:extLst>
-              <a:ext uri="{FF2B5EF4-FFF2-40B4-BE49-F238E27FC236}">
-                <a16:creationId xmlns:lc="http://schemas.openxmlformats.org/drawingml/2006/lockedCanvas" xmlns="" xmlns:a16="http://schemas.microsoft.com/office/drawing/2014/main" id="{632D8E6C-CC68-4BD7-96CD-E18DC0FAF045}"/>
-              </a:ext>
-            </a:extLst>
-          </p:cNvPr>
-          <p:cNvPicPr>
-            <a:picLocks noChangeAspect="1"/>
-          </p:cNvPicPr>
-          <p:nvPr/>
-        </p:nvPicPr>
-        <p:blipFill>
-          <a:blip r:embed="rId16" cstate="print">
-            <a:extLst>
-              <a:ext uri="{BEBA8EAE-BF5A-486C-A8C5-ECC9F3942E4B}">
-                <a14:imgProps xmlns:a14="http://schemas.microsoft.com/office/drawing/2010/main">
-                  <a14:imgLayer r:embed="rId17">
-                    <a14:imgEffect>
-                      <a14:brightnessContrast bright="-100000" contrast="-40000"/>
-                    </a14:imgEffect>
-                  </a14:imgLayer>
-                </a14:imgProps>
-              </a:ext>
-              <a:ext uri="{28A0092B-C50C-407E-A947-70E740481C1C}">
-                <a14:useLocalDpi xmlns:a14="http://schemas.microsoft.com/office/drawing/2010/main" val="0"/>
-              </a:ext>
-              <a:ext uri="{96DAC541-7B7A-43D3-8B79-37D633B846F1}">
-                <asvg:svgBlip xmlns:lc="http://schemas.openxmlformats.org/drawingml/2006/lockedCanvas" xmlns="" xmlns:asvg="http://schemas.microsoft.com/office/drawing/2016/SVG/main" r:embed="rId8"/>
-              </a:ext>
-            </a:extLst>
-          </a:blip>
-          <a:stretch>
-            <a:fillRect/>
-          </a:stretch>
-        </p:blipFill>
-        <p:spPr>
-          <a:xfrm>
-            <a:off x="9238907" y="5268130"/>
-            <a:ext cx="1457848" cy="1457848"/>
-          </a:xfrm>
-          <a:prstGeom prst="rect">
-            <a:avLst/>
-          </a:prstGeom>
-          <a:noFill/>
-        </p:spPr>
-      </p:pic>
-      <p:sp>
-        <p:nvSpPr>
-          <p:cNvPr id="44" name="ZoneTexte 43"/>
-          <p:cNvSpPr txBox="1"/>
-          <p:nvPr/>
-        </p:nvSpPr>
-        <p:spPr>
-          <a:xfrm>
-            <a:off x="10642796" y="5673889"/>
-            <a:ext cx="1468379" cy="646331"/>
-          </a:xfrm>
-          <a:prstGeom prst="rect">
-            <a:avLst/>
-          </a:prstGeom>
-          <a:noFill/>
-        </p:spPr>
-        <p:txBody>
-          <a:bodyPr wrap="square" rtlCol="0">
-            <a:spAutoFit/>
-          </a:bodyPr>
-          <a:lstStyle/>
-          <a:p>
-            <a:r>
-              <a:rPr lang="fr-FR" dirty="0" smtClean="0"/>
-              <a:t>Présentation du code</a:t>
-            </a:r>
-            <a:endParaRPr lang="fr-FR" dirty="0"/>
-          </a:p>
-        </p:txBody>
-      </p:sp>
-      <p:cxnSp>
-        <p:nvCxnSpPr>
-          <p:cNvPr id="46" name="Connecteur droit avec flèche 45"/>
-          <p:cNvCxnSpPr/>
-          <p:nvPr/>
-        </p:nvCxnSpPr>
-        <p:spPr>
-          <a:xfrm flipH="1" flipV="1">
-            <a:off x="7116792" y="5788325"/>
-            <a:ext cx="1630459" cy="30723"/>
-          </a:xfrm>
-          <a:prstGeom prst="straightConnector1">
-            <a:avLst/>
-          </a:prstGeom>
-          <a:ln>
-            <a:tailEnd type="triangle"/>
-          </a:ln>
-        </p:spPr>
-        <p:style>
-          <a:lnRef idx="1">
-            <a:schemeClr val="accent1"/>
-          </a:lnRef>
-          <a:fillRef idx="0">
-            <a:schemeClr val="accent1"/>
-          </a:fillRef>
-          <a:effectRef idx="0">
-            <a:schemeClr val="accent1"/>
-          </a:effectRef>
-          <a:fontRef idx="minor">
-            <a:schemeClr val="tx1"/>
-          </a:fontRef>
-        </p:style>
-      </p:cxnSp>
-      <p:pic>
-        <p:nvPicPr>
-          <p:cNvPr id="27" name="Content Placeholder 7" descr="Bullseye">
-            <a:extLst>
-              <a:ext uri="{FF2B5EF4-FFF2-40B4-BE49-F238E27FC236}">
-                <a16:creationId xmlns:lc="http://schemas.openxmlformats.org/drawingml/2006/lockedCanvas" xmlns="" xmlns:a16="http://schemas.microsoft.com/office/drawing/2014/main" id="{2F6EA311-2F89-4164-AA3A-D9A6109E3873}"/>
-              </a:ext>
-            </a:extLst>
-          </p:cNvPr>
-          <p:cNvPicPr>
-            <a:picLocks noChangeAspect="1"/>
-          </p:cNvPicPr>
-          <p:nvPr/>
-        </p:nvPicPr>
-        <p:blipFill>
-          <a:blip r:embed="rId27" cstate="print">
-            <a:extLst>
-              <a:ext uri="{BEBA8EAE-BF5A-486C-A8C5-ECC9F3942E4B}">
-                <a14:imgProps xmlns:a14="http://schemas.microsoft.com/office/drawing/2010/main">
-                  <a14:imgLayer r:embed="rId28">
-                    <a14:imgEffect>
-                      <a14:brightnessContrast bright="-100000" contrast="-40000"/>
-                    </a14:imgEffect>
-                  </a14:imgLayer>
-                </a14:imgProps>
-              </a:ext>
-              <a:ext uri="{28A0092B-C50C-407E-A947-70E740481C1C}">
-                <a14:useLocalDpi xmlns:a14="http://schemas.microsoft.com/office/drawing/2010/main" val="0"/>
-              </a:ext>
-              <a:ext uri="{96DAC541-7B7A-43D3-8B79-37D633B846F1}">
-                <asvg:svgBlip xmlns:lc="http://schemas.openxmlformats.org/drawingml/2006/lockedCanvas" xmlns="" xmlns:asvg="http://schemas.microsoft.com/office/drawing/2016/SVG/main" r:embed="rId14"/>
-              </a:ext>
-            </a:extLst>
-          </a:blip>
-          <a:stretch>
-            <a:fillRect/>
-          </a:stretch>
-        </p:blipFill>
-        <p:spPr>
-          <a:xfrm>
-            <a:off x="1843772" y="1917903"/>
-            <a:ext cx="980949" cy="980949"/>
-          </a:xfrm>
-          <a:prstGeom prst="rect">
-            <a:avLst/>
-          </a:prstGeom>
-        </p:spPr>
-      </p:pic>
-      <p:sp>
-        <p:nvSpPr>
-          <p:cNvPr id="31" name="ZoneTexte 30"/>
-          <p:cNvSpPr txBox="1"/>
-          <p:nvPr/>
-        </p:nvSpPr>
-        <p:spPr>
-          <a:xfrm>
-            <a:off x="1549625" y="2880919"/>
-            <a:ext cx="1621468" cy="923330"/>
-          </a:xfrm>
-          <a:prstGeom prst="rect">
-            <a:avLst/>
-          </a:prstGeom>
-          <a:noFill/>
-        </p:spPr>
-        <p:txBody>
-          <a:bodyPr wrap="square" rtlCol="0">
-            <a:spAutoFit/>
-          </a:bodyPr>
-          <a:lstStyle/>
-          <a:p>
-            <a:r>
-              <a:rPr lang="fr-FR" dirty="0" smtClean="0"/>
-              <a:t>Objectif : réalisation d’un intranet</a:t>
-            </a:r>
-            <a:endParaRPr lang="fr-FR" dirty="0"/>
-          </a:p>
-        </p:txBody>
-      </p:sp>
-    </p:spTree>
-    <p:extLst>
-      <p:ext uri="{BB962C8B-B14F-4D97-AF65-F5344CB8AC3E}">
-        <p14:creationId xmlns:p14="http://schemas.microsoft.com/office/powerpoint/2010/main" val="3822885357"/>
-      </p:ext>
-    </p:extLst>
-  </p:cSld>
-  <p:clrMapOvr>
-    <a:masterClrMapping/>
-  </p:clrMapOvr>
-  <p:timing>
-    <p:tnLst>
-      <p:par>
-        <p:cTn id="1" dur="indefinite" restart="never" nodeType="tmRoot"/>
-      </p:par>
-    </p:tnLst>
-  </p:timing>
-</p:sld>
-</file>
-
-<file path=ppt/slides/slide7.xml><?xml version="1.0" encoding="utf-8"?>
-<p:sld xmlns:a="http://schemas.openxmlformats.org/drawingml/2006/main" xmlns:r="http://schemas.openxmlformats.org/officeDocument/2006/relationships" xmlns:p="http://schemas.openxmlformats.org/presentationml/2006/main">
-  <p:cSld>
-    <p:spTree>
-      <p:nvGrpSpPr>
-        <p:cNvPr id="1" name=""/>
-        <p:cNvGrpSpPr/>
-        <p:nvPr/>
-      </p:nvGrpSpPr>
-      <p:grpSpPr>
-        <a:xfrm>
-          <a:off x="0" y="0"/>
-          <a:ext cx="0" cy="0"/>
-          <a:chOff x="0" y="0"/>
-          <a:chExt cx="0" cy="0"/>
-        </a:xfrm>
-      </p:grpSpPr>
-      <p:sp>
-        <p:nvSpPr>
-          <p:cNvPr id="2" name="Titre 1"/>
-          <p:cNvSpPr>
-            <a:spLocks noGrp="1"/>
-          </p:cNvSpPr>
-          <p:nvPr>
-            <p:ph type="title"/>
-          </p:nvPr>
-        </p:nvSpPr>
-        <p:spPr/>
-        <p:txBody>
-          <a:bodyPr/>
-          <a:lstStyle/>
-          <a:p>
-            <a:endParaRPr lang="fr-FR"/>
-          </a:p>
-        </p:txBody>
-      </p:sp>
-      <p:sp>
-        <p:nvSpPr>
-          <p:cNvPr id="3" name="Espace réservé du contenu 2"/>
-          <p:cNvSpPr>
-            <a:spLocks noGrp="1"/>
-          </p:cNvSpPr>
-          <p:nvPr>
-            <p:ph idx="1"/>
-          </p:nvPr>
-        </p:nvSpPr>
-        <p:spPr/>
-        <p:txBody>
-          <a:bodyPr/>
-          <a:lstStyle/>
-          <a:p>
-            <a:endParaRPr lang="fr-FR"/>
           </a:p>
         </p:txBody>
       </p:sp>
@@ -6857,7 +8576,7 @@
             <p:nvPr/>
           </p:nvPicPr>
           <p:blipFill>
-            <a:blip r:embed="rId2">
+            <a:blip r:embed="rId3">
               <a:extLst>
                 <a:ext uri="{28A0092B-C50C-407E-A947-70E740481C1C}">
                   <a14:useLocalDpi xmlns:a14="http://schemas.microsoft.com/office/drawing/2010/main" val="0"/>
@@ -6887,7 +8606,7 @@
             <p:nvPr/>
           </p:nvPicPr>
           <p:blipFill rotWithShape="1">
-            <a:blip r:embed="rId2">
+            <a:blip r:embed="rId3">
               <a:extLst>
                 <a:ext uri="{28A0092B-C50C-407E-A947-70E740481C1C}">
                   <a14:useLocalDpi xmlns:a14="http://schemas.microsoft.com/office/drawing/2010/main" val="0"/>

--- a/Présentation.pptx
+++ b/Présentation.pptx
@@ -10,12 +10,12 @@
   <p:sldIdLst>
     <p:sldId id="256" r:id="rId2"/>
     <p:sldId id="258" r:id="rId3"/>
-    <p:sldId id="257" r:id="rId4"/>
-    <p:sldId id="260" r:id="rId5"/>
-    <p:sldId id="263" r:id="rId6"/>
-    <p:sldId id="261" r:id="rId7"/>
-    <p:sldId id="262" r:id="rId8"/>
-    <p:sldId id="259" r:id="rId9"/>
+    <p:sldId id="260" r:id="rId4"/>
+    <p:sldId id="263" r:id="rId5"/>
+    <p:sldId id="261" r:id="rId6"/>
+    <p:sldId id="262" r:id="rId7"/>
+    <p:sldId id="259" r:id="rId8"/>
+    <p:sldId id="265" r:id="rId9"/>
   </p:sldIdLst>
   <p:sldSz cx="12192000" cy="6858000"/>
   <p:notesSz cx="6858000" cy="9144000"/>
@@ -619,7 +619,7 @@
           <a:p>
             <a:fld id="{05358A63-4E55-4906-AEA2-B5A89550A91C}" type="slidenum">
               <a:rPr lang="fr-FR" smtClean="0"/>
-              <a:t>4</a:t>
+              <a:t>3</a:t>
             </a:fld>
             <a:endParaRPr lang="fr-FR"/>
           </a:p>
@@ -629,6 +629,106 @@
     <p:extLst>
       <p:ext uri="{BB962C8B-B14F-4D97-AF65-F5344CB8AC3E}">
         <p14:creationId xmlns:p14="http://schemas.microsoft.com/office/powerpoint/2010/main" val="1906794154"/>
+      </p:ext>
+    </p:extLst>
+  </p:cSld>
+  <p:clrMapOvr>
+    <a:masterClrMapping/>
+  </p:clrMapOvr>
+</p:notes>
+</file>
+
+<file path=ppt/notesSlides/notesSlide2.xml><?xml version="1.0" encoding="utf-8"?>
+<p:notes xmlns:a="http://schemas.openxmlformats.org/drawingml/2006/main" xmlns:r="http://schemas.openxmlformats.org/officeDocument/2006/relationships" xmlns:p="http://schemas.openxmlformats.org/presentationml/2006/main">
+  <p:cSld>
+    <p:spTree>
+      <p:nvGrpSpPr>
+        <p:cNvPr id="1" name=""/>
+        <p:cNvGrpSpPr/>
+        <p:nvPr/>
+      </p:nvGrpSpPr>
+      <p:grpSpPr>
+        <a:xfrm>
+          <a:off x="0" y="0"/>
+          <a:ext cx="0" cy="0"/>
+          <a:chOff x="0" y="0"/>
+          <a:chExt cx="0" cy="0"/>
+        </a:xfrm>
+      </p:grpSpPr>
+      <p:sp>
+        <p:nvSpPr>
+          <p:cNvPr id="2" name="Espace réservé de l'image des diapositives 1"/>
+          <p:cNvSpPr>
+            <a:spLocks noGrp="1" noRot="1" noChangeAspect="1"/>
+          </p:cNvSpPr>
+          <p:nvPr>
+            <p:ph type="sldImg"/>
+          </p:nvPr>
+        </p:nvSpPr>
+        <p:spPr/>
+      </p:sp>
+      <p:sp>
+        <p:nvSpPr>
+          <p:cNvPr id="3" name="Espace réservé des commentaires 2"/>
+          <p:cNvSpPr>
+            <a:spLocks noGrp="1"/>
+          </p:cNvSpPr>
+          <p:nvPr>
+            <p:ph type="body" idx="1"/>
+          </p:nvPr>
+        </p:nvSpPr>
+        <p:spPr/>
+        <p:txBody>
+          <a:bodyPr/>
+          <a:lstStyle/>
+          <a:p>
+            <a:r>
+              <a:rPr lang="fr-FR" dirty="0" smtClean="0"/>
+              <a:t>PAPE :Index Non identifié :</a:t>
+            </a:r>
+          </a:p>
+          <a:p>
+            <a:r>
+              <a:rPr lang="fr-FR" dirty="0" err="1" smtClean="0"/>
+              <a:t>Felicien</a:t>
+            </a:r>
+            <a:r>
+              <a:rPr lang="fr-FR" dirty="0" smtClean="0"/>
+              <a:t> Connexion</a:t>
+            </a:r>
+          </a:p>
+          <a:p>
+            <a:endParaRPr lang="fr-FR" dirty="0"/>
+          </a:p>
+        </p:txBody>
+      </p:sp>
+      <p:sp>
+        <p:nvSpPr>
+          <p:cNvPr id="4" name="Espace réservé du numéro de diapositive 3"/>
+          <p:cNvSpPr>
+            <a:spLocks noGrp="1"/>
+          </p:cNvSpPr>
+          <p:nvPr>
+            <p:ph type="sldNum" sz="quarter" idx="10"/>
+          </p:nvPr>
+        </p:nvSpPr>
+        <p:spPr/>
+        <p:txBody>
+          <a:bodyPr/>
+          <a:lstStyle/>
+          <a:p>
+            <a:fld id="{05358A63-4E55-4906-AEA2-B5A89550A91C}" type="slidenum">
+              <a:rPr lang="fr-FR" smtClean="0"/>
+              <a:t>7</a:t>
+            </a:fld>
+            <a:endParaRPr lang="fr-FR"/>
+          </a:p>
+        </p:txBody>
+      </p:sp>
+    </p:spTree>
+    <p:extLst>
+      <p:ext uri="{BB962C8B-B14F-4D97-AF65-F5344CB8AC3E}">
+        <p14:creationId xmlns:p14="http://schemas.microsoft.com/office/powerpoint/2010/main" val="229529184"/>
       </p:ext>
     </p:extLst>
   </p:cSld>
@@ -3975,22 +4075,13 @@
           <a:p>
             <a:pPr algn="ctr"/>
             <a:r>
-              <a:rPr lang="fr-FR" sz="4300" dirty="0">
-                <a:solidFill>
-                  <a:schemeClr val="accent6"/>
-                </a:solidFill>
-                <a:latin typeface="Futura Book" pitchFamily="82" charset="0"/>
-              </a:rPr>
-              <a:t>PLAN DU </a:t>
-            </a:r>
-            <a:r>
               <a:rPr lang="fr-FR" sz="4300" dirty="0" smtClean="0">
                 <a:solidFill>
                   <a:schemeClr val="accent6"/>
                 </a:solidFill>
                 <a:latin typeface="Futura Book" pitchFamily="82" charset="0"/>
               </a:rPr>
-              <a:t>DIAPO</a:t>
+              <a:t>Sommaire</a:t>
             </a:r>
             <a:endParaRPr lang="fr-FR" sz="4300" dirty="0">
               <a:solidFill>
@@ -4077,10 +4168,10 @@
       </p:grpSp>
       <p:pic>
         <p:nvPicPr>
-          <p:cNvPr id="20" name="Graphic 14" descr="Handshake">
+          <p:cNvPr id="22" name="Graphic 17" descr="Monitor">
             <a:extLst>
               <a:ext uri="{FF2B5EF4-FFF2-40B4-BE49-F238E27FC236}">
-                <a16:creationId xmlns:a16="http://schemas.microsoft.com/office/drawing/2014/main" xmlns="" xmlns:lc="http://schemas.openxmlformats.org/drawingml/2006/lockedCanvas" id="{8CC1CE3F-9962-4320-A5E0-2813AC4C7F5C}"/>
+                <a16:creationId xmlns:a16="http://schemas.microsoft.com/office/drawing/2014/main" xmlns="" xmlns:lc="http://schemas.openxmlformats.org/drawingml/2006/lockedCanvas" id="{632D8E6C-CC68-4BD7-96CD-E18DC0FAF045}"/>
               </a:ext>
             </a:extLst>
           </p:cNvPr>
@@ -4095,54 +4186,6 @@
               <a:ext uri="{BEBA8EAE-BF5A-486C-A8C5-ECC9F3942E4B}">
                 <a14:imgProps xmlns:a14="http://schemas.microsoft.com/office/drawing/2010/main">
                   <a14:imgLayer r:embed="rId4">
-                    <a14:imgEffect>
-                      <a14:artisticGlowEdges/>
-                    </a14:imgEffect>
-                  </a14:imgLayer>
-                </a14:imgProps>
-              </a:ext>
-              <a:ext uri="{28A0092B-C50C-407E-A947-70E740481C1C}">
-                <a14:useLocalDpi xmlns:a14="http://schemas.microsoft.com/office/drawing/2010/main" val="0"/>
-              </a:ext>
-              <a:ext uri="{96DAC541-7B7A-43D3-8B79-37D633B846F1}">
-                <asvg:svgBlip xmlns:asvg="http://schemas.microsoft.com/office/drawing/2016/SVG/main" xmlns="" xmlns:lc="http://schemas.openxmlformats.org/drawingml/2006/lockedCanvas" r:embed="rId15"/>
-              </a:ext>
-            </a:extLst>
-          </a:blip>
-          <a:stretch>
-            <a:fillRect/>
-          </a:stretch>
-        </p:blipFill>
-        <p:spPr>
-          <a:xfrm>
-            <a:off x="4796176" y="1679454"/>
-            <a:ext cx="1457848" cy="1457848"/>
-          </a:xfrm>
-          <a:prstGeom prst="rect">
-            <a:avLst/>
-          </a:prstGeom>
-        </p:spPr>
-      </p:pic>
-      <p:pic>
-        <p:nvPicPr>
-          <p:cNvPr id="22" name="Graphic 17" descr="Monitor">
-            <a:extLst>
-              <a:ext uri="{FF2B5EF4-FFF2-40B4-BE49-F238E27FC236}">
-                <a16:creationId xmlns:a16="http://schemas.microsoft.com/office/drawing/2014/main" xmlns="" xmlns:lc="http://schemas.openxmlformats.org/drawingml/2006/lockedCanvas" id="{632D8E6C-CC68-4BD7-96CD-E18DC0FAF045}"/>
-              </a:ext>
-            </a:extLst>
-          </p:cNvPr>
-          <p:cNvPicPr>
-            <a:picLocks noChangeAspect="1"/>
-          </p:cNvPicPr>
-          <p:nvPr/>
-        </p:nvPicPr>
-        <p:blipFill>
-          <a:blip r:embed="rId16" cstate="print">
-            <a:extLst>
-              <a:ext uri="{BEBA8EAE-BF5A-486C-A8C5-ECC9F3942E4B}">
-                <a14:imgProps xmlns:a14="http://schemas.microsoft.com/office/drawing/2010/main">
-                  <a14:imgLayer r:embed="rId17">
                     <a14:imgEffect>
                       <a14:brightnessContrast bright="-100000" contrast="-40000"/>
                     </a14:imgEffect>
@@ -4163,7 +4206,7 @@
         </p:blipFill>
         <p:spPr>
           <a:xfrm>
-            <a:off x="10127516" y="1592323"/>
+            <a:off x="8462013" y="4725554"/>
             <a:ext cx="1457848" cy="1457848"/>
           </a:xfrm>
           <a:prstGeom prst="rect">
@@ -4187,11 +4230,11 @@
           <p:nvPr/>
         </p:nvPicPr>
         <p:blipFill>
-          <a:blip r:embed="rId18" cstate="print">
+          <a:blip r:embed="rId9" cstate="print">
             <a:extLst>
               <a:ext uri="{BEBA8EAE-BF5A-486C-A8C5-ECC9F3942E4B}">
                 <a14:imgProps xmlns:a14="http://schemas.microsoft.com/office/drawing/2010/main">
-                  <a14:imgLayer r:embed="rId19">
+                  <a14:imgLayer r:embed="rId10">
                     <a14:imgEffect>
                       <a14:artisticGlowEdges/>
                     </a14:imgEffect>
@@ -4212,7 +4255,7 @@
         </p:blipFill>
         <p:spPr>
           <a:xfrm>
-            <a:off x="4613208" y="4873195"/>
+            <a:off x="3657659" y="4665198"/>
             <a:ext cx="1482792" cy="1482792"/>
           </a:xfrm>
           <a:prstGeom prst="rect">
@@ -4222,14 +4265,14 @@
       </p:pic>
       <p:sp>
         <p:nvSpPr>
-          <p:cNvPr id="25" name="ZoneTexte 24"/>
+          <p:cNvPr id="30" name="ZoneTexte 29"/>
           <p:cNvSpPr txBox="1"/>
           <p:nvPr/>
         </p:nvSpPr>
         <p:spPr>
           <a:xfrm>
-            <a:off x="4894657" y="2832103"/>
-            <a:ext cx="1260886" cy="923330"/>
+            <a:off x="2365101" y="6056574"/>
+            <a:ext cx="4067907" cy="461665"/>
           </a:xfrm>
           <a:prstGeom prst="rect">
             <a:avLst/>
@@ -4242,72 +4285,29 @@
           </a:bodyPr>
           <a:lstStyle/>
           <a:p>
-            <a:r>
-              <a:rPr lang="fr-FR" dirty="0" smtClean="0"/>
-              <a:t>Travail d’équipe : répartition</a:t>
-            </a:r>
-            <a:endParaRPr lang="fr-FR" dirty="0"/>
-          </a:p>
-        </p:txBody>
-      </p:sp>
-      <p:pic>
-        <p:nvPicPr>
-          <p:cNvPr id="26" name="Graphic 6" descr="Mining Tools">
-            <a:extLst>
-              <a:ext uri="{FF2B5EF4-FFF2-40B4-BE49-F238E27FC236}">
-                <a16:creationId xmlns:a16="http://schemas.microsoft.com/office/drawing/2014/main" xmlns="" xmlns:lc="http://schemas.openxmlformats.org/drawingml/2006/lockedCanvas" id="{CA775E17-20FB-426A-862F-AF41550D67A2}"/>
-              </a:ext>
-            </a:extLst>
-          </p:cNvPr>
-          <p:cNvPicPr>
-            <a:picLocks noChangeAspect="1"/>
-          </p:cNvPicPr>
-          <p:nvPr/>
-        </p:nvPicPr>
-        <p:blipFill>
-          <a:blip r:embed="rId23" cstate="print">
-            <a:extLst>
-              <a:ext uri="{BEBA8EAE-BF5A-486C-A8C5-ECC9F3942E4B}">
-                <a14:imgProps xmlns:a14="http://schemas.microsoft.com/office/drawing/2010/main">
-                  <a14:imgLayer r:embed="rId24">
-                    <a14:imgEffect>
-                      <a14:artisticGlowEdges/>
-                    </a14:imgEffect>
-                  </a14:imgLayer>
-                </a14:imgProps>
-              </a:ext>
-              <a:ext uri="{28A0092B-C50C-407E-A947-70E740481C1C}">
-                <a14:useLocalDpi xmlns:a14="http://schemas.microsoft.com/office/drawing/2010/main" val="0"/>
-              </a:ext>
-              <a:ext uri="{96DAC541-7B7A-43D3-8B79-37D633B846F1}">
-                <asvg:svgBlip xmlns:asvg="http://schemas.microsoft.com/office/drawing/2016/SVG/main" xmlns="" xmlns:lc="http://schemas.openxmlformats.org/drawingml/2006/lockedCanvas" r:embed="rId10"/>
-              </a:ext>
-            </a:extLst>
-          </a:blip>
-          <a:stretch>
-            <a:fillRect/>
-          </a:stretch>
-        </p:blipFill>
-        <p:spPr>
-          <a:xfrm>
-            <a:off x="3567173" y="1780364"/>
-            <a:ext cx="863429" cy="848905"/>
-          </a:xfrm>
-          <a:prstGeom prst="rect">
-            <a:avLst/>
-          </a:prstGeom>
-        </p:spPr>
-      </p:pic>
-      <p:sp>
-        <p:nvSpPr>
-          <p:cNvPr id="28" name="ZoneTexte 27"/>
+            <a:pPr algn="ctr"/>
+            <a:r>
+              <a:rPr lang="fr-FR" sz="2400" dirty="0">
+                <a:latin typeface="Futura Book" pitchFamily="82" charset="0"/>
+              </a:rPr>
+              <a:t>Conclusion</a:t>
+            </a:r>
+            <a:endParaRPr lang="fr-FR" sz="2400" dirty="0">
+              <a:latin typeface="Futura Book" pitchFamily="82" charset="0"/>
+            </a:endParaRPr>
+          </a:p>
+        </p:txBody>
+      </p:sp>
+      <p:sp>
+        <p:nvSpPr>
+          <p:cNvPr id="33" name="ZoneTexte 32"/>
           <p:cNvSpPr txBox="1"/>
           <p:nvPr/>
         </p:nvSpPr>
         <p:spPr>
           <a:xfrm>
-            <a:off x="3302637" y="2777094"/>
-            <a:ext cx="1260886" cy="923330"/>
+            <a:off x="9709003" y="5085146"/>
+            <a:ext cx="2320448" cy="738664"/>
           </a:xfrm>
           <a:prstGeom prst="rect">
             <a:avLst/>
@@ -4320,221 +4320,23 @@
           </a:bodyPr>
           <a:lstStyle/>
           <a:p>
-            <a:r>
-              <a:rPr lang="fr-FR" dirty="0" smtClean="0"/>
-              <a:t>Recherche d’outils: </a:t>
-            </a:r>
-            <a:r>
-              <a:rPr lang="fr-FR" dirty="0" err="1" smtClean="0"/>
-              <a:t>bootstrap</a:t>
-            </a:r>
-            <a:r>
-              <a:rPr lang="fr-FR" dirty="0" smtClean="0"/>
-              <a:t>…</a:t>
-            </a:r>
-            <a:endParaRPr lang="fr-FR" dirty="0"/>
-          </a:p>
-        </p:txBody>
-      </p:sp>
-      <p:sp>
-        <p:nvSpPr>
-          <p:cNvPr id="30" name="ZoneTexte 29"/>
-          <p:cNvSpPr txBox="1"/>
-          <p:nvPr/>
-        </p:nvSpPr>
-        <p:spPr>
-          <a:xfrm>
-            <a:off x="3320650" y="6241239"/>
-            <a:ext cx="4067907" cy="369332"/>
-          </a:xfrm>
-          <a:prstGeom prst="rect">
-            <a:avLst/>
-          </a:prstGeom>
-          <a:noFill/>
-        </p:spPr>
-        <p:txBody>
-          <a:bodyPr wrap="square" rtlCol="0">
-            <a:spAutoFit/>
-          </a:bodyPr>
-          <a:lstStyle/>
-          <a:p>
-            <a:r>
-              <a:rPr lang="fr-FR" dirty="0" smtClean="0"/>
-              <a:t>Conclusion : Expérience apporté</a:t>
-            </a:r>
-            <a:endParaRPr lang="fr-FR" dirty="0"/>
-          </a:p>
-        </p:txBody>
-      </p:sp>
-      <p:cxnSp>
-        <p:nvCxnSpPr>
-          <p:cNvPr id="32" name="Connecteur droit avec flèche 31"/>
-          <p:cNvCxnSpPr/>
-          <p:nvPr/>
-        </p:nvCxnSpPr>
-        <p:spPr>
-          <a:xfrm>
-            <a:off x="8963815" y="2147071"/>
-            <a:ext cx="968447" cy="0"/>
-          </a:xfrm>
-          <a:prstGeom prst="straightConnector1">
-            <a:avLst/>
-          </a:prstGeom>
-          <a:ln>
-            <a:tailEnd type="triangle"/>
-          </a:ln>
-        </p:spPr>
-        <p:style>
-          <a:lnRef idx="1">
-            <a:schemeClr val="accent1"/>
-          </a:lnRef>
-          <a:fillRef idx="0">
-            <a:schemeClr val="accent1"/>
-          </a:fillRef>
-          <a:effectRef idx="0">
-            <a:schemeClr val="accent1"/>
-          </a:effectRef>
-          <a:fontRef idx="minor">
-            <a:schemeClr val="tx1"/>
-          </a:fontRef>
-        </p:style>
-      </p:cxnSp>
-      <p:sp>
-        <p:nvSpPr>
-          <p:cNvPr id="33" name="ZoneTexte 32"/>
-          <p:cNvSpPr txBox="1"/>
-          <p:nvPr/>
-        </p:nvSpPr>
-        <p:spPr>
-          <a:xfrm>
-            <a:off x="10279676" y="3020568"/>
-            <a:ext cx="1912324" cy="923330"/>
-          </a:xfrm>
-          <a:prstGeom prst="rect">
-            <a:avLst/>
-          </a:prstGeom>
-          <a:noFill/>
-        </p:spPr>
-        <p:txBody>
-          <a:bodyPr wrap="square" rtlCol="0">
-            <a:spAutoFit/>
-          </a:bodyPr>
-          <a:lstStyle/>
-          <a:p>
-            <a:r>
-              <a:rPr lang="fr-FR" dirty="0" smtClean="0">
+            <a:pPr algn="ctr"/>
+            <a:r>
+              <a:rPr lang="fr-FR" sz="2400" dirty="0" smtClean="0">
                 <a:latin typeface="Futura Book" pitchFamily="82" charset="0"/>
               </a:rPr>
-              <a:t>Développement du site (présentation)</a:t>
-            </a:r>
-          </a:p>
-          <a:p>
+              <a:t>Présentation du site</a:t>
+            </a:r>
+            <a:endParaRPr lang="fr-FR" sz="2400" dirty="0" smtClean="0">
+              <a:latin typeface="Futura Book" pitchFamily="82" charset="0"/>
+            </a:endParaRPr>
+          </a:p>
+          <a:p>
+            <a:pPr algn="ctr"/>
             <a:endParaRPr lang="fr-FR" dirty="0"/>
           </a:p>
         </p:txBody>
       </p:sp>
-      <p:sp>
-        <p:nvSpPr>
-          <p:cNvPr id="34" name="Rectangle 33"/>
-          <p:cNvSpPr/>
-          <p:nvPr/>
-        </p:nvSpPr>
-        <p:spPr>
-          <a:xfrm>
-            <a:off x="1371600" y="1714341"/>
-            <a:ext cx="4885336" cy="2245184"/>
-          </a:xfrm>
-          <a:prstGeom prst="rect">
-            <a:avLst/>
-          </a:prstGeom>
-          <a:noFill/>
-        </p:spPr>
-        <p:style>
-          <a:lnRef idx="2">
-            <a:schemeClr val="accent1"/>
-          </a:lnRef>
-          <a:fillRef idx="1">
-            <a:schemeClr val="lt1"/>
-          </a:fillRef>
-          <a:effectRef idx="0">
-            <a:schemeClr val="accent1"/>
-          </a:effectRef>
-          <a:fontRef idx="minor">
-            <a:schemeClr val="dk1"/>
-          </a:fontRef>
-        </p:style>
-        <p:txBody>
-          <a:bodyPr rtlCol="0" anchor="ctr"/>
-          <a:lstStyle/>
-          <a:p>
-            <a:pPr algn="ctr"/>
-            <a:endParaRPr lang="fr-FR"/>
-          </a:p>
-        </p:txBody>
-      </p:sp>
-      <p:sp>
-        <p:nvSpPr>
-          <p:cNvPr id="35" name="ZoneTexte 34"/>
-          <p:cNvSpPr txBox="1"/>
-          <p:nvPr/>
-        </p:nvSpPr>
-        <p:spPr>
-          <a:xfrm>
-            <a:off x="1988964" y="3983178"/>
-            <a:ext cx="1944116" cy="369332"/>
-          </a:xfrm>
-          <a:prstGeom prst="rect">
-            <a:avLst/>
-          </a:prstGeom>
-          <a:noFill/>
-        </p:spPr>
-        <p:txBody>
-          <a:bodyPr wrap="square" rtlCol="0">
-            <a:spAutoFit/>
-          </a:bodyPr>
-          <a:lstStyle/>
-          <a:p>
-            <a:r>
-              <a:rPr lang="fr-FR" dirty="0" smtClean="0"/>
-              <a:t>Partie recherche</a:t>
-            </a:r>
-            <a:endParaRPr lang="fr-FR" dirty="0"/>
-          </a:p>
-        </p:txBody>
-      </p:sp>
-      <p:cxnSp>
-        <p:nvCxnSpPr>
-          <p:cNvPr id="37" name="Connecteur droit avec flèche 36"/>
-          <p:cNvCxnSpPr/>
-          <p:nvPr/>
-        </p:nvCxnSpPr>
-        <p:spPr>
-          <a:xfrm>
-            <a:off x="6341803" y="2203367"/>
-            <a:ext cx="1120987" cy="37046"/>
-          </a:xfrm>
-          <a:prstGeom prst="straightConnector1">
-            <a:avLst/>
-          </a:prstGeom>
-          <a:ln>
-            <a:tailEnd type="triangle"/>
-          </a:ln>
-        </p:spPr>
-        <p:style>
-          <a:lnRef idx="1">
-            <a:schemeClr val="accent1"/>
-          </a:lnRef>
-          <a:fillRef idx="0">
-            <a:schemeClr val="accent1"/>
-          </a:fillRef>
-          <a:effectRef idx="0">
-            <a:schemeClr val="accent1"/>
-          </a:effectRef>
-          <a:fontRef idx="minor">
-            <a:schemeClr val="tx1"/>
-          </a:fontRef>
-        </p:style>
-      </p:cxnSp>
       <p:pic>
         <p:nvPicPr>
           <p:cNvPr id="39" name="Graphic 10" descr="Checklist">
@@ -4550,11 +4352,11 @@
           <p:nvPr/>
         </p:nvPicPr>
         <p:blipFill>
-          <a:blip r:embed="rId25" cstate="print">
+          <a:blip r:embed="rId23" cstate="print">
             <a:extLst>
               <a:ext uri="{BEBA8EAE-BF5A-486C-A8C5-ECC9F3942E4B}">
                 <a14:imgProps xmlns:a14="http://schemas.microsoft.com/office/drawing/2010/main">
-                  <a14:imgLayer r:embed="rId26">
+                  <a14:imgLayer r:embed="rId24">
                     <a14:imgEffect>
                       <a14:sharpenSoften amount="-100000"/>
                     </a14:imgEffect>
@@ -4578,8 +4380,8 @@
         </p:blipFill>
         <p:spPr>
           <a:xfrm>
-            <a:off x="7428265" y="1831123"/>
-            <a:ext cx="1366888" cy="1366888"/>
+            <a:off x="8559289" y="2363936"/>
+            <a:ext cx="1186575" cy="1186575"/>
           </a:xfrm>
           <a:prstGeom prst="rect">
             <a:avLst/>
@@ -4594,7 +4396,7 @@
         </p:nvSpPr>
         <p:spPr>
           <a:xfrm>
-            <a:off x="7291661" y="3198011"/>
+            <a:off x="9272689" y="2519876"/>
             <a:ext cx="2207605" cy="830997"/>
           </a:xfrm>
           <a:prstGeom prst="rect">
@@ -4702,6 +4504,7 @@
             </a:lvl9pPr>
           </a:lstStyle>
           <a:p>
+            <a:pPr algn="ctr"/>
             <a:r>
               <a:rPr lang="fr-FR" sz="2400" dirty="0" smtClean="0">
                 <a:latin typeface="Futura Book" pitchFamily="82" charset="0"/>
@@ -4710,6 +4513,7 @@
             </a:r>
           </a:p>
           <a:p>
+            <a:pPr algn="ctr"/>
             <a:r>
               <a:rPr lang="fr-FR" sz="2400" dirty="0">
                 <a:latin typeface="Futura Book" pitchFamily="82" charset="0"/>
@@ -4720,19 +4524,13 @@
               <a:rPr lang="fr-FR" sz="2400" dirty="0" smtClean="0">
                 <a:latin typeface="Futura Book" pitchFamily="82" charset="0"/>
               </a:rPr>
-              <a:t>es exigences (</a:t>
-            </a:r>
-            <a:r>
-              <a:rPr lang="fr-FR" sz="2400" dirty="0" err="1" smtClean="0">
-                <a:latin typeface="Futura Book" pitchFamily="82" charset="0"/>
-              </a:rPr>
-              <a:t>cdc</a:t>
+              <a:t>es </a:t>
             </a:r>
             <a:r>
               <a:rPr lang="fr-FR" sz="2400" dirty="0" smtClean="0">
                 <a:latin typeface="Futura Book" pitchFamily="82" charset="0"/>
               </a:rPr>
-              <a:t>)</a:t>
+              <a:t>exigences</a:t>
             </a:r>
             <a:endParaRPr lang="fr-FR" sz="2400" dirty="0">
               <a:latin typeface="Futura Book" pitchFamily="82" charset="0"/>
@@ -4740,226 +4538,520 @@
           </a:p>
         </p:txBody>
       </p:sp>
-      <p:cxnSp>
-        <p:nvCxnSpPr>
-          <p:cNvPr id="41" name="Connecteur droit avec flèche 40"/>
-          <p:cNvCxnSpPr/>
+      <p:grpSp>
+        <p:nvGrpSpPr>
+          <p:cNvPr id="8" name="Groupe 7"/>
+          <p:cNvGrpSpPr/>
           <p:nvPr/>
-        </p:nvCxnSpPr>
+        </p:nvGrpSpPr>
+        <p:grpSpPr>
+          <a:xfrm>
+            <a:off x="2139157" y="2073446"/>
+            <a:ext cx="4628295" cy="1989495"/>
+            <a:chOff x="1582925" y="1852904"/>
+            <a:chExt cx="4628295" cy="1989495"/>
+          </a:xfrm>
+        </p:grpSpPr>
+        <p:sp>
+          <p:nvSpPr>
+            <p:cNvPr id="34" name="Rectangle 33"/>
+            <p:cNvSpPr/>
+            <p:nvPr/>
+          </p:nvSpPr>
+          <p:spPr>
+            <a:xfrm>
+              <a:off x="1582925" y="1853420"/>
+              <a:ext cx="4628295" cy="1988979"/>
+            </a:xfrm>
+            <a:prstGeom prst="rect">
+              <a:avLst/>
+            </a:prstGeom>
+            <a:noFill/>
+          </p:spPr>
+          <p:style>
+            <a:lnRef idx="2">
+              <a:schemeClr val="accent1"/>
+            </a:lnRef>
+            <a:fillRef idx="1">
+              <a:schemeClr val="lt1"/>
+            </a:fillRef>
+            <a:effectRef idx="0">
+              <a:schemeClr val="accent1"/>
+            </a:effectRef>
+            <a:fontRef idx="minor">
+              <a:schemeClr val="dk1"/>
+            </a:fontRef>
+          </p:style>
+          <p:txBody>
+            <a:bodyPr rtlCol="0" anchor="ctr"/>
+            <a:lstStyle/>
+            <a:p>
+              <a:pPr algn="ctr"/>
+              <a:endParaRPr lang="fr-FR"/>
+            </a:p>
+          </p:txBody>
+        </p:sp>
+        <p:grpSp>
+          <p:nvGrpSpPr>
+            <p:cNvPr id="7" name="Groupe 6"/>
+            <p:cNvGrpSpPr/>
+            <p:nvPr/>
+          </p:nvGrpSpPr>
+          <p:grpSpPr>
+            <a:xfrm>
+              <a:off x="1904487" y="1852904"/>
+              <a:ext cx="4078620" cy="1989495"/>
+              <a:chOff x="1853002" y="1771559"/>
+              <a:chExt cx="4078620" cy="1989495"/>
+            </a:xfrm>
+          </p:grpSpPr>
+          <p:grpSp>
+            <p:nvGrpSpPr>
+              <p:cNvPr id="6" name="Groupe 5"/>
+              <p:cNvGrpSpPr/>
+              <p:nvPr/>
+            </p:nvGrpSpPr>
+            <p:grpSpPr>
+              <a:xfrm>
+                <a:off x="4583932" y="1771559"/>
+                <a:ext cx="1347690" cy="1989495"/>
+                <a:chOff x="4583932" y="1771559"/>
+                <a:chExt cx="1347690" cy="1989495"/>
+              </a:xfrm>
+            </p:grpSpPr>
+            <p:pic>
+              <p:nvPicPr>
+                <p:cNvPr id="20" name="Graphic 14" descr="Handshake">
+                  <a:extLst>
+                    <a:ext uri="{FF2B5EF4-FFF2-40B4-BE49-F238E27FC236}">
+                      <a16:creationId xmlns:a16="http://schemas.microsoft.com/office/drawing/2014/main" xmlns="" xmlns:lc="http://schemas.openxmlformats.org/drawingml/2006/lockedCanvas" id="{8CC1CE3F-9962-4320-A5E0-2813AC4C7F5C}"/>
+                    </a:ext>
+                  </a:extLst>
+                </p:cNvPr>
+                <p:cNvPicPr>
+                  <a:picLocks noChangeAspect="1"/>
+                </p:cNvPicPr>
+                <p:nvPr/>
+              </p:nvPicPr>
+              <p:blipFill>
+                <a:blip r:embed="rId25" cstate="print">
+                  <a:extLst>
+                    <a:ext uri="{BEBA8EAE-BF5A-486C-A8C5-ECC9F3942E4B}">
+                      <a14:imgProps xmlns:a14="http://schemas.microsoft.com/office/drawing/2010/main">
+                        <a14:imgLayer r:embed="rId26">
+                          <a14:imgEffect>
+                            <a14:artisticGlowEdges/>
+                          </a14:imgEffect>
+                        </a14:imgLayer>
+                      </a14:imgProps>
+                    </a:ext>
+                    <a:ext uri="{28A0092B-C50C-407E-A947-70E740481C1C}">
+                      <a14:useLocalDpi xmlns:a14="http://schemas.microsoft.com/office/drawing/2010/main" val="0"/>
+                    </a:ext>
+                    <a:ext uri="{96DAC541-7B7A-43D3-8B79-37D633B846F1}">
+                      <asvg:svgBlip xmlns:asvg="http://schemas.microsoft.com/office/drawing/2016/SVG/main" xmlns="" xmlns:lc="http://schemas.openxmlformats.org/drawingml/2006/lockedCanvas" r:embed="rId15"/>
+                    </a:ext>
+                  </a:extLst>
+                </a:blip>
+                <a:stretch>
+                  <a:fillRect/>
+                </a:stretch>
+              </p:blipFill>
+              <p:spPr>
+                <a:xfrm>
+                  <a:off x="4583932" y="1771559"/>
+                  <a:ext cx="1347690" cy="1347690"/>
+                </a:xfrm>
+                <a:prstGeom prst="rect">
+                  <a:avLst/>
+                </a:prstGeom>
+              </p:spPr>
+            </p:pic>
+            <p:sp>
+              <p:nvSpPr>
+                <p:cNvPr id="25" name="ZoneTexte 24"/>
+                <p:cNvSpPr txBox="1"/>
+                <p:nvPr/>
+              </p:nvSpPr>
+              <p:spPr>
+                <a:xfrm>
+                  <a:off x="4622958" y="2930057"/>
+                  <a:ext cx="1260886" cy="830997"/>
+                </a:xfrm>
+                <a:prstGeom prst="rect">
+                  <a:avLst/>
+                </a:prstGeom>
+                <a:noFill/>
+              </p:spPr>
+              <p:txBody>
+                <a:bodyPr wrap="square" rtlCol="0">
+                  <a:spAutoFit/>
+                </a:bodyPr>
+                <a:lstStyle/>
+                <a:p>
+                  <a:pPr algn="ctr"/>
+                  <a:r>
+                    <a:rPr lang="fr-FR" sz="2400" dirty="0">
+                      <a:latin typeface="Futura Book" pitchFamily="82" charset="0"/>
+                    </a:rPr>
+                    <a:t>Répartition du travail</a:t>
+                  </a:r>
+                  <a:endParaRPr lang="fr-FR" sz="2400" dirty="0">
+                    <a:latin typeface="Futura Book" pitchFamily="82" charset="0"/>
+                  </a:endParaRPr>
+                </a:p>
+              </p:txBody>
+            </p:sp>
+          </p:grpSp>
+          <p:grpSp>
+            <p:nvGrpSpPr>
+              <p:cNvPr id="5" name="Groupe 4"/>
+              <p:cNvGrpSpPr/>
+              <p:nvPr/>
+            </p:nvGrpSpPr>
+            <p:grpSpPr>
+              <a:xfrm>
+                <a:off x="3008823" y="2062049"/>
+                <a:ext cx="1565032" cy="1321850"/>
+                <a:chOff x="3008823" y="2062049"/>
+                <a:chExt cx="1565032" cy="1321850"/>
+              </a:xfrm>
+            </p:grpSpPr>
+            <p:pic>
+              <p:nvPicPr>
+                <p:cNvPr id="26" name="Graphic 6" descr="Mining Tools">
+                  <a:extLst>
+                    <a:ext uri="{FF2B5EF4-FFF2-40B4-BE49-F238E27FC236}">
+                      <a16:creationId xmlns:a16="http://schemas.microsoft.com/office/drawing/2014/main" xmlns="" xmlns:lc="http://schemas.openxmlformats.org/drawingml/2006/lockedCanvas" id="{CA775E17-20FB-426A-862F-AF41550D67A2}"/>
+                    </a:ext>
+                  </a:extLst>
+                </p:cNvPr>
+                <p:cNvPicPr>
+                  <a:picLocks noChangeAspect="1"/>
+                </p:cNvPicPr>
+                <p:nvPr/>
+              </p:nvPicPr>
+              <p:blipFill>
+                <a:blip r:embed="rId27" cstate="print">
+                  <a:extLst>
+                    <a:ext uri="{BEBA8EAE-BF5A-486C-A8C5-ECC9F3942E4B}">
+                      <a14:imgProps xmlns:a14="http://schemas.microsoft.com/office/drawing/2010/main">
+                        <a14:imgLayer r:embed="rId28">
+                          <a14:imgEffect>
+                            <a14:artisticGlowEdges/>
+                          </a14:imgEffect>
+                        </a14:imgLayer>
+                      </a14:imgProps>
+                    </a:ext>
+                    <a:ext uri="{28A0092B-C50C-407E-A947-70E740481C1C}">
+                      <a14:useLocalDpi xmlns:a14="http://schemas.microsoft.com/office/drawing/2010/main" val="0"/>
+                    </a:ext>
+                    <a:ext uri="{96DAC541-7B7A-43D3-8B79-37D633B846F1}">
+                      <asvg:svgBlip xmlns:asvg="http://schemas.microsoft.com/office/drawing/2016/SVG/main" xmlns="" xmlns:lc="http://schemas.openxmlformats.org/drawingml/2006/lockedCanvas" r:embed="rId29"/>
+                    </a:ext>
+                  </a:extLst>
+                </a:blip>
+                <a:stretch>
+                  <a:fillRect/>
+                </a:stretch>
+              </p:blipFill>
+              <p:spPr>
+                <a:xfrm>
+                  <a:off x="3395190" y="2062049"/>
+                  <a:ext cx="863429" cy="848905"/>
+                </a:xfrm>
+                <a:prstGeom prst="rect">
+                  <a:avLst/>
+                </a:prstGeom>
+              </p:spPr>
+            </p:pic>
+            <p:sp>
+              <p:nvSpPr>
+                <p:cNvPr id="28" name="ZoneTexte 27"/>
+                <p:cNvSpPr txBox="1"/>
+                <p:nvPr/>
+              </p:nvSpPr>
+              <p:spPr>
+                <a:xfrm>
+                  <a:off x="3008823" y="2922234"/>
+                  <a:ext cx="1565032" cy="461665"/>
+                </a:xfrm>
+                <a:prstGeom prst="rect">
+                  <a:avLst/>
+                </a:prstGeom>
+                <a:noFill/>
+              </p:spPr>
+              <p:txBody>
+                <a:bodyPr wrap="square" rtlCol="0">
+                  <a:spAutoFit/>
+                </a:bodyPr>
+                <a:lstStyle/>
+                <a:p>
+                  <a:pPr algn="ctr"/>
+                  <a:r>
+                    <a:rPr lang="fr-FR" sz="2400" dirty="0">
+                      <a:latin typeface="Futura Book" pitchFamily="82" charset="0"/>
+                    </a:rPr>
+                    <a:t>Outils utilisé</a:t>
+                  </a:r>
+                  <a:endParaRPr lang="fr-FR" sz="2400" dirty="0">
+                    <a:latin typeface="Futura Book" pitchFamily="82" charset="0"/>
+                  </a:endParaRPr>
+                </a:p>
+              </p:txBody>
+            </p:sp>
+          </p:grpSp>
+          <p:grpSp>
+            <p:nvGrpSpPr>
+              <p:cNvPr id="4" name="Groupe 3"/>
+              <p:cNvGrpSpPr/>
+              <p:nvPr/>
+            </p:nvGrpSpPr>
+            <p:grpSpPr>
+              <a:xfrm>
+                <a:off x="1853002" y="1930554"/>
+                <a:ext cx="1066150" cy="1455873"/>
+                <a:chOff x="1853002" y="1930554"/>
+                <a:chExt cx="1066150" cy="1455873"/>
+              </a:xfrm>
+            </p:grpSpPr>
+            <p:pic>
+              <p:nvPicPr>
+                <p:cNvPr id="27" name="Content Placeholder 7" descr="Bullseye">
+                  <a:extLst>
+                    <a:ext uri="{FF2B5EF4-FFF2-40B4-BE49-F238E27FC236}">
+                      <a16:creationId xmlns:a16="http://schemas.microsoft.com/office/drawing/2014/main" xmlns="" xmlns:lc="http://schemas.openxmlformats.org/drawingml/2006/lockedCanvas" id="{2F6EA311-2F89-4164-AA3A-D9A6109E3873}"/>
+                    </a:ext>
+                  </a:extLst>
+                </p:cNvPr>
+                <p:cNvPicPr>
+                  <a:picLocks noChangeAspect="1"/>
+                </p:cNvPicPr>
+                <p:nvPr/>
+              </p:nvPicPr>
+              <p:blipFill>
+                <a:blip r:embed="rId30" cstate="print">
+                  <a:extLst>
+                    <a:ext uri="{BEBA8EAE-BF5A-486C-A8C5-ECC9F3942E4B}">
+                      <a14:imgProps xmlns:a14="http://schemas.microsoft.com/office/drawing/2010/main">
+                        <a14:imgLayer r:embed="rId31">
+                          <a14:imgEffect>
+                            <a14:brightnessContrast bright="-100000" contrast="-40000"/>
+                          </a14:imgEffect>
+                        </a14:imgLayer>
+                      </a14:imgProps>
+                    </a:ext>
+                    <a:ext uri="{28A0092B-C50C-407E-A947-70E740481C1C}">
+                      <a14:useLocalDpi xmlns:a14="http://schemas.microsoft.com/office/drawing/2010/main" val="0"/>
+                    </a:ext>
+                    <a:ext uri="{96DAC541-7B7A-43D3-8B79-37D633B846F1}">
+                      <asvg:svgBlip xmlns:asvg="http://schemas.microsoft.com/office/drawing/2016/SVG/main" xmlns="" xmlns:lc="http://schemas.openxmlformats.org/drawingml/2006/lockedCanvas" r:embed="rId14"/>
+                    </a:ext>
+                  </a:extLst>
+                </a:blip>
+                <a:stretch>
+                  <a:fillRect/>
+                </a:stretch>
+              </p:blipFill>
+              <p:spPr>
+                <a:xfrm>
+                  <a:off x="1853002" y="1930554"/>
+                  <a:ext cx="980949" cy="980949"/>
+                </a:xfrm>
+                <a:prstGeom prst="rect">
+                  <a:avLst/>
+                </a:prstGeom>
+              </p:spPr>
+            </p:pic>
+            <p:sp>
+              <p:nvSpPr>
+                <p:cNvPr id="31" name="ZoneTexte 30"/>
+                <p:cNvSpPr txBox="1"/>
+                <p:nvPr/>
+              </p:nvSpPr>
+              <p:spPr>
+                <a:xfrm>
+                  <a:off x="1870253" y="2924762"/>
+                  <a:ext cx="1048899" cy="461665"/>
+                </a:xfrm>
+                <a:prstGeom prst="rect">
+                  <a:avLst/>
+                </a:prstGeom>
+                <a:noFill/>
+              </p:spPr>
+              <p:txBody>
+                <a:bodyPr wrap="square" rtlCol="0">
+                  <a:spAutoFit/>
+                </a:bodyPr>
+                <a:lstStyle/>
+                <a:p>
+                  <a:r>
+                    <a:rPr lang="fr-FR" sz="2400" dirty="0">
+                      <a:latin typeface="Futura Book" pitchFamily="82" charset="0"/>
+                    </a:rPr>
+                    <a:t>Objectif</a:t>
+                  </a:r>
+                  <a:r>
+                    <a:rPr lang="fr-FR" dirty="0" smtClean="0"/>
+                    <a:t> </a:t>
+                  </a:r>
+                  <a:endParaRPr lang="fr-FR" dirty="0"/>
+                </a:p>
+              </p:txBody>
+            </p:sp>
+          </p:grpSp>
+        </p:grpSp>
+      </p:grpSp>
+      <p:sp>
+        <p:nvSpPr>
+          <p:cNvPr id="9" name="Flèche droite 8"/>
+          <p:cNvSpPr/>
+          <p:nvPr/>
+        </p:nvSpPr>
         <p:spPr>
           <a:xfrm>
-            <a:off x="10642796" y="4314223"/>
-            <a:ext cx="0" cy="878879"/>
-          </a:xfrm>
-          <a:prstGeom prst="straightConnector1">
+            <a:off x="7352017" y="2568857"/>
+            <a:ext cx="872573" cy="673020"/>
+          </a:xfrm>
+          <a:prstGeom prst="rightArrow">
             <a:avLst/>
           </a:prstGeom>
-          <a:ln>
-            <a:tailEnd type="triangle"/>
-          </a:ln>
         </p:spPr>
         <p:style>
-          <a:lnRef idx="1">
+          <a:lnRef idx="0">
             <a:schemeClr val="accent1"/>
           </a:lnRef>
-          <a:fillRef idx="0">
+          <a:fillRef idx="3">
             <a:schemeClr val="accent1"/>
           </a:fillRef>
-          <a:effectRef idx="0">
+          <a:effectRef idx="3">
             <a:schemeClr val="accent1"/>
           </a:effectRef>
           <a:fontRef idx="minor">
-            <a:schemeClr val="tx1"/>
+            <a:schemeClr val="lt1"/>
           </a:fontRef>
         </p:style>
-      </p:cxnSp>
-      <p:pic>
-        <p:nvPicPr>
-          <p:cNvPr id="43" name="Graphic 17" descr="Monitor">
-            <a:extLst>
-              <a:ext uri="{FF2B5EF4-FFF2-40B4-BE49-F238E27FC236}">
-                <a16:creationId xmlns:a16="http://schemas.microsoft.com/office/drawing/2014/main" xmlns="" xmlns:lc="http://schemas.openxmlformats.org/drawingml/2006/lockedCanvas" id="{632D8E6C-CC68-4BD7-96CD-E18DC0FAF045}"/>
-              </a:ext>
-            </a:extLst>
-          </p:cNvPr>
-          <p:cNvPicPr>
-            <a:picLocks noChangeAspect="1"/>
-          </p:cNvPicPr>
+        <p:txBody>
+          <a:bodyPr rtlCol="0" anchor="ctr"/>
+          <a:lstStyle/>
+          <a:p>
+            <a:pPr algn="ctr"/>
+            <a:endParaRPr lang="fr-FR" b="1">
+              <a:ln w="22225">
+                <a:solidFill>
+                  <a:schemeClr val="accent2"/>
+                </a:solidFill>
+                <a:prstDash val="solid"/>
+              </a:ln>
+              <a:solidFill>
+                <a:schemeClr val="accent2">
+                  <a:lumMod val="40000"/>
+                  <a:lumOff val="60000"/>
+                </a:schemeClr>
+              </a:solidFill>
+            </a:endParaRPr>
+          </a:p>
+        </p:txBody>
+      </p:sp>
+      <p:sp>
+        <p:nvSpPr>
+          <p:cNvPr id="38" name="Flèche droite 37"/>
+          <p:cNvSpPr/>
           <p:nvPr/>
-        </p:nvPicPr>
-        <p:blipFill>
-          <a:blip r:embed="rId16" cstate="print">
-            <a:extLst>
-              <a:ext uri="{BEBA8EAE-BF5A-486C-A8C5-ECC9F3942E4B}">
-                <a14:imgProps xmlns:a14="http://schemas.microsoft.com/office/drawing/2010/main">
-                  <a14:imgLayer r:embed="rId17">
-                    <a14:imgEffect>
-                      <a14:brightnessContrast bright="-100000" contrast="-40000"/>
-                    </a14:imgEffect>
-                  </a14:imgLayer>
-                </a14:imgProps>
-              </a:ext>
-              <a:ext uri="{28A0092B-C50C-407E-A947-70E740481C1C}">
-                <a14:useLocalDpi xmlns:a14="http://schemas.microsoft.com/office/drawing/2010/main" val="0"/>
-              </a:ext>
-              <a:ext uri="{96DAC541-7B7A-43D3-8B79-37D633B846F1}">
-                <asvg:svgBlip xmlns:asvg="http://schemas.microsoft.com/office/drawing/2016/SVG/main" xmlns="" xmlns:lc="http://schemas.openxmlformats.org/drawingml/2006/lockedCanvas" r:embed="rId8"/>
-              </a:ext>
-            </a:extLst>
-          </a:blip>
-          <a:stretch>
-            <a:fillRect/>
-          </a:stretch>
-        </p:blipFill>
+        </p:nvSpPr>
         <p:spPr>
-          <a:xfrm>
-            <a:off x="9238907" y="5268130"/>
-            <a:ext cx="1457848" cy="1457848"/>
-          </a:xfrm>
-          <a:prstGeom prst="rect">
+          <a:xfrm rot="5400000">
+            <a:off x="8732238" y="3894919"/>
+            <a:ext cx="872573" cy="673020"/>
+          </a:xfrm>
+          <a:prstGeom prst="rightArrow">
             <a:avLst/>
           </a:prstGeom>
-          <a:noFill/>
-        </p:spPr>
-      </p:pic>
-      <p:sp>
-        <p:nvSpPr>
-          <p:cNvPr id="44" name="ZoneTexte 43"/>
-          <p:cNvSpPr txBox="1"/>
-          <p:nvPr/>
-        </p:nvSpPr>
-        <p:spPr>
-          <a:xfrm>
-            <a:off x="10642796" y="5673889"/>
-            <a:ext cx="1468379" cy="646331"/>
-          </a:xfrm>
-          <a:prstGeom prst="rect">
-            <a:avLst/>
-          </a:prstGeom>
-          <a:noFill/>
-        </p:spPr>
-        <p:txBody>
-          <a:bodyPr wrap="square" rtlCol="0">
-            <a:spAutoFit/>
-          </a:bodyPr>
-          <a:lstStyle/>
-          <a:p>
-            <a:r>
-              <a:rPr lang="fr-FR" dirty="0" smtClean="0"/>
-              <a:t>Présentation du code</a:t>
-            </a:r>
-            <a:endParaRPr lang="fr-FR" dirty="0"/>
-          </a:p>
-        </p:txBody>
-      </p:sp>
-      <p:cxnSp>
-        <p:nvCxnSpPr>
-          <p:cNvPr id="46" name="Connecteur droit avec flèche 45"/>
-          <p:cNvCxnSpPr/>
-          <p:nvPr/>
-        </p:nvCxnSpPr>
-        <p:spPr>
-          <a:xfrm flipH="1" flipV="1">
-            <a:off x="7116792" y="5788325"/>
-            <a:ext cx="1630459" cy="30723"/>
-          </a:xfrm>
-          <a:prstGeom prst="straightConnector1">
-            <a:avLst/>
-          </a:prstGeom>
-          <a:ln>
-            <a:tailEnd type="triangle"/>
-          </a:ln>
         </p:spPr>
         <p:style>
-          <a:lnRef idx="1">
+          <a:lnRef idx="0">
             <a:schemeClr val="accent1"/>
           </a:lnRef>
-          <a:fillRef idx="0">
+          <a:fillRef idx="3">
             <a:schemeClr val="accent1"/>
           </a:fillRef>
-          <a:effectRef idx="0">
+          <a:effectRef idx="3">
             <a:schemeClr val="accent1"/>
           </a:effectRef>
           <a:fontRef idx="minor">
-            <a:schemeClr val="tx1"/>
+            <a:schemeClr val="lt1"/>
           </a:fontRef>
         </p:style>
-      </p:cxnSp>
-      <p:pic>
-        <p:nvPicPr>
-          <p:cNvPr id="27" name="Content Placeholder 7" descr="Bullseye">
-            <a:extLst>
-              <a:ext uri="{FF2B5EF4-FFF2-40B4-BE49-F238E27FC236}">
-                <a16:creationId xmlns:a16="http://schemas.microsoft.com/office/drawing/2014/main" xmlns="" xmlns:lc="http://schemas.openxmlformats.org/drawingml/2006/lockedCanvas" id="{2F6EA311-2F89-4164-AA3A-D9A6109E3873}"/>
-              </a:ext>
-            </a:extLst>
-          </p:cNvPr>
-          <p:cNvPicPr>
-            <a:picLocks noChangeAspect="1"/>
-          </p:cNvPicPr>
+        <p:txBody>
+          <a:bodyPr rtlCol="0" anchor="ctr"/>
+          <a:lstStyle/>
+          <a:p>
+            <a:pPr algn="ctr"/>
+            <a:endParaRPr lang="fr-FR" b="1">
+              <a:ln w="22225">
+                <a:solidFill>
+                  <a:schemeClr val="accent2"/>
+                </a:solidFill>
+                <a:prstDash val="solid"/>
+              </a:ln>
+              <a:solidFill>
+                <a:schemeClr val="accent2">
+                  <a:lumMod val="40000"/>
+                  <a:lumOff val="60000"/>
+                </a:schemeClr>
+              </a:solidFill>
+            </a:endParaRPr>
+          </a:p>
+        </p:txBody>
+      </p:sp>
+      <p:sp>
+        <p:nvSpPr>
+          <p:cNvPr id="42" name="Flèche droite 41"/>
+          <p:cNvSpPr/>
           <p:nvPr/>
-        </p:nvPicPr>
-        <p:blipFill>
-          <a:blip r:embed="rId27" cstate="print">
-            <a:extLst>
-              <a:ext uri="{BEBA8EAE-BF5A-486C-A8C5-ECC9F3942E4B}">
-                <a14:imgProps xmlns:a14="http://schemas.microsoft.com/office/drawing/2010/main">
-                  <a14:imgLayer r:embed="rId28">
-                    <a14:imgEffect>
-                      <a14:brightnessContrast bright="-100000" contrast="-40000"/>
-                    </a14:imgEffect>
-                  </a14:imgLayer>
-                </a14:imgProps>
-              </a:ext>
-              <a:ext uri="{28A0092B-C50C-407E-A947-70E740481C1C}">
-                <a14:useLocalDpi xmlns:a14="http://schemas.microsoft.com/office/drawing/2010/main" val="0"/>
-              </a:ext>
-              <a:ext uri="{96DAC541-7B7A-43D3-8B79-37D633B846F1}">
-                <asvg:svgBlip xmlns:asvg="http://schemas.microsoft.com/office/drawing/2016/SVG/main" xmlns="" xmlns:lc="http://schemas.openxmlformats.org/drawingml/2006/lockedCanvas" r:embed="rId14"/>
-              </a:ext>
-            </a:extLst>
-          </a:blip>
-          <a:stretch>
-            <a:fillRect/>
-          </a:stretch>
-        </p:blipFill>
+        </p:nvSpPr>
         <p:spPr>
-          <a:xfrm>
-            <a:off x="1843772" y="1917903"/>
-            <a:ext cx="980949" cy="980949"/>
-          </a:xfrm>
-          <a:prstGeom prst="rect">
+          <a:xfrm rot="10800000">
+            <a:off x="6387441" y="5117807"/>
+            <a:ext cx="872573" cy="673020"/>
+          </a:xfrm>
+          <a:prstGeom prst="rightArrow">
             <a:avLst/>
           </a:prstGeom>
         </p:spPr>
-      </p:pic>
-      <p:sp>
-        <p:nvSpPr>
-          <p:cNvPr id="31" name="ZoneTexte 30"/>
-          <p:cNvSpPr txBox="1"/>
-          <p:nvPr/>
-        </p:nvSpPr>
-        <p:spPr>
-          <a:xfrm>
-            <a:off x="1549625" y="2880919"/>
-            <a:ext cx="1621468" cy="923330"/>
-          </a:xfrm>
-          <a:prstGeom prst="rect">
-            <a:avLst/>
-          </a:prstGeom>
-          <a:noFill/>
-        </p:spPr>
-        <p:txBody>
-          <a:bodyPr wrap="square" rtlCol="0">
-            <a:spAutoFit/>
-          </a:bodyPr>
+        <p:style>
+          <a:lnRef idx="0">
+            <a:schemeClr val="accent1"/>
+          </a:lnRef>
+          <a:fillRef idx="3">
+            <a:schemeClr val="accent1"/>
+          </a:fillRef>
+          <a:effectRef idx="3">
+            <a:schemeClr val="accent1"/>
+          </a:effectRef>
+          <a:fontRef idx="minor">
+            <a:schemeClr val="lt1"/>
+          </a:fontRef>
+        </p:style>
+        <p:txBody>
+          <a:bodyPr rtlCol="0" anchor="ctr"/>
           <a:lstStyle/>
           <a:p>
-            <a:r>
-              <a:rPr lang="fr-FR" dirty="0" smtClean="0"/>
-              <a:t>Objectif : réalisation d’un intranet</a:t>
-            </a:r>
-            <a:endParaRPr lang="fr-FR" dirty="0"/>
+            <a:pPr algn="ctr"/>
+            <a:endParaRPr lang="fr-FR" b="1">
+              <a:ln w="22225">
+                <a:solidFill>
+                  <a:schemeClr val="accent2"/>
+                </a:solidFill>
+                <a:prstDash val="solid"/>
+              </a:ln>
+              <a:solidFill>
+                <a:schemeClr val="accent2">
+                  <a:lumMod val="40000"/>
+                  <a:lumOff val="60000"/>
+                </a:schemeClr>
+              </a:solidFill>
+            </a:endParaRPr>
           </a:p>
         </p:txBody>
       </p:sp>
@@ -4976,369 +5068,342 @@
   <p:timing>
     <p:tnLst>
       <p:par>
-        <p:cTn id="1" dur="indefinite" restart="never" nodeType="tmRoot"/>
+        <p:cTn id="1" dur="indefinite" restart="never" nodeType="tmRoot">
+          <p:childTnLst>
+            <p:seq concurrent="1" nextAc="seek">
+              <p:cTn id="2" dur="indefinite" nodeType="mainSeq">
+                <p:childTnLst>
+                  <p:par>
+                    <p:cTn id="3" fill="hold">
+                      <p:stCondLst>
+                        <p:cond delay="indefinite"/>
+                      </p:stCondLst>
+                      <p:childTnLst>
+                        <p:par>
+                          <p:cTn id="4" fill="hold">
+                            <p:stCondLst>
+                              <p:cond delay="0"/>
+                            </p:stCondLst>
+                            <p:childTnLst>
+                              <p:par>
+                                <p:cTn id="5" presetID="1" presetClass="entr" presetSubtype="0" fill="hold" grpId="0" nodeType="clickEffect">
+                                  <p:stCondLst>
+                                    <p:cond delay="0"/>
+                                  </p:stCondLst>
+                                  <p:childTnLst>
+                                    <p:set>
+                                      <p:cBhvr>
+                                        <p:cTn id="6" dur="1" fill="hold">
+                                          <p:stCondLst>
+                                            <p:cond delay="0"/>
+                                          </p:stCondLst>
+                                        </p:cTn>
+                                        <p:tgtEl>
+                                          <p:spTgt spid="9"/>
+                                        </p:tgtEl>
+                                        <p:attrNameLst>
+                                          <p:attrName>style.visibility</p:attrName>
+                                        </p:attrNameLst>
+                                      </p:cBhvr>
+                                      <p:to>
+                                        <p:strVal val="visible"/>
+                                      </p:to>
+                                    </p:set>
+                                  </p:childTnLst>
+                                </p:cTn>
+                              </p:par>
+                              <p:par>
+                                <p:cTn id="7" presetID="1" presetClass="entr" presetSubtype="0" fill="hold" grpId="0" nodeType="withEffect">
+                                  <p:stCondLst>
+                                    <p:cond delay="0"/>
+                                  </p:stCondLst>
+                                  <p:childTnLst>
+                                    <p:set>
+                                      <p:cBhvr>
+                                        <p:cTn id="8" dur="1" fill="hold">
+                                          <p:stCondLst>
+                                            <p:cond delay="0"/>
+                                          </p:stCondLst>
+                                        </p:cTn>
+                                        <p:tgtEl>
+                                          <p:spTgt spid="40"/>
+                                        </p:tgtEl>
+                                        <p:attrNameLst>
+                                          <p:attrName>style.visibility</p:attrName>
+                                        </p:attrNameLst>
+                                      </p:cBhvr>
+                                      <p:to>
+                                        <p:strVal val="visible"/>
+                                      </p:to>
+                                    </p:set>
+                                  </p:childTnLst>
+                                </p:cTn>
+                              </p:par>
+                              <p:par>
+                                <p:cTn id="9" presetID="1" presetClass="entr" presetSubtype="0" fill="hold" nodeType="withEffect">
+                                  <p:stCondLst>
+                                    <p:cond delay="0"/>
+                                  </p:stCondLst>
+                                  <p:childTnLst>
+                                    <p:set>
+                                      <p:cBhvr>
+                                        <p:cTn id="10" dur="1" fill="hold">
+                                          <p:stCondLst>
+                                            <p:cond delay="0"/>
+                                          </p:stCondLst>
+                                        </p:cTn>
+                                        <p:tgtEl>
+                                          <p:spTgt spid="39"/>
+                                        </p:tgtEl>
+                                        <p:attrNameLst>
+                                          <p:attrName>style.visibility</p:attrName>
+                                        </p:attrNameLst>
+                                      </p:cBhvr>
+                                      <p:to>
+                                        <p:strVal val="visible"/>
+                                      </p:to>
+                                    </p:set>
+                                  </p:childTnLst>
+                                </p:cTn>
+                              </p:par>
+                            </p:childTnLst>
+                          </p:cTn>
+                        </p:par>
+                      </p:childTnLst>
+                    </p:cTn>
+                  </p:par>
+                  <p:par>
+                    <p:cTn id="11" fill="hold">
+                      <p:stCondLst>
+                        <p:cond delay="indefinite"/>
+                      </p:stCondLst>
+                      <p:childTnLst>
+                        <p:par>
+                          <p:cTn id="12" fill="hold">
+                            <p:stCondLst>
+                              <p:cond delay="0"/>
+                            </p:stCondLst>
+                            <p:childTnLst>
+                              <p:par>
+                                <p:cTn id="13" presetID="1" presetClass="entr" presetSubtype="0" fill="hold" nodeType="clickEffect">
+                                  <p:stCondLst>
+                                    <p:cond delay="0"/>
+                                  </p:stCondLst>
+                                  <p:childTnLst>
+                                    <p:set>
+                                      <p:cBhvr>
+                                        <p:cTn id="14" dur="1" fill="hold">
+                                          <p:stCondLst>
+                                            <p:cond delay="0"/>
+                                          </p:stCondLst>
+                                        </p:cTn>
+                                        <p:tgtEl>
+                                          <p:spTgt spid="22"/>
+                                        </p:tgtEl>
+                                        <p:attrNameLst>
+                                          <p:attrName>style.visibility</p:attrName>
+                                        </p:attrNameLst>
+                                      </p:cBhvr>
+                                      <p:to>
+                                        <p:strVal val="visible"/>
+                                      </p:to>
+                                    </p:set>
+                                  </p:childTnLst>
+                                </p:cTn>
+                              </p:par>
+                              <p:par>
+                                <p:cTn id="15" presetID="1" presetClass="entr" presetSubtype="0" fill="hold" grpId="0" nodeType="withEffect">
+                                  <p:stCondLst>
+                                    <p:cond delay="0"/>
+                                  </p:stCondLst>
+                                  <p:childTnLst>
+                                    <p:set>
+                                      <p:cBhvr>
+                                        <p:cTn id="16" dur="1" fill="hold">
+                                          <p:stCondLst>
+                                            <p:cond delay="0"/>
+                                          </p:stCondLst>
+                                        </p:cTn>
+                                        <p:tgtEl>
+                                          <p:spTgt spid="38"/>
+                                        </p:tgtEl>
+                                        <p:attrNameLst>
+                                          <p:attrName>style.visibility</p:attrName>
+                                        </p:attrNameLst>
+                                      </p:cBhvr>
+                                      <p:to>
+                                        <p:strVal val="visible"/>
+                                      </p:to>
+                                    </p:set>
+                                  </p:childTnLst>
+                                </p:cTn>
+                              </p:par>
+                              <p:par>
+                                <p:cTn id="17" presetID="1" presetClass="entr" presetSubtype="0" fill="hold" grpId="0" nodeType="withEffect">
+                                  <p:stCondLst>
+                                    <p:cond delay="0"/>
+                                  </p:stCondLst>
+                                  <p:childTnLst>
+                                    <p:set>
+                                      <p:cBhvr>
+                                        <p:cTn id="18" dur="1" fill="hold">
+                                          <p:stCondLst>
+                                            <p:cond delay="0"/>
+                                          </p:stCondLst>
+                                        </p:cTn>
+                                        <p:tgtEl>
+                                          <p:spTgt spid="33"/>
+                                        </p:tgtEl>
+                                        <p:attrNameLst>
+                                          <p:attrName>style.visibility</p:attrName>
+                                        </p:attrNameLst>
+                                      </p:cBhvr>
+                                      <p:to>
+                                        <p:strVal val="visible"/>
+                                      </p:to>
+                                    </p:set>
+                                  </p:childTnLst>
+                                </p:cTn>
+                              </p:par>
+                            </p:childTnLst>
+                          </p:cTn>
+                        </p:par>
+                      </p:childTnLst>
+                    </p:cTn>
+                  </p:par>
+                  <p:par>
+                    <p:cTn id="19" fill="hold">
+                      <p:stCondLst>
+                        <p:cond delay="indefinite"/>
+                      </p:stCondLst>
+                      <p:childTnLst>
+                        <p:par>
+                          <p:cTn id="20" fill="hold">
+                            <p:stCondLst>
+                              <p:cond delay="0"/>
+                            </p:stCondLst>
+                            <p:childTnLst>
+                              <p:par>
+                                <p:cTn id="21" presetID="1" presetClass="entr" presetSubtype="0" fill="hold" grpId="0" nodeType="clickEffect">
+                                  <p:stCondLst>
+                                    <p:cond delay="0"/>
+                                  </p:stCondLst>
+                                  <p:childTnLst>
+                                    <p:set>
+                                      <p:cBhvr>
+                                        <p:cTn id="22" dur="1" fill="hold">
+                                          <p:stCondLst>
+                                            <p:cond delay="0"/>
+                                          </p:stCondLst>
+                                        </p:cTn>
+                                        <p:tgtEl>
+                                          <p:spTgt spid="42"/>
+                                        </p:tgtEl>
+                                        <p:attrNameLst>
+                                          <p:attrName>style.visibility</p:attrName>
+                                        </p:attrNameLst>
+                                      </p:cBhvr>
+                                      <p:to>
+                                        <p:strVal val="visible"/>
+                                      </p:to>
+                                    </p:set>
+                                  </p:childTnLst>
+                                </p:cTn>
+                              </p:par>
+                              <p:par>
+                                <p:cTn id="23" presetID="1" presetClass="entr" presetSubtype="0" fill="hold" nodeType="withEffect">
+                                  <p:stCondLst>
+                                    <p:cond delay="0"/>
+                                  </p:stCondLst>
+                                  <p:childTnLst>
+                                    <p:set>
+                                      <p:cBhvr>
+                                        <p:cTn id="24" dur="1" fill="hold">
+                                          <p:stCondLst>
+                                            <p:cond delay="0"/>
+                                          </p:stCondLst>
+                                        </p:cTn>
+                                        <p:tgtEl>
+                                          <p:spTgt spid="24"/>
+                                        </p:tgtEl>
+                                        <p:attrNameLst>
+                                          <p:attrName>style.visibility</p:attrName>
+                                        </p:attrNameLst>
+                                      </p:cBhvr>
+                                      <p:to>
+                                        <p:strVal val="visible"/>
+                                      </p:to>
+                                    </p:set>
+                                  </p:childTnLst>
+                                </p:cTn>
+                              </p:par>
+                              <p:par>
+                                <p:cTn id="25" presetID="1" presetClass="entr" presetSubtype="0" fill="hold" grpId="0" nodeType="withEffect">
+                                  <p:stCondLst>
+                                    <p:cond delay="0"/>
+                                  </p:stCondLst>
+                                  <p:childTnLst>
+                                    <p:set>
+                                      <p:cBhvr>
+                                        <p:cTn id="26" dur="1" fill="hold">
+                                          <p:stCondLst>
+                                            <p:cond delay="0"/>
+                                          </p:stCondLst>
+                                        </p:cTn>
+                                        <p:tgtEl>
+                                          <p:spTgt spid="30"/>
+                                        </p:tgtEl>
+                                        <p:attrNameLst>
+                                          <p:attrName>style.visibility</p:attrName>
+                                        </p:attrNameLst>
+                                      </p:cBhvr>
+                                      <p:to>
+                                        <p:strVal val="visible"/>
+                                      </p:to>
+                                    </p:set>
+                                  </p:childTnLst>
+                                </p:cTn>
+                              </p:par>
+                            </p:childTnLst>
+                          </p:cTn>
+                        </p:par>
+                      </p:childTnLst>
+                    </p:cTn>
+                  </p:par>
+                </p:childTnLst>
+              </p:cTn>
+              <p:prevCondLst>
+                <p:cond evt="onPrev" delay="0">
+                  <p:tgtEl>
+                    <p:sldTgt/>
+                  </p:tgtEl>
+                </p:cond>
+              </p:prevCondLst>
+              <p:nextCondLst>
+                <p:cond evt="onNext" delay="0">
+                  <p:tgtEl>
+                    <p:sldTgt/>
+                  </p:tgtEl>
+                </p:cond>
+              </p:nextCondLst>
+            </p:seq>
+          </p:childTnLst>
+        </p:cTn>
       </p:par>
     </p:tnLst>
+    <p:bldLst>
+      <p:bldP spid="30" grpId="0"/>
+      <p:bldP spid="33" grpId="0"/>
+      <p:bldP spid="40" grpId="0"/>
+      <p:bldP spid="9" grpId="0" animBg="1"/>
+      <p:bldP spid="38" grpId="0" animBg="1"/>
+      <p:bldP spid="42" grpId="0" animBg="1"/>
+    </p:bldLst>
   </p:timing>
 </p:sld>
 </file>
 
 <file path=ppt/slides/slide3.xml><?xml version="1.0" encoding="utf-8"?>
-<p:sld xmlns:a="http://schemas.openxmlformats.org/drawingml/2006/main" xmlns:r="http://schemas.openxmlformats.org/officeDocument/2006/relationships" xmlns:p="http://schemas.openxmlformats.org/presentationml/2006/main">
-  <p:cSld>
-    <p:spTree>
-      <p:nvGrpSpPr>
-        <p:cNvPr id="1" name=""/>
-        <p:cNvGrpSpPr/>
-        <p:nvPr/>
-      </p:nvGrpSpPr>
-      <p:grpSpPr>
-        <a:xfrm>
-          <a:off x="0" y="0"/>
-          <a:ext cx="0" cy="0"/>
-          <a:chOff x="0" y="0"/>
-          <a:chExt cx="0" cy="0"/>
-        </a:xfrm>
-      </p:grpSpPr>
-      <p:sp>
-        <p:nvSpPr>
-          <p:cNvPr id="2" name="Titre 1"/>
-          <p:cNvSpPr>
-            <a:spLocks noGrp="1"/>
-          </p:cNvSpPr>
-          <p:nvPr>
-            <p:ph type="title"/>
-          </p:nvPr>
-        </p:nvSpPr>
-        <p:spPr>
-          <a:xfrm>
-            <a:off x="1077872" y="-95022"/>
-            <a:ext cx="11114127" cy="1403201"/>
-          </a:xfrm>
-        </p:spPr>
-        <p:txBody>
-          <a:bodyPr/>
-          <a:lstStyle/>
-          <a:p>
-            <a:pPr algn="ctr"/>
-            <a:r>
-              <a:rPr lang="fr-FR" sz="4300" dirty="0">
-                <a:solidFill>
-                  <a:schemeClr val="accent6"/>
-                </a:solidFill>
-                <a:latin typeface="Futura Book" pitchFamily="82" charset="0"/>
-              </a:rPr>
-              <a:t>Sommaire</a:t>
-            </a:r>
-          </a:p>
-        </p:txBody>
-      </p:sp>
-      <p:sp>
-        <p:nvSpPr>
-          <p:cNvPr id="8" name="Espace réservé du contenu 7"/>
-          <p:cNvSpPr>
-            <a:spLocks noGrp="1"/>
-          </p:cNvSpPr>
-          <p:nvPr>
-            <p:ph idx="1"/>
-          </p:nvPr>
-        </p:nvSpPr>
-        <p:spPr>
-          <a:xfrm>
-            <a:off x="1077873" y="1403201"/>
-            <a:ext cx="11114127" cy="5454799"/>
-          </a:xfrm>
-        </p:spPr>
-        <p:txBody>
-          <a:bodyPr/>
-          <a:lstStyle/>
-          <a:p>
-            <a:pPr marL="571500" indent="-571500" algn="ctr">
-              <a:buAutoNum type="romanUcParenR"/>
-            </a:pPr>
-            <a:r>
-              <a:rPr lang="fr-FR" sz="4300" dirty="0" smtClean="0">
-                <a:solidFill>
-                  <a:schemeClr val="accent6"/>
-                </a:solidFill>
-                <a:latin typeface="Futura Book" pitchFamily="82" charset="0"/>
-                <a:ea typeface="+mj-ea"/>
-                <a:cs typeface="+mj-cs"/>
-              </a:rPr>
-              <a:t>Recherche</a:t>
-            </a:r>
-          </a:p>
-          <a:p>
-            <a:pPr marL="0" indent="0" algn="ctr">
-              <a:buNone/>
-            </a:pPr>
-            <a:r>
-              <a:rPr lang="fr-FR" sz="1800" dirty="0"/>
-              <a:t>objectifs</a:t>
-            </a:r>
-          </a:p>
-          <a:p>
-            <a:pPr marL="0" indent="0" algn="ctr">
-              <a:buNone/>
-            </a:pPr>
-            <a:r>
-              <a:rPr lang="fr-FR" sz="1800" dirty="0" smtClean="0"/>
-              <a:t>Recherche d’outils</a:t>
-            </a:r>
-          </a:p>
-          <a:p>
-            <a:pPr marL="0" indent="0" algn="ctr">
-              <a:buNone/>
-            </a:pPr>
-            <a:r>
-              <a:rPr lang="fr-FR" sz="1800" dirty="0" smtClean="0"/>
-              <a:t>Répartition du travail</a:t>
-            </a:r>
-          </a:p>
-          <a:p>
-            <a:pPr marL="742950" indent="-742950" algn="ctr">
-              <a:buFont typeface="Arial" panose="020B0604020202020204" pitchFamily="34" charset="0"/>
-              <a:buAutoNum type="arabicParenR" startAt="2"/>
-            </a:pPr>
-            <a:r>
-              <a:rPr lang="fr-FR" sz="4300" dirty="0" smtClean="0">
-                <a:solidFill>
-                  <a:schemeClr val="accent6"/>
-                </a:solidFill>
-                <a:latin typeface="Futura Book" pitchFamily="82" charset="0"/>
-                <a:ea typeface="+mj-ea"/>
-                <a:cs typeface="+mj-cs"/>
-              </a:rPr>
-              <a:t>Définition </a:t>
-            </a:r>
-            <a:r>
-              <a:rPr lang="fr-FR" sz="4300" dirty="0">
-                <a:solidFill>
-                  <a:schemeClr val="accent6"/>
-                </a:solidFill>
-                <a:latin typeface="Futura Book" pitchFamily="82" charset="0"/>
-                <a:ea typeface="+mj-ea"/>
-                <a:cs typeface="+mj-cs"/>
-              </a:rPr>
-              <a:t>des </a:t>
-            </a:r>
-            <a:r>
-              <a:rPr lang="fr-FR" sz="4300" dirty="0" smtClean="0">
-                <a:solidFill>
-                  <a:schemeClr val="accent6"/>
-                </a:solidFill>
-                <a:latin typeface="Futura Book" pitchFamily="82" charset="0"/>
-                <a:ea typeface="+mj-ea"/>
-                <a:cs typeface="+mj-cs"/>
-              </a:rPr>
-              <a:t>exigences</a:t>
-            </a:r>
-          </a:p>
-          <a:p>
-            <a:pPr marL="742950" indent="-742950" algn="ctr">
-              <a:buFont typeface="Arial" panose="020B0604020202020204" pitchFamily="34" charset="0"/>
-              <a:buAutoNum type="arabicParenR" startAt="2"/>
-            </a:pPr>
-            <a:r>
-              <a:rPr lang="fr-FR" sz="4300" dirty="0" smtClean="0">
-                <a:solidFill>
-                  <a:schemeClr val="accent6"/>
-                </a:solidFill>
-                <a:latin typeface="Futura Book" pitchFamily="82" charset="0"/>
-                <a:ea typeface="+mj-ea"/>
-                <a:cs typeface="+mj-cs"/>
-              </a:rPr>
-              <a:t>Présentation du site</a:t>
-            </a:r>
-          </a:p>
-          <a:p>
-            <a:pPr marL="742950" indent="-742950" algn="ctr">
-              <a:buFont typeface="Arial" panose="020B0604020202020204" pitchFamily="34" charset="0"/>
-              <a:buAutoNum type="arabicParenR" startAt="2"/>
-            </a:pPr>
-            <a:r>
-              <a:rPr lang="fr-FR" sz="4300" dirty="0" smtClean="0">
-                <a:solidFill>
-                  <a:schemeClr val="accent6"/>
-                </a:solidFill>
-                <a:latin typeface="Futura Book" pitchFamily="82" charset="0"/>
-                <a:ea typeface="+mj-ea"/>
-                <a:cs typeface="+mj-cs"/>
-              </a:rPr>
-              <a:t>Présentation du code</a:t>
-            </a:r>
-          </a:p>
-          <a:p>
-            <a:pPr marL="742950" indent="-742950" algn="ctr">
-              <a:buFont typeface="Arial" panose="020B0604020202020204" pitchFamily="34" charset="0"/>
-              <a:buAutoNum type="arabicParenR" startAt="2"/>
-            </a:pPr>
-            <a:r>
-              <a:rPr lang="fr-FR" sz="4300" dirty="0" smtClean="0">
-                <a:solidFill>
-                  <a:schemeClr val="accent6"/>
-                </a:solidFill>
-                <a:latin typeface="Futura Book" pitchFamily="82" charset="0"/>
-                <a:ea typeface="+mj-ea"/>
-                <a:cs typeface="+mj-cs"/>
-              </a:rPr>
-              <a:t>Conclusion</a:t>
-            </a:r>
-            <a:endParaRPr lang="fr-FR" sz="4300" dirty="0">
-              <a:solidFill>
-                <a:schemeClr val="accent6"/>
-              </a:solidFill>
-              <a:latin typeface="Futura Book" pitchFamily="82" charset="0"/>
-              <a:ea typeface="+mj-ea"/>
-              <a:cs typeface="+mj-cs"/>
-            </a:endParaRPr>
-          </a:p>
-          <a:p>
-            <a:pPr marL="0" indent="0" algn="ctr">
-              <a:buNone/>
-            </a:pPr>
-            <a:endParaRPr lang="fr-FR" sz="4300" dirty="0">
-              <a:solidFill>
-                <a:schemeClr val="accent6"/>
-              </a:solidFill>
-              <a:latin typeface="Futura Book" pitchFamily="82" charset="0"/>
-              <a:ea typeface="+mj-ea"/>
-              <a:cs typeface="+mj-cs"/>
-            </a:endParaRPr>
-          </a:p>
-          <a:p>
-            <a:pPr marL="742950" indent="-742950" algn="ctr">
-              <a:buAutoNum type="arabicParenR" startAt="2"/>
-            </a:pPr>
-            <a:endParaRPr lang="fr-FR" sz="4300" dirty="0">
-              <a:solidFill>
-                <a:schemeClr val="accent6"/>
-              </a:solidFill>
-              <a:latin typeface="Futura Book" pitchFamily="82" charset="0"/>
-              <a:ea typeface="+mj-ea"/>
-              <a:cs typeface="+mj-cs"/>
-            </a:endParaRPr>
-          </a:p>
-          <a:p>
-            <a:pPr marL="742950" indent="-742950" algn="ctr">
-              <a:buAutoNum type="arabicParenR" startAt="2"/>
-            </a:pPr>
-            <a:endParaRPr lang="fr-FR" sz="4300" dirty="0">
-              <a:solidFill>
-                <a:schemeClr val="accent6"/>
-              </a:solidFill>
-              <a:latin typeface="Futura Book" pitchFamily="82" charset="0"/>
-              <a:ea typeface="+mj-ea"/>
-              <a:cs typeface="+mj-cs"/>
-            </a:endParaRPr>
-          </a:p>
-          <a:p>
-            <a:pPr marL="457200" indent="-457200" algn="ctr">
-              <a:buFont typeface="+mj-lt"/>
-              <a:buAutoNum type="arabicPeriod"/>
-            </a:pPr>
-            <a:endParaRPr lang="fr-FR" sz="2000" dirty="0" smtClean="0"/>
-          </a:p>
-        </p:txBody>
-      </p:sp>
-      <p:grpSp>
-        <p:nvGrpSpPr>
-          <p:cNvPr id="18" name="Groupe 17"/>
-          <p:cNvGrpSpPr/>
-          <p:nvPr/>
-        </p:nvGrpSpPr>
-        <p:grpSpPr>
-          <a:xfrm>
-            <a:off x="0" y="-77638"/>
-            <a:ext cx="1630392" cy="6935639"/>
-            <a:chOff x="1" y="51758"/>
-            <a:chExt cx="1365202" cy="6702730"/>
-          </a:xfrm>
-        </p:grpSpPr>
-        <p:pic>
-          <p:nvPicPr>
-            <p:cNvPr id="19" name="Espace réservé du contenu 3"/>
-            <p:cNvPicPr>
-              <a:picLocks noChangeAspect="1"/>
-            </p:cNvPicPr>
-            <p:nvPr/>
-          </p:nvPicPr>
-          <p:blipFill>
-            <a:blip r:embed="rId2">
-              <a:extLst>
-                <a:ext uri="{28A0092B-C50C-407E-A947-70E740481C1C}">
-                  <a14:useLocalDpi xmlns:a14="http://schemas.microsoft.com/office/drawing/2010/main" val="0"/>
-                </a:ext>
-              </a:extLst>
-            </a:blip>
-            <a:stretch>
-              <a:fillRect/>
-            </a:stretch>
-          </p:blipFill>
-          <p:spPr>
-            <a:xfrm rot="16200000">
-              <a:off x="-2204896" y="2258121"/>
-              <a:ext cx="5776461" cy="1363736"/>
-            </a:xfrm>
-            <a:prstGeom prst="rect">
-              <a:avLst/>
-            </a:prstGeom>
-          </p:spPr>
-        </p:pic>
-        <p:pic>
-          <p:nvPicPr>
-            <p:cNvPr id="20" name="Espace réservé du contenu 3"/>
-            <p:cNvPicPr>
-              <a:picLocks noChangeAspect="1"/>
-            </p:cNvPicPr>
-            <p:nvPr/>
-          </p:nvPicPr>
-          <p:blipFill rotWithShape="1">
-            <a:blip r:embed="rId2">
-              <a:extLst>
-                <a:ext uri="{28A0092B-C50C-407E-A947-70E740481C1C}">
-                  <a14:useLocalDpi xmlns:a14="http://schemas.microsoft.com/office/drawing/2010/main" val="0"/>
-                </a:ext>
-              </a:extLst>
-            </a:blip>
-            <a:srcRect r="29036"/>
-            <a:stretch/>
-          </p:blipFill>
-          <p:spPr>
-            <a:xfrm rot="16200000">
-              <a:off x="-1367733" y="4023018"/>
-              <a:ext cx="4099204" cy="1363736"/>
-            </a:xfrm>
-            <a:prstGeom prst="rect">
-              <a:avLst/>
-            </a:prstGeom>
-          </p:spPr>
-        </p:pic>
-      </p:grpSp>
-    </p:spTree>
-    <p:extLst>
-      <p:ext uri="{BB962C8B-B14F-4D97-AF65-F5344CB8AC3E}">
-        <p14:creationId xmlns:p14="http://schemas.microsoft.com/office/powerpoint/2010/main" val="2566158783"/>
-      </p:ext>
-    </p:extLst>
-  </p:cSld>
-  <p:clrMapOvr>
-    <a:masterClrMapping/>
-  </p:clrMapOvr>
-  <p:transition spd="slow">
-    <p:push dir="u"/>
-  </p:transition>
-  <p:timing>
-    <p:tnLst>
-      <p:par>
-        <p:cTn id="1" dur="indefinite" restart="never" nodeType="tmRoot"/>
-      </p:par>
-    </p:tnLst>
-  </p:timing>
-</p:sld>
-</file>
-
-<file path=ppt/slides/slide4.xml><?xml version="1.0" encoding="utf-8"?>
 <p:sld xmlns:a="http://schemas.openxmlformats.org/drawingml/2006/main" xmlns:r="http://schemas.openxmlformats.org/officeDocument/2006/relationships" xmlns:p="http://schemas.openxmlformats.org/presentationml/2006/main">
   <p:cSld>
     <p:spTree>
@@ -5576,7 +5641,7 @@
         <p:spPr>
           <a:xfrm>
             <a:off x="1914340" y="3002862"/>
-            <a:ext cx="3370614" cy="923330"/>
+            <a:ext cx="3370614" cy="646331"/>
           </a:xfrm>
           <a:prstGeom prst="rect">
             <a:avLst/>
@@ -5592,19 +5657,11 @@
             <a:pPr algn="ctr"/>
             <a:r>
               <a:rPr lang="fr-FR" dirty="0" smtClean="0"/>
-              <a:t>Objectif :</a:t>
+              <a:t>Objectif </a:t>
             </a:r>
             <a:br>
               <a:rPr lang="fr-FR" dirty="0" smtClean="0"/>
             </a:br>
-            <a:r>
-              <a:rPr lang="fr-FR" dirty="0" smtClean="0"/>
-              <a:t>Réalisation d’un site </a:t>
-            </a:r>
-            <a:r>
-              <a:rPr lang="fr-FR" dirty="0" smtClean="0"/>
-              <a:t>internet utilisant HTML/PHP/CSS</a:t>
-            </a:r>
             <a:endParaRPr lang="fr-FR" dirty="0"/>
           </a:p>
         </p:txBody>
@@ -5836,6 +5893,45 @@
           </a:prstGeom>
         </p:spPr>
       </p:pic>
+      <p:sp>
+        <p:nvSpPr>
+          <p:cNvPr id="20" name="ZoneTexte 19"/>
+          <p:cNvSpPr txBox="1"/>
+          <p:nvPr/>
+        </p:nvSpPr>
+        <p:spPr>
+          <a:xfrm>
+            <a:off x="1914340" y="3571718"/>
+            <a:ext cx="3370614" cy="646331"/>
+          </a:xfrm>
+          <a:prstGeom prst="rect">
+            <a:avLst/>
+          </a:prstGeom>
+          <a:noFill/>
+        </p:spPr>
+        <p:txBody>
+          <a:bodyPr wrap="square" rtlCol="0">
+            <a:spAutoFit/>
+          </a:bodyPr>
+          <a:lstStyle/>
+          <a:p>
+            <a:pPr algn="ctr"/>
+            <a:r>
+              <a:rPr lang="fr-FR" dirty="0" smtClean="0"/>
+              <a:t>Réalisation </a:t>
+            </a:r>
+            <a:r>
+              <a:rPr lang="fr-FR" dirty="0" smtClean="0"/>
+              <a:t>d’un site </a:t>
+            </a:r>
+            <a:r>
+              <a:rPr lang="fr-FR" dirty="0" smtClean="0"/>
+              <a:t>internet utilisant HTML/PHP/CSS</a:t>
+            </a:r>
+            <a:endParaRPr lang="fr-FR" dirty="0"/>
+          </a:p>
+        </p:txBody>
+      </p:sp>
     </p:spTree>
     <p:extLst>
       <p:ext uri="{BB962C8B-B14F-4D97-AF65-F5344CB8AC3E}">
@@ -5883,6 +5979,51 @@
                                           </p:stCondLst>
                                         </p:cTn>
                                         <p:tgtEl>
+                                          <p:spTgt spid="20"/>
+                                        </p:tgtEl>
+                                        <p:attrNameLst>
+                                          <p:attrName>style.visibility</p:attrName>
+                                        </p:attrNameLst>
+                                      </p:cBhvr>
+                                      <p:to>
+                                        <p:strVal val="visible"/>
+                                      </p:to>
+                                    </p:set>
+                                  </p:childTnLst>
+                                </p:cTn>
+                              </p:par>
+                            </p:childTnLst>
+                          </p:cTn>
+                        </p:par>
+                      </p:childTnLst>
+                    </p:cTn>
+                  </p:par>
+                  <p:par>
+                    <p:cTn id="7" fill="hold">
+                      <p:stCondLst>
+                        <p:cond delay="indefinite"/>
+                      </p:stCondLst>
+                      <p:childTnLst>
+                        <p:par>
+                          <p:cTn id="8" fill="hold">
+                            <p:stCondLst>
+                              <p:cond delay="0"/>
+                            </p:stCondLst>
+                            <p:childTnLst>
+                              <p:par>
+                                <p:cTn id="9" presetID="1" presetClass="entr" presetSubtype="0" fill="hold" grpId="0" nodeType="clickEffect">
+                                  <p:stCondLst>
+                                    <p:cond delay="0"/>
+                                  </p:stCondLst>
+                                  <p:childTnLst>
+                                    <p:set>
+                                      <p:cBhvr>
+                                        <p:cTn id="10" dur="1" fill="hold">
+                                          <p:stCondLst>
+                                            <p:cond delay="0"/>
+                                          </p:stCondLst>
+                                        </p:cTn>
+                                        <p:tgtEl>
                                           <p:spTgt spid="15"/>
                                         </p:tgtEl>
                                         <p:attrNameLst>
@@ -5897,14 +6038,14 @@
                                 </p:cTn>
                               </p:par>
                               <p:par>
-                                <p:cTn id="7" presetID="1" presetClass="exit" presetSubtype="0" fill="hold" grpId="0" nodeType="withEffect">
+                                <p:cTn id="11" presetID="1" presetClass="exit" presetSubtype="0" fill="hold" grpId="0" nodeType="withEffect">
                                   <p:stCondLst>
                                     <p:cond delay="0"/>
                                   </p:stCondLst>
                                   <p:childTnLst>
                                     <p:set>
                                       <p:cBhvr>
-                                        <p:cTn id="8" dur="1" fill="hold">
+                                        <p:cTn id="12" dur="1" fill="hold">
                                           <p:stCondLst>
                                             <p:cond delay="0"/>
                                           </p:stCondLst>
@@ -5924,14 +6065,14 @@
                                 </p:cTn>
                               </p:par>
                               <p:par>
-                                <p:cTn id="9" presetID="1" presetClass="entr" presetSubtype="0" fill="hold" nodeType="withEffect">
+                                <p:cTn id="13" presetID="1" presetClass="entr" presetSubtype="0" fill="hold" nodeType="withEffect">
                                   <p:stCondLst>
                                     <p:cond delay="0"/>
                                   </p:stCondLst>
                                   <p:childTnLst>
                                     <p:set>
                                       <p:cBhvr>
-                                        <p:cTn id="10" dur="1" fill="hold">
+                                        <p:cTn id="14" dur="1" fill="hold">
                                           <p:stCondLst>
                                             <p:cond delay="0"/>
                                           </p:stCondLst>
@@ -5957,26 +6098,26 @@
                     </p:cTn>
                   </p:par>
                   <p:par>
-                    <p:cTn id="11" fill="hold">
+                    <p:cTn id="15" fill="hold">
                       <p:stCondLst>
                         <p:cond delay="indefinite"/>
                       </p:stCondLst>
                       <p:childTnLst>
                         <p:par>
-                          <p:cTn id="12" fill="hold">
+                          <p:cTn id="16" fill="hold">
                             <p:stCondLst>
                               <p:cond delay="0"/>
                             </p:stCondLst>
                             <p:childTnLst>
                               <p:par>
-                                <p:cTn id="13" presetID="1" presetClass="entr" presetSubtype="0" fill="hold" grpId="0" nodeType="clickEffect">
+                                <p:cTn id="17" presetID="1" presetClass="entr" presetSubtype="0" fill="hold" grpId="0" nodeType="clickEffect">
                                   <p:stCondLst>
                                     <p:cond delay="0"/>
                                   </p:stCondLst>
                                   <p:childTnLst>
                                     <p:set>
                                       <p:cBhvr>
-                                        <p:cTn id="14" dur="1" fill="hold">
+                                        <p:cTn id="18" dur="1" fill="hold">
                                           <p:stCondLst>
                                             <p:cond delay="0"/>
                                           </p:stCondLst>
@@ -5996,14 +6137,14 @@
                                 </p:cTn>
                               </p:par>
                               <p:par>
-                                <p:cTn id="15" presetID="1" presetClass="entr" presetSubtype="0" fill="hold" nodeType="withEffect">
+                                <p:cTn id="19" presetID="1" presetClass="entr" presetSubtype="0" fill="hold" nodeType="withEffect">
                                   <p:stCondLst>
                                     <p:cond delay="0"/>
                                   </p:stCondLst>
                                   <p:childTnLst>
                                     <p:set>
                                       <p:cBhvr>
-                                        <p:cTn id="16" dur="1" fill="hold">
+                                        <p:cTn id="20" dur="1" fill="hold">
                                           <p:stCondLst>
                                             <p:cond delay="0"/>
                                           </p:stCondLst>
@@ -6029,26 +6170,26 @@
                     </p:cTn>
                   </p:par>
                   <p:par>
-                    <p:cTn id="17" fill="hold">
+                    <p:cTn id="21" fill="hold">
                       <p:stCondLst>
                         <p:cond delay="indefinite"/>
                       </p:stCondLst>
                       <p:childTnLst>
                         <p:par>
-                          <p:cTn id="18" fill="hold">
+                          <p:cTn id="22" fill="hold">
                             <p:stCondLst>
                               <p:cond delay="0"/>
                             </p:stCondLst>
                             <p:childTnLst>
                               <p:par>
-                                <p:cTn id="19" presetID="1" presetClass="entr" presetSubtype="0" fill="hold" nodeType="clickEffect">
+                                <p:cTn id="23" presetID="1" presetClass="entr" presetSubtype="0" fill="hold" nodeType="clickEffect">
                                   <p:stCondLst>
                                     <p:cond delay="0"/>
                                   </p:stCondLst>
                                   <p:childTnLst>
                                     <p:set>
                                       <p:cBhvr>
-                                        <p:cTn id="20" dur="1" fill="hold">
+                                        <p:cTn id="24" dur="1" fill="hold">
                                           <p:stCondLst>
                                             <p:cond delay="0"/>
                                           </p:stCondLst>
@@ -6068,14 +6209,14 @@
                                 </p:cTn>
                               </p:par>
                               <p:par>
-                                <p:cTn id="21" presetID="1" presetClass="entr" presetSubtype="0" fill="hold" grpId="0" nodeType="withEffect">
+                                <p:cTn id="25" presetID="1" presetClass="entr" presetSubtype="0" fill="hold" grpId="0" nodeType="withEffect">
                                   <p:stCondLst>
                                     <p:cond delay="0"/>
                                   </p:stCondLst>
                                   <p:childTnLst>
                                     <p:set>
                                       <p:cBhvr>
-                                        <p:cTn id="22" dur="1" fill="hold">
+                                        <p:cTn id="26" dur="1" fill="hold">
                                           <p:stCondLst>
                                             <p:cond delay="0"/>
                                           </p:stCondLst>
@@ -6101,26 +6242,26 @@
                     </p:cTn>
                   </p:par>
                   <p:par>
-                    <p:cTn id="23" fill="hold">
+                    <p:cTn id="27" fill="hold">
                       <p:stCondLst>
                         <p:cond delay="indefinite"/>
                       </p:stCondLst>
                       <p:childTnLst>
                         <p:par>
-                          <p:cTn id="24" fill="hold">
+                          <p:cTn id="28" fill="hold">
                             <p:stCondLst>
                               <p:cond delay="0"/>
                             </p:stCondLst>
                             <p:childTnLst>
                               <p:par>
-                                <p:cTn id="25" presetID="1" presetClass="entr" presetSubtype="0" fill="hold" nodeType="clickEffect">
+                                <p:cTn id="29" presetID="1" presetClass="entr" presetSubtype="0" fill="hold" nodeType="clickEffect">
                                   <p:stCondLst>
                                     <p:cond delay="0"/>
                                   </p:stCondLst>
                                   <p:childTnLst>
                                     <p:set>
                                       <p:cBhvr>
-                                        <p:cTn id="26" dur="1" fill="hold">
+                                        <p:cTn id="30" dur="1" fill="hold">
                                           <p:stCondLst>
                                             <p:cond delay="0"/>
                                           </p:stCondLst>
@@ -6171,12 +6312,13 @@
       <p:bldP spid="15" grpId="0"/>
       <p:bldP spid="16" grpId="0"/>
       <p:bldP spid="19" grpId="0"/>
+      <p:bldP spid="20" grpId="0"/>
     </p:bldLst>
   </p:timing>
 </p:sld>
 </file>
 
-<file path=ppt/slides/slide5.xml><?xml version="1.0" encoding="utf-8"?>
+<file path=ppt/slides/slide4.xml><?xml version="1.0" encoding="utf-8"?>
 <p:sld xmlns:a="http://schemas.openxmlformats.org/drawingml/2006/main" xmlns:r="http://schemas.openxmlformats.org/officeDocument/2006/relationships" xmlns:p="http://schemas.openxmlformats.org/presentationml/2006/main">
   <p:cSld>
     <p:spTree>
@@ -7125,7 +7267,7 @@
 </p:sld>
 </file>
 
-<file path=ppt/slides/slide6.xml><?xml version="1.0" encoding="utf-8"?>
+<file path=ppt/slides/slide5.xml><?xml version="1.0" encoding="utf-8"?>
 <p:sld xmlns:a="http://schemas.openxmlformats.org/drawingml/2006/main" xmlns:r="http://schemas.openxmlformats.org/officeDocument/2006/relationships" xmlns:p="http://schemas.openxmlformats.org/presentationml/2006/main">
   <p:cSld>
     <p:spTree>
@@ -7182,7 +7324,7 @@
         </p:blipFill>
         <p:spPr>
           <a:xfrm>
-            <a:off x="5933509" y="4737178"/>
+            <a:off x="5933509" y="4878876"/>
             <a:ext cx="1457848" cy="1457848"/>
           </a:xfrm>
           <a:prstGeom prst="rect">
@@ -7520,7 +7662,6 @@
               <a:rPr lang="fr-FR" dirty="0" smtClean="0"/>
               <a:t>CSS</a:t>
             </a:r>
-            <a:endParaRPr lang="fr-FR" dirty="0"/>
           </a:p>
         </p:txBody>
       </p:sp>
@@ -7605,7 +7746,7 @@
         </p:blipFill>
         <p:spPr>
           <a:xfrm>
-            <a:off x="1378807" y="6206772"/>
+            <a:off x="1378807" y="6215916"/>
             <a:ext cx="10315859" cy="619944"/>
           </a:xfrm>
         </p:spPr>
@@ -7777,7 +7918,7 @@
 </p:sld>
 </file>
 
-<file path=ppt/slides/slide7.xml><?xml version="1.0" encoding="utf-8"?>
+<file path=ppt/slides/slide6.xml><?xml version="1.0" encoding="utf-8"?>
 <p:sld xmlns:a="http://schemas.openxmlformats.org/drawingml/2006/main" xmlns:r="http://schemas.openxmlformats.org/officeDocument/2006/relationships" xmlns:p="http://schemas.openxmlformats.org/presentationml/2006/main">
   <p:cSld>
     <p:spTree>
@@ -7937,7 +8078,7 @@
         <p:spPr>
           <a:xfrm>
             <a:off x="8743950" y="2537790"/>
-            <a:ext cx="3295650" cy="2308324"/>
+            <a:ext cx="3295650" cy="369332"/>
           </a:xfrm>
           <a:prstGeom prst="rect">
             <a:avLst/>
@@ -7959,53 +8100,6 @@
               <a:t> Partie authentifié</a:t>
             </a:r>
           </a:p>
-          <a:p>
-            <a:pPr algn="ctr"/>
-            <a:endParaRPr lang="fr-FR" dirty="0" smtClean="0"/>
-          </a:p>
-          <a:p>
-            <a:pPr algn="ctr"/>
-            <a:r>
-              <a:rPr lang="fr-FR" dirty="0" smtClean="0"/>
-              <a:t>Page d’accueil avec </a:t>
-            </a:r>
-            <a:r>
-              <a:rPr lang="fr-FR" dirty="0"/>
-              <a:t>:</a:t>
-            </a:r>
-          </a:p>
-          <a:p>
-            <a:pPr algn="ctr"/>
-            <a:r>
-              <a:rPr lang="fr-FR" dirty="0"/>
-              <a:t>Emploi du temps</a:t>
-            </a:r>
-          </a:p>
-          <a:p>
-            <a:pPr algn="ctr"/>
-            <a:r>
-              <a:rPr lang="fr-FR" dirty="0"/>
-              <a:t>Trombinoscope</a:t>
-            </a:r>
-          </a:p>
-          <a:p>
-            <a:pPr algn="ctr"/>
-            <a:r>
-              <a:rPr lang="fr-FR" dirty="0"/>
-              <a:t>Contact</a:t>
-            </a:r>
-          </a:p>
-          <a:p>
-            <a:pPr algn="ctr"/>
-            <a:r>
-              <a:rPr lang="fr-FR" dirty="0"/>
-              <a:t>Déconnexion</a:t>
-            </a:r>
-          </a:p>
-          <a:p>
-            <a:pPr algn="ctr"/>
-            <a:endParaRPr lang="fr-FR" dirty="0"/>
-          </a:p>
         </p:txBody>
       </p:sp>
       <p:sp>
@@ -8017,7 +8111,7 @@
         <p:spPr>
           <a:xfrm>
             <a:off x="1309502" y="2537790"/>
-            <a:ext cx="2990077" cy="2585323"/>
+            <a:ext cx="2990077" cy="646331"/>
           </a:xfrm>
           <a:prstGeom prst="rect">
             <a:avLst/>
@@ -8047,74 +8141,6 @@
             </a:br>
             <a:endParaRPr lang="fr-FR" dirty="0"/>
           </a:p>
-          <a:p>
-            <a:pPr algn="ctr"/>
-            <a:r>
-              <a:rPr lang="fr-FR" dirty="0"/>
-              <a:t>Page </a:t>
-            </a:r>
-            <a:r>
-              <a:rPr lang="fr-FR" dirty="0" smtClean="0"/>
-              <a:t>d’accueil </a:t>
-            </a:r>
-            <a:r>
-              <a:rPr lang="fr-FR" dirty="0"/>
-              <a:t>restreinte </a:t>
-            </a:r>
-          </a:p>
-          <a:p>
-            <a:pPr algn="ctr"/>
-            <a:r>
-              <a:rPr lang="fr-FR" dirty="0"/>
-              <a:t>Contact é</a:t>
-            </a:r>
-            <a:r>
-              <a:rPr lang="fr-FR" dirty="0" smtClean="0"/>
-              <a:t>cole</a:t>
-            </a:r>
-            <a:endParaRPr lang="fr-FR" dirty="0"/>
-          </a:p>
-          <a:p>
-            <a:pPr algn="ctr"/>
-            <a:r>
-              <a:rPr lang="fr-FR" dirty="0" smtClean="0"/>
-              <a:t>Sortie scolaire</a:t>
-            </a:r>
-          </a:p>
-          <a:p>
-            <a:pPr algn="ctr"/>
-            <a:r>
-              <a:rPr lang="fr-FR" dirty="0" smtClean="0"/>
-              <a:t>Evènement </a:t>
-            </a:r>
-            <a:r>
-              <a:rPr lang="fr-FR" dirty="0"/>
-              <a:t>à</a:t>
-            </a:r>
-            <a:r>
-              <a:rPr lang="fr-FR" dirty="0" smtClean="0"/>
-              <a:t> venir</a:t>
-            </a:r>
-          </a:p>
-          <a:p>
-            <a:pPr algn="ctr"/>
-            <a:r>
-              <a:rPr lang="fr-FR" dirty="0" smtClean="0"/>
-              <a:t>Enregistrement</a:t>
-            </a:r>
-            <a:endParaRPr lang="fr-FR" dirty="0"/>
-          </a:p>
-          <a:p>
-            <a:pPr algn="ctr"/>
-            <a:r>
-              <a:rPr lang="fr-FR" dirty="0"/>
-              <a:t>Connexion</a:t>
-            </a:r>
-          </a:p>
-          <a:p>
-            <a:pPr algn="ctr"/>
-            <a:endParaRPr lang="fr-FR" dirty="0"/>
-          </a:p>
         </p:txBody>
       </p:sp>
       <p:sp>
@@ -8125,8 +8151,8 @@
         </p:nvSpPr>
         <p:spPr>
           <a:xfrm>
-            <a:off x="5441312" y="2537790"/>
-            <a:ext cx="2400304" cy="1200329"/>
+            <a:off x="5321612" y="2537790"/>
+            <a:ext cx="2400304" cy="369332"/>
           </a:xfrm>
           <a:prstGeom prst="rect">
             <a:avLst/>
@@ -8147,34 +8173,6 @@
               <a:rPr lang="fr-FR" dirty="0" smtClean="0"/>
               <a:t>Connexion</a:t>
             </a:r>
-          </a:p>
-          <a:p>
-            <a:pPr algn="ctr"/>
-            <a:endParaRPr lang="fr-FR" dirty="0" smtClean="0"/>
-          </a:p>
-          <a:p>
-            <a:pPr algn="ctr"/>
-            <a:r>
-              <a:rPr lang="fr-FR" dirty="0" smtClean="0"/>
-              <a:t>Pseudo</a:t>
-            </a:r>
-            <a:r>
-              <a:rPr lang="fr-FR" dirty="0"/>
-              <a:t>+ </a:t>
-            </a:r>
-            <a:r>
-              <a:rPr lang="fr-FR" dirty="0" smtClean="0"/>
-              <a:t>mot de passe </a:t>
-            </a:r>
-            <a:r>
-              <a:rPr lang="fr-FR" dirty="0"/>
-              <a:t>(Stockage </a:t>
-            </a:r>
-            <a:r>
-              <a:rPr lang="fr-FR" dirty="0" smtClean="0"/>
-              <a:t>BDD)</a:t>
-            </a:r>
-            <a:endParaRPr lang="fr-FR" dirty="0"/>
           </a:p>
         </p:txBody>
       </p:sp>
@@ -8226,7 +8224,7 @@
         </p:nvSpPr>
         <p:spPr>
           <a:xfrm>
-            <a:off x="7920512" y="3137954"/>
+            <a:off x="8057672" y="3137954"/>
             <a:ext cx="821687" cy="600165"/>
           </a:xfrm>
           <a:prstGeom prst="rightArrow">
@@ -8309,6 +8307,195 @@
           </a:prstGeom>
         </p:spPr>
       </p:pic>
+      <p:sp>
+        <p:nvSpPr>
+          <p:cNvPr id="15" name="ZoneTexte 14"/>
+          <p:cNvSpPr txBox="1"/>
+          <p:nvPr/>
+        </p:nvSpPr>
+        <p:spPr>
+          <a:xfrm>
+            <a:off x="1373656" y="3022523"/>
+            <a:ext cx="2990077" cy="2031325"/>
+          </a:xfrm>
+          <a:prstGeom prst="rect">
+            <a:avLst/>
+          </a:prstGeom>
+          <a:noFill/>
+        </p:spPr>
+        <p:txBody>
+          <a:bodyPr wrap="square" rtlCol="0">
+            <a:spAutoFit/>
+          </a:bodyPr>
+          <a:lstStyle/>
+          <a:p>
+            <a:pPr algn="ctr"/>
+            <a:r>
+              <a:rPr lang="fr-FR" dirty="0" smtClean="0"/>
+              <a:t>Page d’accueil </a:t>
+            </a:r>
+            <a:r>
+              <a:rPr lang="fr-FR" dirty="0"/>
+              <a:t>restreinte </a:t>
+            </a:r>
+          </a:p>
+          <a:p>
+            <a:pPr algn="ctr"/>
+            <a:r>
+              <a:rPr lang="fr-FR" dirty="0"/>
+              <a:t>Contact é</a:t>
+            </a:r>
+            <a:r>
+              <a:rPr lang="fr-FR" dirty="0" smtClean="0"/>
+              <a:t>cole</a:t>
+            </a:r>
+            <a:endParaRPr lang="fr-FR" dirty="0"/>
+          </a:p>
+          <a:p>
+            <a:pPr algn="ctr"/>
+            <a:r>
+              <a:rPr lang="fr-FR" dirty="0" smtClean="0"/>
+              <a:t>Sortie scolaire</a:t>
+            </a:r>
+          </a:p>
+          <a:p>
+            <a:pPr algn="ctr"/>
+            <a:r>
+              <a:rPr lang="fr-FR" dirty="0" smtClean="0"/>
+              <a:t>Evènement </a:t>
+            </a:r>
+            <a:r>
+              <a:rPr lang="fr-FR" dirty="0"/>
+              <a:t>à</a:t>
+            </a:r>
+            <a:r>
+              <a:rPr lang="fr-FR" dirty="0" smtClean="0"/>
+              <a:t> venir</a:t>
+            </a:r>
+          </a:p>
+          <a:p>
+            <a:pPr algn="ctr"/>
+            <a:r>
+              <a:rPr lang="fr-FR" dirty="0" smtClean="0"/>
+              <a:t>Enregistrement</a:t>
+            </a:r>
+            <a:endParaRPr lang="fr-FR" dirty="0"/>
+          </a:p>
+          <a:p>
+            <a:pPr algn="ctr"/>
+            <a:r>
+              <a:rPr lang="fr-FR" dirty="0"/>
+              <a:t>Connexion</a:t>
+            </a:r>
+          </a:p>
+          <a:p>
+            <a:pPr algn="ctr"/>
+            <a:endParaRPr lang="fr-FR" dirty="0"/>
+          </a:p>
+        </p:txBody>
+      </p:sp>
+      <p:sp>
+        <p:nvSpPr>
+          <p:cNvPr id="16" name="ZoneTexte 15"/>
+          <p:cNvSpPr txBox="1"/>
+          <p:nvPr/>
+        </p:nvSpPr>
+        <p:spPr>
+          <a:xfrm>
+            <a:off x="5456567" y="3141535"/>
+            <a:ext cx="2400304" cy="646331"/>
+          </a:xfrm>
+          <a:prstGeom prst="rect">
+            <a:avLst/>
+          </a:prstGeom>
+          <a:noFill/>
+        </p:spPr>
+        <p:txBody>
+          <a:bodyPr wrap="square" rtlCol="0">
+            <a:spAutoFit/>
+          </a:bodyPr>
+          <a:lstStyle/>
+          <a:p>
+            <a:pPr algn="ctr"/>
+            <a:r>
+              <a:rPr lang="fr-FR" dirty="0" smtClean="0"/>
+              <a:t>Pseudo + mot de passe </a:t>
+            </a:r>
+            <a:r>
+              <a:rPr lang="fr-FR" dirty="0"/>
+              <a:t>(Stockage </a:t>
+            </a:r>
+            <a:r>
+              <a:rPr lang="fr-FR" dirty="0" smtClean="0"/>
+              <a:t>BDD)</a:t>
+            </a:r>
+            <a:endParaRPr lang="fr-FR" dirty="0"/>
+          </a:p>
+        </p:txBody>
+      </p:sp>
+      <p:sp>
+        <p:nvSpPr>
+          <p:cNvPr id="17" name="ZoneTexte 16"/>
+          <p:cNvSpPr txBox="1"/>
+          <p:nvPr/>
+        </p:nvSpPr>
+        <p:spPr>
+          <a:xfrm>
+            <a:off x="8896350" y="3184121"/>
+            <a:ext cx="3295650" cy="1477328"/>
+          </a:xfrm>
+          <a:prstGeom prst="rect">
+            <a:avLst/>
+          </a:prstGeom>
+          <a:noFill/>
+        </p:spPr>
+        <p:txBody>
+          <a:bodyPr wrap="square" rtlCol="0">
+            <a:spAutoFit/>
+          </a:bodyPr>
+          <a:lstStyle/>
+          <a:p>
+            <a:pPr algn="ctr"/>
+            <a:r>
+              <a:rPr lang="fr-FR" dirty="0" smtClean="0"/>
+              <a:t>Page d’accueil avec </a:t>
+            </a:r>
+            <a:r>
+              <a:rPr lang="fr-FR" dirty="0"/>
+              <a:t>:</a:t>
+            </a:r>
+          </a:p>
+          <a:p>
+            <a:pPr algn="ctr"/>
+            <a:r>
+              <a:rPr lang="fr-FR" dirty="0"/>
+              <a:t>Emploi du temps</a:t>
+            </a:r>
+          </a:p>
+          <a:p>
+            <a:pPr algn="ctr"/>
+            <a:r>
+              <a:rPr lang="fr-FR" dirty="0"/>
+              <a:t>Trombinoscope</a:t>
+            </a:r>
+          </a:p>
+          <a:p>
+            <a:pPr algn="ctr"/>
+            <a:r>
+              <a:rPr lang="fr-FR" dirty="0"/>
+              <a:t>Contact</a:t>
+            </a:r>
+          </a:p>
+          <a:p>
+            <a:pPr algn="ctr"/>
+            <a:r>
+              <a:rPr lang="fr-FR" dirty="0" smtClean="0"/>
+              <a:t>Déconnexion</a:t>
+            </a:r>
+            <a:endParaRPr lang="fr-FR" dirty="0"/>
+          </a:p>
+        </p:txBody>
+      </p:sp>
     </p:spTree>
     <p:extLst>
       <p:ext uri="{BB962C8B-B14F-4D97-AF65-F5344CB8AC3E}">
@@ -8356,6 +8543,96 @@
                                           </p:stCondLst>
                                         </p:cTn>
                                         <p:tgtEl>
+                                          <p:spTgt spid="8"/>
+                                        </p:tgtEl>
+                                        <p:attrNameLst>
+                                          <p:attrName>style.visibility</p:attrName>
+                                        </p:attrNameLst>
+                                      </p:cBhvr>
+                                      <p:to>
+                                        <p:strVal val="visible"/>
+                                      </p:to>
+                                    </p:set>
+                                  </p:childTnLst>
+                                </p:cTn>
+                              </p:par>
+                            </p:childTnLst>
+                          </p:cTn>
+                        </p:par>
+                      </p:childTnLst>
+                    </p:cTn>
+                  </p:par>
+                  <p:par>
+                    <p:cTn id="7" fill="hold">
+                      <p:stCondLst>
+                        <p:cond delay="indefinite"/>
+                      </p:stCondLst>
+                      <p:childTnLst>
+                        <p:par>
+                          <p:cTn id="8" fill="hold">
+                            <p:stCondLst>
+                              <p:cond delay="0"/>
+                            </p:stCondLst>
+                            <p:childTnLst>
+                              <p:par>
+                                <p:cTn id="9" presetID="1" presetClass="entr" presetSubtype="0" fill="hold" grpId="0" nodeType="clickEffect">
+                                  <p:stCondLst>
+                                    <p:cond delay="0"/>
+                                  </p:stCondLst>
+                                  <p:childTnLst>
+                                    <p:set>
+                                      <p:cBhvr>
+                                        <p:cTn id="10" dur="1" fill="hold">
+                                          <p:stCondLst>
+                                            <p:cond delay="0"/>
+                                          </p:stCondLst>
+                                        </p:cTn>
+                                        <p:tgtEl>
+                                          <p:spTgt spid="15"/>
+                                        </p:tgtEl>
+                                        <p:attrNameLst>
+                                          <p:attrName>style.visibility</p:attrName>
+                                        </p:attrNameLst>
+                                      </p:cBhvr>
+                                      <p:to>
+                                        <p:strVal val="visible"/>
+                                      </p:to>
+                                    </p:set>
+                                  </p:childTnLst>
+                                </p:cTn>
+                              </p:par>
+                            </p:childTnLst>
+                          </p:cTn>
+                        </p:par>
+                      </p:childTnLst>
+                    </p:cTn>
+                  </p:par>
+                  <p:par>
+                    <p:cTn id="11" fill="hold">
+                      <p:stCondLst>
+                        <p:cond delay="indefinite"/>
+                      </p:stCondLst>
+                      <p:childTnLst>
+                        <p:par>
+                          <p:cTn id="12" fill="hold">
+                            <p:stCondLst>
+                              <p:cond delay="0"/>
+                            </p:stCondLst>
+                            <p:childTnLst>
+                              <p:par>
+                                <p:cTn id="13" presetID="1" presetClass="entr" presetSubtype="0" fill="hold" grpId="0" nodeType="clickEffect">
+                                  <p:stCondLst>
+                                    <p:cond delay="0"/>
+                                  </p:stCondLst>
+                                  <p:childTnLst>
+                                    <p:set>
+                                      <p:cBhvr>
+                                        <p:cTn id="14" dur="1" fill="hold">
+                                          <p:stCondLst>
+                                            <p:cond delay="0"/>
+                                          </p:stCondLst>
+                                        </p:cTn>
+                                        <p:tgtEl>
                                           <p:spTgt spid="9"/>
                                         </p:tgtEl>
                                         <p:attrNameLst>
@@ -8370,14 +8647,14 @@
                                 </p:cTn>
                               </p:par>
                               <p:par>
-                                <p:cTn id="7" presetID="1" presetClass="entr" presetSubtype="0" fill="hold" grpId="0" nodeType="withEffect">
+                                <p:cTn id="15" presetID="1" presetClass="entr" presetSubtype="0" fill="hold" grpId="0" nodeType="withEffect">
                                   <p:stCondLst>
                                     <p:cond delay="0"/>
                                   </p:stCondLst>
                                   <p:childTnLst>
                                     <p:set>
                                       <p:cBhvr>
-                                        <p:cTn id="8" dur="1" fill="hold">
+                                        <p:cTn id="16" dur="1" fill="hold">
                                           <p:stCondLst>
                                             <p:cond delay="0"/>
                                           </p:stCondLst>
@@ -8403,26 +8680,71 @@
                     </p:cTn>
                   </p:par>
                   <p:par>
-                    <p:cTn id="9" fill="hold">
+                    <p:cTn id="17" fill="hold">
                       <p:stCondLst>
                         <p:cond delay="indefinite"/>
                       </p:stCondLst>
                       <p:childTnLst>
                         <p:par>
-                          <p:cTn id="10" fill="hold">
+                          <p:cTn id="18" fill="hold">
                             <p:stCondLst>
                               <p:cond delay="0"/>
                             </p:stCondLst>
                             <p:childTnLst>
                               <p:par>
-                                <p:cTn id="11" presetID="1" presetClass="entr" presetSubtype="0" fill="hold" grpId="0" nodeType="clickEffect">
+                                <p:cTn id="19" presetID="1" presetClass="entr" presetSubtype="0" fill="hold" grpId="0" nodeType="clickEffect">
                                   <p:stCondLst>
                                     <p:cond delay="0"/>
                                   </p:stCondLst>
                                   <p:childTnLst>
                                     <p:set>
                                       <p:cBhvr>
-                                        <p:cTn id="12" dur="1" fill="hold">
+                                        <p:cTn id="20" dur="1" fill="hold">
+                                          <p:stCondLst>
+                                            <p:cond delay="0"/>
+                                          </p:stCondLst>
+                                        </p:cTn>
+                                        <p:tgtEl>
+                                          <p:spTgt spid="16"/>
+                                        </p:tgtEl>
+                                        <p:attrNameLst>
+                                          <p:attrName>style.visibility</p:attrName>
+                                        </p:attrNameLst>
+                                      </p:cBhvr>
+                                      <p:to>
+                                        <p:strVal val="visible"/>
+                                      </p:to>
+                                    </p:set>
+                                  </p:childTnLst>
+                                </p:cTn>
+                              </p:par>
+                            </p:childTnLst>
+                          </p:cTn>
+                        </p:par>
+                      </p:childTnLst>
+                    </p:cTn>
+                  </p:par>
+                  <p:par>
+                    <p:cTn id="21" fill="hold">
+                      <p:stCondLst>
+                        <p:cond delay="indefinite"/>
+                      </p:stCondLst>
+                      <p:childTnLst>
+                        <p:par>
+                          <p:cTn id="22" fill="hold">
+                            <p:stCondLst>
+                              <p:cond delay="0"/>
+                            </p:stCondLst>
+                            <p:childTnLst>
+                              <p:par>
+                                <p:cTn id="23" presetID="1" presetClass="entr" presetSubtype="0" fill="hold" grpId="0" nodeType="clickEffect">
+                                  <p:stCondLst>
+                                    <p:cond delay="0"/>
+                                  </p:stCondLst>
+                                  <p:childTnLst>
+                                    <p:set>
+                                      <p:cBhvr>
+                                        <p:cTn id="24" dur="1" fill="hold">
                                           <p:stCondLst>
                                             <p:cond delay="0"/>
                                           </p:stCondLst>
@@ -8442,20 +8764,65 @@
                                 </p:cTn>
                               </p:par>
                               <p:par>
-                                <p:cTn id="13" presetID="1" presetClass="entr" presetSubtype="0" fill="hold" grpId="0" nodeType="withEffect">
+                                <p:cTn id="25" presetID="1" presetClass="entr" presetSubtype="0" fill="hold" grpId="0" nodeType="withEffect">
                                   <p:stCondLst>
                                     <p:cond delay="0"/>
                                   </p:stCondLst>
                                   <p:childTnLst>
                                     <p:set>
                                       <p:cBhvr>
-                                        <p:cTn id="14" dur="1" fill="hold">
+                                        <p:cTn id="26" dur="1" fill="hold">
                                           <p:stCondLst>
                                             <p:cond delay="0"/>
                                           </p:stCondLst>
                                         </p:cTn>
                                         <p:tgtEl>
                                           <p:spTgt spid="3"/>
+                                        </p:tgtEl>
+                                        <p:attrNameLst>
+                                          <p:attrName>style.visibility</p:attrName>
+                                        </p:attrNameLst>
+                                      </p:cBhvr>
+                                      <p:to>
+                                        <p:strVal val="visible"/>
+                                      </p:to>
+                                    </p:set>
+                                  </p:childTnLst>
+                                </p:cTn>
+                              </p:par>
+                            </p:childTnLst>
+                          </p:cTn>
+                        </p:par>
+                      </p:childTnLst>
+                    </p:cTn>
+                  </p:par>
+                  <p:par>
+                    <p:cTn id="27" fill="hold">
+                      <p:stCondLst>
+                        <p:cond delay="indefinite"/>
+                      </p:stCondLst>
+                      <p:childTnLst>
+                        <p:par>
+                          <p:cTn id="28" fill="hold">
+                            <p:stCondLst>
+                              <p:cond delay="0"/>
+                            </p:stCondLst>
+                            <p:childTnLst>
+                              <p:par>
+                                <p:cTn id="29" presetID="1" presetClass="entr" presetSubtype="0" fill="hold" grpId="0" nodeType="clickEffect">
+                                  <p:stCondLst>
+                                    <p:cond delay="0"/>
+                                  </p:stCondLst>
+                                  <p:childTnLst>
+                                    <p:set>
+                                      <p:cBhvr>
+                                        <p:cTn id="30" dur="1" fill="hold">
+                                          <p:stCondLst>
+                                            <p:cond delay="0"/>
+                                          </p:stCondLst>
+                                        </p:cTn>
+                                        <p:tgtEl>
+                                          <p:spTgt spid="17"/>
                                         </p:tgtEl>
                                         <p:attrNameLst>
                                           <p:attrName>style.visibility</p:attrName>
@@ -8497,15 +8864,19 @@
     </p:tnLst>
     <p:bldLst>
       <p:bldP spid="3" grpId="0"/>
+      <p:bldP spid="8" grpId="0"/>
       <p:bldP spid="9" grpId="0"/>
       <p:bldP spid="11" grpId="0" animBg="1"/>
       <p:bldP spid="12" grpId="0" animBg="1"/>
+      <p:bldP spid="15" grpId="0"/>
+      <p:bldP spid="16" grpId="0"/>
+      <p:bldP spid="17" grpId="0"/>
     </p:bldLst>
   </p:timing>
 </p:sld>
 </file>
 
-<file path=ppt/slides/slide8.xml><?xml version="1.0" encoding="utf-8"?>
+<file path=ppt/slides/slide7.xml><?xml version="1.0" encoding="utf-8"?>
 <p:sld xmlns:a="http://schemas.openxmlformats.org/drawingml/2006/main" xmlns:r="http://schemas.openxmlformats.org/officeDocument/2006/relationships" xmlns:p="http://schemas.openxmlformats.org/presentationml/2006/main">
   <p:cSld>
     <p:spTree>
@@ -8545,7 +8916,7 @@
             <a:pPr algn="ctr"/>
             <a:r>
               <a:rPr lang="fr-FR" dirty="0" smtClean="0">
-                <a:hlinkClick r:id="rId2"/>
+                <a:hlinkClick r:id="rId3"/>
               </a:rPr>
               <a:t>Présentation du site</a:t>
             </a:r>
@@ -8576,7 +8947,7 @@
             <p:nvPr/>
           </p:nvPicPr>
           <p:blipFill>
-            <a:blip r:embed="rId3">
+            <a:blip r:embed="rId4">
               <a:extLst>
                 <a:ext uri="{28A0092B-C50C-407E-A947-70E740481C1C}">
                   <a14:useLocalDpi xmlns:a14="http://schemas.microsoft.com/office/drawing/2010/main" val="0"/>
@@ -8606,7 +8977,7 @@
             <p:nvPr/>
           </p:nvPicPr>
           <p:blipFill rotWithShape="1">
-            <a:blip r:embed="rId3">
+            <a:blip r:embed="rId4">
               <a:extLst>
                 <a:ext uri="{28A0092B-C50C-407E-A947-70E740481C1C}">
                   <a14:useLocalDpi xmlns:a14="http://schemas.microsoft.com/office/drawing/2010/main" val="0"/>
@@ -8637,12 +9008,1159 @@
   <p:clrMapOvr>
     <a:masterClrMapping/>
   </p:clrMapOvr>
+  <p:transition spd="slow">
+    <p:push dir="u"/>
+  </p:transition>
   <p:timing>
     <p:tnLst>
       <p:par>
         <p:cTn id="1" dur="indefinite" restart="never" nodeType="tmRoot"/>
       </p:par>
     </p:tnLst>
+  </p:timing>
+</p:sld>
+</file>
+
+<file path=ppt/slides/slide8.xml><?xml version="1.0" encoding="utf-8"?>
+<p:sld xmlns:a="http://schemas.openxmlformats.org/drawingml/2006/main" xmlns:r="http://schemas.openxmlformats.org/officeDocument/2006/relationships" xmlns:p="http://schemas.openxmlformats.org/presentationml/2006/main">
+  <p:cSld>
+    <p:spTree>
+      <p:nvGrpSpPr>
+        <p:cNvPr id="1" name=""/>
+        <p:cNvGrpSpPr/>
+        <p:nvPr/>
+      </p:nvGrpSpPr>
+      <p:grpSpPr>
+        <a:xfrm>
+          <a:off x="0" y="0"/>
+          <a:ext cx="0" cy="0"/>
+          <a:chOff x="0" y="0"/>
+          <a:chExt cx="0" cy="0"/>
+        </a:xfrm>
+      </p:grpSpPr>
+      <p:grpSp>
+        <p:nvGrpSpPr>
+          <p:cNvPr id="4" name="Groupe 3"/>
+          <p:cNvGrpSpPr/>
+          <p:nvPr/>
+        </p:nvGrpSpPr>
+        <p:grpSpPr>
+          <a:xfrm>
+            <a:off x="0" y="-77638"/>
+            <a:ext cx="1630392" cy="6935639"/>
+            <a:chOff x="1" y="51758"/>
+            <a:chExt cx="1365202" cy="6702730"/>
+          </a:xfrm>
+        </p:grpSpPr>
+        <p:pic>
+          <p:nvPicPr>
+            <p:cNvPr id="5" name="Espace réservé du contenu 3"/>
+            <p:cNvPicPr>
+              <a:picLocks noChangeAspect="1"/>
+            </p:cNvPicPr>
+            <p:nvPr/>
+          </p:nvPicPr>
+          <p:blipFill>
+            <a:blip r:embed="rId2">
+              <a:extLst>
+                <a:ext uri="{28A0092B-C50C-407E-A947-70E740481C1C}">
+                  <a14:useLocalDpi xmlns:a14="http://schemas.microsoft.com/office/drawing/2010/main" val="0"/>
+                </a:ext>
+              </a:extLst>
+            </a:blip>
+            <a:stretch>
+              <a:fillRect/>
+            </a:stretch>
+          </p:blipFill>
+          <p:spPr>
+            <a:xfrm rot="16200000">
+              <a:off x="-2204896" y="2258121"/>
+              <a:ext cx="5776461" cy="1363736"/>
+            </a:xfrm>
+            <a:prstGeom prst="rect">
+              <a:avLst/>
+            </a:prstGeom>
+          </p:spPr>
+        </p:pic>
+        <p:pic>
+          <p:nvPicPr>
+            <p:cNvPr id="6" name="Espace réservé du contenu 3"/>
+            <p:cNvPicPr>
+              <a:picLocks noChangeAspect="1"/>
+            </p:cNvPicPr>
+            <p:nvPr/>
+          </p:nvPicPr>
+          <p:blipFill rotWithShape="1">
+            <a:blip r:embed="rId2">
+              <a:extLst>
+                <a:ext uri="{28A0092B-C50C-407E-A947-70E740481C1C}">
+                  <a14:useLocalDpi xmlns:a14="http://schemas.microsoft.com/office/drawing/2010/main" val="0"/>
+                </a:ext>
+              </a:extLst>
+            </a:blip>
+            <a:srcRect r="29036"/>
+            <a:stretch/>
+          </p:blipFill>
+          <p:spPr>
+            <a:xfrm rot="16200000">
+              <a:off x="-1367733" y="4023018"/>
+              <a:ext cx="4099204" cy="1363736"/>
+            </a:xfrm>
+            <a:prstGeom prst="rect">
+              <a:avLst/>
+            </a:prstGeom>
+          </p:spPr>
+        </p:pic>
+      </p:grpSp>
+      <p:pic>
+        <p:nvPicPr>
+          <p:cNvPr id="7" name="Content Placeholder 7" descr="Briefcase">
+            <a:extLst>
+              <a:ext uri="{FF2B5EF4-FFF2-40B4-BE49-F238E27FC236}">
+                <a16:creationId xmlns:a16="http://schemas.microsoft.com/office/drawing/2014/main" xmlns="" xmlns:lc="http://schemas.openxmlformats.org/drawingml/2006/lockedCanvas" id="{2B1B4CA7-BA24-4C57-8460-641C162B3E75}"/>
+              </a:ext>
+            </a:extLst>
+          </p:cNvPr>
+          <p:cNvPicPr>
+            <a:picLocks noChangeAspect="1"/>
+          </p:cNvPicPr>
+          <p:nvPr/>
+        </p:nvPicPr>
+        <p:blipFill>
+          <a:blip r:embed="rId3" cstate="print">
+            <a:extLst>
+              <a:ext uri="{BEBA8EAE-BF5A-486C-A8C5-ECC9F3942E4B}">
+                <a14:imgProps xmlns:a14="http://schemas.microsoft.com/office/drawing/2010/main">
+                  <a14:imgLayer r:embed="rId4">
+                    <a14:imgEffect>
+                      <a14:artisticGlowEdges/>
+                    </a14:imgEffect>
+                  </a14:imgLayer>
+                </a14:imgProps>
+              </a:ext>
+              <a:ext uri="{28A0092B-C50C-407E-A947-70E740481C1C}">
+                <a14:useLocalDpi xmlns:a14="http://schemas.microsoft.com/office/drawing/2010/main" val="0"/>
+              </a:ext>
+              <a:ext uri="{96DAC541-7B7A-43D3-8B79-37D633B846F1}">
+                <asvg:svgBlip xmlns:asvg="http://schemas.microsoft.com/office/drawing/2016/SVG/main" xmlns="" xmlns:lc="http://schemas.openxmlformats.org/drawingml/2006/lockedCanvas" r:embed="rId22"/>
+              </a:ext>
+            </a:extLst>
+          </a:blip>
+          <a:stretch>
+            <a:fillRect/>
+          </a:stretch>
+        </p:blipFill>
+        <p:spPr>
+          <a:xfrm>
+            <a:off x="5844405" y="2127847"/>
+            <a:ext cx="1482792" cy="1482792"/>
+          </a:xfrm>
+          <a:prstGeom prst="rect">
+            <a:avLst/>
+          </a:prstGeom>
+        </p:spPr>
+      </p:pic>
+      <p:sp>
+        <p:nvSpPr>
+          <p:cNvPr id="8" name="ZoneTexte 7"/>
+          <p:cNvSpPr txBox="1"/>
+          <p:nvPr/>
+        </p:nvSpPr>
+        <p:spPr>
+          <a:xfrm>
+            <a:off x="5660668" y="3561911"/>
+            <a:ext cx="1961592" cy="369332"/>
+          </a:xfrm>
+          <a:prstGeom prst="rect">
+            <a:avLst/>
+          </a:prstGeom>
+          <a:noFill/>
+        </p:spPr>
+        <p:txBody>
+          <a:bodyPr wrap="square" rtlCol="0">
+            <a:spAutoFit/>
+          </a:bodyPr>
+          <a:lstStyle/>
+          <a:p>
+            <a:pPr algn="ctr"/>
+            <a:r>
+              <a:rPr lang="fr-FR" dirty="0" smtClean="0"/>
+              <a:t>Expérience</a:t>
+            </a:r>
+            <a:endParaRPr lang="fr-FR" dirty="0"/>
+          </a:p>
+        </p:txBody>
+      </p:sp>
+      <p:sp>
+        <p:nvSpPr>
+          <p:cNvPr id="10" name="ZoneTexte 9"/>
+          <p:cNvSpPr txBox="1"/>
+          <p:nvPr/>
+        </p:nvSpPr>
+        <p:spPr>
+          <a:xfrm>
+            <a:off x="5457253" y="5523821"/>
+            <a:ext cx="2397326" cy="646331"/>
+          </a:xfrm>
+          <a:prstGeom prst="rect">
+            <a:avLst/>
+          </a:prstGeom>
+          <a:noFill/>
+        </p:spPr>
+        <p:txBody>
+          <a:bodyPr wrap="square" rtlCol="0">
+            <a:spAutoFit/>
+          </a:bodyPr>
+          <a:lstStyle/>
+          <a:p>
+            <a:pPr algn="ctr"/>
+            <a:r>
+              <a:rPr lang="fr-FR" dirty="0" smtClean="0"/>
+              <a:t>Travail collaboratif</a:t>
+            </a:r>
+          </a:p>
+          <a:p>
+            <a:pPr algn="ctr"/>
+            <a:endParaRPr lang="fr-FR" dirty="0"/>
+          </a:p>
+        </p:txBody>
+      </p:sp>
+      <p:sp>
+        <p:nvSpPr>
+          <p:cNvPr id="11" name="Titre 1"/>
+          <p:cNvSpPr txBox="1">
+            <a:spLocks/>
+          </p:cNvSpPr>
+          <p:nvPr/>
+        </p:nvSpPr>
+        <p:spPr>
+          <a:xfrm>
+            <a:off x="1138687" y="0"/>
+            <a:ext cx="11005554" cy="1325563"/>
+          </a:xfrm>
+          <a:prstGeom prst="rect">
+            <a:avLst/>
+          </a:prstGeom>
+        </p:spPr>
+        <p:txBody>
+          <a:bodyPr vert="horz" lIns="91440" tIns="45720" rIns="91440" bIns="45720" rtlCol="0" anchor="ctr">
+            <a:normAutofit/>
+          </a:bodyPr>
+          <a:lstStyle>
+            <a:lvl1pPr algn="l" defTabSz="914400" rtl="0" eaLnBrk="1" latinLnBrk="0" hangingPunct="1">
+              <a:lnSpc>
+                <a:spcPct val="90000"/>
+              </a:lnSpc>
+              <a:spcBef>
+                <a:spcPct val="0"/>
+              </a:spcBef>
+              <a:buNone/>
+              <a:defRPr sz="4400" kern="1200">
+                <a:solidFill>
+                  <a:schemeClr val="tx1"/>
+                </a:solidFill>
+                <a:latin typeface="+mj-lt"/>
+                <a:ea typeface="+mj-ea"/>
+                <a:cs typeface="+mj-cs"/>
+              </a:defRPr>
+            </a:lvl1pPr>
+          </a:lstStyle>
+          <a:p>
+            <a:pPr algn="ctr"/>
+            <a:r>
+              <a:rPr lang="fr-FR" sz="4300" dirty="0" smtClean="0">
+                <a:solidFill>
+                  <a:schemeClr val="accent6"/>
+                </a:solidFill>
+                <a:latin typeface="Futura Book" pitchFamily="82" charset="0"/>
+              </a:rPr>
+              <a:t>Conclusion</a:t>
+            </a:r>
+            <a:endParaRPr lang="fr-FR" sz="4300" dirty="0">
+              <a:solidFill>
+                <a:schemeClr val="accent6"/>
+              </a:solidFill>
+              <a:latin typeface="Futura Book" pitchFamily="82" charset="0"/>
+            </a:endParaRPr>
+          </a:p>
+        </p:txBody>
+      </p:sp>
+      <p:sp>
+        <p:nvSpPr>
+          <p:cNvPr id="12" name="ZoneTexte 11"/>
+          <p:cNvSpPr txBox="1"/>
+          <p:nvPr/>
+        </p:nvSpPr>
+        <p:spPr>
+          <a:xfrm>
+            <a:off x="5587516" y="4095594"/>
+            <a:ext cx="1961592" cy="369332"/>
+          </a:xfrm>
+          <a:prstGeom prst="rect">
+            <a:avLst/>
+          </a:prstGeom>
+          <a:noFill/>
+        </p:spPr>
+        <p:txBody>
+          <a:bodyPr wrap="square" rtlCol="0">
+            <a:spAutoFit/>
+          </a:bodyPr>
+          <a:lstStyle/>
+          <a:p>
+            <a:pPr marL="285750" indent="-285750" algn="ctr">
+              <a:buFont typeface="Arial" panose="020B0604020202020204" pitchFamily="34" charset="0"/>
+              <a:buChar char="•"/>
+            </a:pPr>
+            <a:r>
+              <a:rPr lang="fr-FR" dirty="0" smtClean="0"/>
+              <a:t>PHP</a:t>
+            </a:r>
+            <a:endParaRPr lang="fr-FR" dirty="0"/>
+          </a:p>
+        </p:txBody>
+      </p:sp>
+      <p:sp>
+        <p:nvSpPr>
+          <p:cNvPr id="13" name="ZoneTexte 12"/>
+          <p:cNvSpPr txBox="1"/>
+          <p:nvPr/>
+        </p:nvSpPr>
+        <p:spPr>
+          <a:xfrm>
+            <a:off x="5675120" y="4376061"/>
+            <a:ext cx="1961592" cy="369332"/>
+          </a:xfrm>
+          <a:prstGeom prst="rect">
+            <a:avLst/>
+          </a:prstGeom>
+          <a:noFill/>
+        </p:spPr>
+        <p:txBody>
+          <a:bodyPr wrap="square" rtlCol="0">
+            <a:spAutoFit/>
+          </a:bodyPr>
+          <a:lstStyle/>
+          <a:p>
+            <a:pPr marL="285750" indent="-285750" algn="ctr">
+              <a:buFont typeface="Arial" panose="020B0604020202020204" pitchFamily="34" charset="0"/>
+              <a:buChar char="•"/>
+            </a:pPr>
+            <a:r>
+              <a:rPr lang="fr-FR" dirty="0" smtClean="0"/>
+              <a:t>HTML</a:t>
+            </a:r>
+            <a:endParaRPr lang="fr-FR" dirty="0"/>
+          </a:p>
+        </p:txBody>
+      </p:sp>
+      <p:sp>
+        <p:nvSpPr>
+          <p:cNvPr id="14" name="ZoneTexte 13"/>
+          <p:cNvSpPr txBox="1"/>
+          <p:nvPr/>
+        </p:nvSpPr>
+        <p:spPr>
+          <a:xfrm>
+            <a:off x="5569228" y="4666777"/>
+            <a:ext cx="1961592" cy="369332"/>
+          </a:xfrm>
+          <a:prstGeom prst="rect">
+            <a:avLst/>
+          </a:prstGeom>
+          <a:noFill/>
+        </p:spPr>
+        <p:txBody>
+          <a:bodyPr wrap="square" rtlCol="0">
+            <a:spAutoFit/>
+          </a:bodyPr>
+          <a:lstStyle/>
+          <a:p>
+            <a:pPr marL="285750" indent="-285750" algn="ctr">
+              <a:buFont typeface="Arial" panose="020B0604020202020204" pitchFamily="34" charset="0"/>
+              <a:buChar char="•"/>
+            </a:pPr>
+            <a:r>
+              <a:rPr lang="fr-FR" dirty="0" smtClean="0"/>
+              <a:t>CSS</a:t>
+            </a:r>
+            <a:endParaRPr lang="fr-FR" dirty="0"/>
+          </a:p>
+        </p:txBody>
+      </p:sp>
+      <p:sp>
+        <p:nvSpPr>
+          <p:cNvPr id="15" name="ZoneTexte 14"/>
+          <p:cNvSpPr txBox="1"/>
+          <p:nvPr/>
+        </p:nvSpPr>
+        <p:spPr>
+          <a:xfrm>
+            <a:off x="5720840" y="4929972"/>
+            <a:ext cx="1961592" cy="369332"/>
+          </a:xfrm>
+          <a:prstGeom prst="rect">
+            <a:avLst/>
+          </a:prstGeom>
+          <a:noFill/>
+        </p:spPr>
+        <p:txBody>
+          <a:bodyPr wrap="square" rtlCol="0">
+            <a:spAutoFit/>
+          </a:bodyPr>
+          <a:lstStyle/>
+          <a:p>
+            <a:pPr marL="285750" indent="-285750" algn="ctr">
+              <a:buFont typeface="Arial" panose="020B0604020202020204" pitchFamily="34" charset="0"/>
+              <a:buChar char="•"/>
+            </a:pPr>
+            <a:r>
+              <a:rPr lang="fr-FR" dirty="0" err="1" smtClean="0"/>
+              <a:t>Github</a:t>
+            </a:r>
+            <a:endParaRPr lang="fr-FR" dirty="0"/>
+          </a:p>
+        </p:txBody>
+      </p:sp>
+      <p:pic>
+        <p:nvPicPr>
+          <p:cNvPr id="16" name="Content Placeholder 7" descr="Stopwatch">
+            <a:extLst>
+              <a:ext uri="{FF2B5EF4-FFF2-40B4-BE49-F238E27FC236}">
+                <a16:creationId xmlns:a16="http://schemas.microsoft.com/office/drawing/2014/main" xmlns="" xmlns:lc="http://schemas.openxmlformats.org/drawingml/2006/lockedCanvas" id="{8BE448A2-D2CF-4742-A9FD-4B1D9E20A5DA}"/>
+              </a:ext>
+            </a:extLst>
+          </p:cNvPr>
+          <p:cNvPicPr>
+            <a:picLocks noChangeAspect="1"/>
+          </p:cNvPicPr>
+          <p:nvPr/>
+        </p:nvPicPr>
+        <p:blipFill>
+          <a:blip r:embed="rId23" cstate="print">
+            <a:extLst>
+              <a:ext uri="{BEBA8EAE-BF5A-486C-A8C5-ECC9F3942E4B}">
+                <a14:imgProps xmlns:a14="http://schemas.microsoft.com/office/drawing/2010/main">
+                  <a14:imgLayer r:embed="rId24">
+                    <a14:imgEffect>
+                      <a14:artisticGlowEdges/>
+                    </a14:imgEffect>
+                  </a14:imgLayer>
+                </a14:imgProps>
+              </a:ext>
+              <a:ext uri="{28A0092B-C50C-407E-A947-70E740481C1C}">
+                <a14:useLocalDpi xmlns:a14="http://schemas.microsoft.com/office/drawing/2010/main" val="0"/>
+              </a:ext>
+              <a:ext uri="{96DAC541-7B7A-43D3-8B79-37D633B846F1}">
+                <asvg:svgBlip xmlns:asvg="http://schemas.microsoft.com/office/drawing/2016/SVG/main" xmlns="" xmlns:lc="http://schemas.openxmlformats.org/drawingml/2006/lockedCanvas" r:embed="rId9"/>
+              </a:ext>
+            </a:extLst>
+          </a:blip>
+          <a:stretch>
+            <a:fillRect/>
+          </a:stretch>
+        </p:blipFill>
+        <p:spPr>
+          <a:xfrm>
+            <a:off x="2360184" y="2134592"/>
+            <a:ext cx="1476047" cy="1476047"/>
+          </a:xfrm>
+          <a:prstGeom prst="rect">
+            <a:avLst/>
+          </a:prstGeom>
+        </p:spPr>
+      </p:pic>
+      <p:sp>
+        <p:nvSpPr>
+          <p:cNvPr id="17" name="ZoneTexte 16"/>
+          <p:cNvSpPr txBox="1"/>
+          <p:nvPr/>
+        </p:nvSpPr>
+        <p:spPr>
+          <a:xfrm>
+            <a:off x="2117411" y="3561911"/>
+            <a:ext cx="1961592" cy="369332"/>
+          </a:xfrm>
+          <a:prstGeom prst="rect">
+            <a:avLst/>
+          </a:prstGeom>
+          <a:noFill/>
+        </p:spPr>
+        <p:txBody>
+          <a:bodyPr wrap="square" rtlCol="0">
+            <a:spAutoFit/>
+          </a:bodyPr>
+          <a:lstStyle/>
+          <a:p>
+            <a:pPr algn="ctr"/>
+            <a:r>
+              <a:rPr lang="fr-FR" dirty="0" smtClean="0"/>
+              <a:t>44h</a:t>
+            </a:r>
+            <a:endParaRPr lang="fr-FR" dirty="0"/>
+          </a:p>
+        </p:txBody>
+      </p:sp>
+      <p:pic>
+        <p:nvPicPr>
+          <p:cNvPr id="18" name="Picture 21">
+            <a:extLst>
+              <a:ext uri="{FF2B5EF4-FFF2-40B4-BE49-F238E27FC236}">
+                <a16:creationId xmlns:a16="http://schemas.microsoft.com/office/drawing/2014/main" xmlns="" xmlns:lc="http://schemas.openxmlformats.org/drawingml/2006/lockedCanvas" id="{9BB891D5-F9F9-45D3-9430-355061BF2579}"/>
+              </a:ext>
+            </a:extLst>
+          </p:cNvPr>
+          <p:cNvPicPr>
+            <a:picLocks noChangeAspect="1"/>
+          </p:cNvPicPr>
+          <p:nvPr/>
+        </p:nvPicPr>
+        <p:blipFill>
+          <a:blip r:embed="rId25">
+            <a:extLst>
+              <a:ext uri="{28A0092B-C50C-407E-A947-70E740481C1C}">
+                <a14:useLocalDpi xmlns:a14="http://schemas.microsoft.com/office/drawing/2010/main" val="0"/>
+              </a:ext>
+            </a:extLst>
+          </a:blip>
+          <a:stretch>
+            <a:fillRect/>
+          </a:stretch>
+        </p:blipFill>
+        <p:spPr>
+          <a:xfrm>
+            <a:off x="9447834" y="3400971"/>
+            <a:ext cx="1538757" cy="1758578"/>
+          </a:xfrm>
+          <a:prstGeom prst="rect">
+            <a:avLst/>
+          </a:prstGeom>
+        </p:spPr>
+      </p:pic>
+      <p:sp>
+        <p:nvSpPr>
+          <p:cNvPr id="19" name="ZoneTexte 18"/>
+          <p:cNvSpPr txBox="1"/>
+          <p:nvPr/>
+        </p:nvSpPr>
+        <p:spPr>
+          <a:xfrm>
+            <a:off x="9236416" y="5200655"/>
+            <a:ext cx="1961592" cy="646331"/>
+          </a:xfrm>
+          <a:prstGeom prst="rect">
+            <a:avLst/>
+          </a:prstGeom>
+          <a:noFill/>
+        </p:spPr>
+        <p:txBody>
+          <a:bodyPr wrap="square" rtlCol="0">
+            <a:spAutoFit/>
+          </a:bodyPr>
+          <a:lstStyle/>
+          <a:p>
+            <a:pPr algn="ctr"/>
+            <a:r>
+              <a:rPr lang="fr-FR" dirty="0" smtClean="0"/>
+              <a:t>Avez-vous des questions ? </a:t>
+            </a:r>
+            <a:endParaRPr lang="fr-FR" dirty="0"/>
+          </a:p>
+        </p:txBody>
+      </p:sp>
+      <p:sp>
+        <p:nvSpPr>
+          <p:cNvPr id="20" name="ZoneTexte 19"/>
+          <p:cNvSpPr txBox="1"/>
+          <p:nvPr/>
+        </p:nvSpPr>
+        <p:spPr>
+          <a:xfrm>
+            <a:off x="9103092" y="2643058"/>
+            <a:ext cx="1961592" cy="646331"/>
+          </a:xfrm>
+          <a:prstGeom prst="rect">
+            <a:avLst/>
+          </a:prstGeom>
+          <a:noFill/>
+        </p:spPr>
+        <p:txBody>
+          <a:bodyPr wrap="square" rtlCol="0">
+            <a:spAutoFit/>
+          </a:bodyPr>
+          <a:lstStyle/>
+          <a:p>
+            <a:pPr algn="ctr"/>
+            <a:r>
+              <a:rPr lang="fr-FR" dirty="0" smtClean="0"/>
+              <a:t>Merci de votre écoute</a:t>
+            </a:r>
+            <a:endParaRPr lang="fr-FR" dirty="0"/>
+          </a:p>
+        </p:txBody>
+      </p:sp>
+    </p:spTree>
+    <p:extLst>
+      <p:ext uri="{BB962C8B-B14F-4D97-AF65-F5344CB8AC3E}">
+        <p14:creationId xmlns:p14="http://schemas.microsoft.com/office/powerpoint/2010/main" val="2852850075"/>
+      </p:ext>
+    </p:extLst>
+  </p:cSld>
+  <p:clrMapOvr>
+    <a:masterClrMapping/>
+  </p:clrMapOvr>
+  <p:timing>
+    <p:tnLst>
+      <p:par>
+        <p:cTn id="1" dur="indefinite" restart="never" nodeType="tmRoot">
+          <p:childTnLst>
+            <p:seq concurrent="1" nextAc="seek">
+              <p:cTn id="2" dur="indefinite" nodeType="mainSeq">
+                <p:childTnLst>
+                  <p:par>
+                    <p:cTn id="3" fill="hold">
+                      <p:stCondLst>
+                        <p:cond delay="indefinite"/>
+                      </p:stCondLst>
+                      <p:childTnLst>
+                        <p:par>
+                          <p:cTn id="4" fill="hold">
+                            <p:stCondLst>
+                              <p:cond delay="0"/>
+                            </p:stCondLst>
+                            <p:childTnLst>
+                              <p:par>
+                                <p:cTn id="5" presetID="1" presetClass="entr" presetSubtype="0" fill="hold" nodeType="clickEffect">
+                                  <p:stCondLst>
+                                    <p:cond delay="0"/>
+                                  </p:stCondLst>
+                                  <p:childTnLst>
+                                    <p:set>
+                                      <p:cBhvr>
+                                        <p:cTn id="6" dur="1" fill="hold">
+                                          <p:stCondLst>
+                                            <p:cond delay="0"/>
+                                          </p:stCondLst>
+                                        </p:cTn>
+                                        <p:tgtEl>
+                                          <p:spTgt spid="16"/>
+                                        </p:tgtEl>
+                                        <p:attrNameLst>
+                                          <p:attrName>style.visibility</p:attrName>
+                                        </p:attrNameLst>
+                                      </p:cBhvr>
+                                      <p:to>
+                                        <p:strVal val="visible"/>
+                                      </p:to>
+                                    </p:set>
+                                  </p:childTnLst>
+                                </p:cTn>
+                              </p:par>
+                            </p:childTnLst>
+                          </p:cTn>
+                        </p:par>
+                        <p:par>
+                          <p:cTn id="7" fill="hold">
+                            <p:stCondLst>
+                              <p:cond delay="0"/>
+                            </p:stCondLst>
+                            <p:childTnLst>
+                              <p:par>
+                                <p:cTn id="8" presetID="1" presetClass="entr" presetSubtype="0" fill="hold" grpId="0" nodeType="afterEffect">
+                                  <p:stCondLst>
+                                    <p:cond delay="0"/>
+                                  </p:stCondLst>
+                                  <p:childTnLst>
+                                    <p:set>
+                                      <p:cBhvr>
+                                        <p:cTn id="9" dur="1" fill="hold">
+                                          <p:stCondLst>
+                                            <p:cond delay="0"/>
+                                          </p:stCondLst>
+                                        </p:cTn>
+                                        <p:tgtEl>
+                                          <p:spTgt spid="17"/>
+                                        </p:tgtEl>
+                                        <p:attrNameLst>
+                                          <p:attrName>style.visibility</p:attrName>
+                                        </p:attrNameLst>
+                                      </p:cBhvr>
+                                      <p:to>
+                                        <p:strVal val="visible"/>
+                                      </p:to>
+                                    </p:set>
+                                  </p:childTnLst>
+                                </p:cTn>
+                              </p:par>
+                            </p:childTnLst>
+                          </p:cTn>
+                        </p:par>
+                      </p:childTnLst>
+                    </p:cTn>
+                  </p:par>
+                  <p:par>
+                    <p:cTn id="10" fill="hold">
+                      <p:stCondLst>
+                        <p:cond delay="indefinite"/>
+                      </p:stCondLst>
+                      <p:childTnLst>
+                        <p:par>
+                          <p:cTn id="11" fill="hold">
+                            <p:stCondLst>
+                              <p:cond delay="0"/>
+                            </p:stCondLst>
+                            <p:childTnLst>
+                              <p:par>
+                                <p:cTn id="12" presetID="1" presetClass="entr" presetSubtype="0" fill="hold" grpId="0" nodeType="clickEffect">
+                                  <p:stCondLst>
+                                    <p:cond delay="0"/>
+                                  </p:stCondLst>
+                                  <p:childTnLst>
+                                    <p:set>
+                                      <p:cBhvr>
+                                        <p:cTn id="13" dur="1" fill="hold">
+                                          <p:stCondLst>
+                                            <p:cond delay="0"/>
+                                          </p:stCondLst>
+                                        </p:cTn>
+                                        <p:tgtEl>
+                                          <p:spTgt spid="8"/>
+                                        </p:tgtEl>
+                                        <p:attrNameLst>
+                                          <p:attrName>style.visibility</p:attrName>
+                                        </p:attrNameLst>
+                                      </p:cBhvr>
+                                      <p:to>
+                                        <p:strVal val="visible"/>
+                                      </p:to>
+                                    </p:set>
+                                  </p:childTnLst>
+                                </p:cTn>
+                              </p:par>
+                            </p:childTnLst>
+                          </p:cTn>
+                        </p:par>
+                        <p:par>
+                          <p:cTn id="14" fill="hold">
+                            <p:stCondLst>
+                              <p:cond delay="0"/>
+                            </p:stCondLst>
+                            <p:childTnLst>
+                              <p:par>
+                                <p:cTn id="15" presetID="1" presetClass="entr" presetSubtype="0" fill="hold" nodeType="afterEffect">
+                                  <p:stCondLst>
+                                    <p:cond delay="0"/>
+                                  </p:stCondLst>
+                                  <p:childTnLst>
+                                    <p:set>
+                                      <p:cBhvr>
+                                        <p:cTn id="16" dur="1" fill="hold">
+                                          <p:stCondLst>
+                                            <p:cond delay="0"/>
+                                          </p:stCondLst>
+                                        </p:cTn>
+                                        <p:tgtEl>
+                                          <p:spTgt spid="7"/>
+                                        </p:tgtEl>
+                                        <p:attrNameLst>
+                                          <p:attrName>style.visibility</p:attrName>
+                                        </p:attrNameLst>
+                                      </p:cBhvr>
+                                      <p:to>
+                                        <p:strVal val="visible"/>
+                                      </p:to>
+                                    </p:set>
+                                  </p:childTnLst>
+                                </p:cTn>
+                              </p:par>
+                            </p:childTnLst>
+                          </p:cTn>
+                        </p:par>
+                      </p:childTnLst>
+                    </p:cTn>
+                  </p:par>
+                  <p:par>
+                    <p:cTn id="17" fill="hold">
+                      <p:stCondLst>
+                        <p:cond delay="indefinite"/>
+                      </p:stCondLst>
+                      <p:childTnLst>
+                        <p:par>
+                          <p:cTn id="18" fill="hold">
+                            <p:stCondLst>
+                              <p:cond delay="0"/>
+                            </p:stCondLst>
+                            <p:childTnLst>
+                              <p:par>
+                                <p:cTn id="19" presetID="1" presetClass="entr" presetSubtype="0" fill="hold" grpId="0" nodeType="clickEffect">
+                                  <p:stCondLst>
+                                    <p:cond delay="0"/>
+                                  </p:stCondLst>
+                                  <p:childTnLst>
+                                    <p:set>
+                                      <p:cBhvr>
+                                        <p:cTn id="20" dur="1" fill="hold">
+                                          <p:stCondLst>
+                                            <p:cond delay="0"/>
+                                          </p:stCondLst>
+                                        </p:cTn>
+                                        <p:tgtEl>
+                                          <p:spTgt spid="12"/>
+                                        </p:tgtEl>
+                                        <p:attrNameLst>
+                                          <p:attrName>style.visibility</p:attrName>
+                                        </p:attrNameLst>
+                                      </p:cBhvr>
+                                      <p:to>
+                                        <p:strVal val="visible"/>
+                                      </p:to>
+                                    </p:set>
+                                  </p:childTnLst>
+                                </p:cTn>
+                              </p:par>
+                            </p:childTnLst>
+                          </p:cTn>
+                        </p:par>
+                      </p:childTnLst>
+                    </p:cTn>
+                  </p:par>
+                  <p:par>
+                    <p:cTn id="21" fill="hold">
+                      <p:stCondLst>
+                        <p:cond delay="indefinite"/>
+                      </p:stCondLst>
+                      <p:childTnLst>
+                        <p:par>
+                          <p:cTn id="22" fill="hold">
+                            <p:stCondLst>
+                              <p:cond delay="0"/>
+                            </p:stCondLst>
+                            <p:childTnLst>
+                              <p:par>
+                                <p:cTn id="23" presetID="1" presetClass="entr" presetSubtype="0" fill="hold" grpId="0" nodeType="clickEffect">
+                                  <p:stCondLst>
+                                    <p:cond delay="0"/>
+                                  </p:stCondLst>
+                                  <p:childTnLst>
+                                    <p:set>
+                                      <p:cBhvr>
+                                        <p:cTn id="24" dur="1" fill="hold">
+                                          <p:stCondLst>
+                                            <p:cond delay="0"/>
+                                          </p:stCondLst>
+                                        </p:cTn>
+                                        <p:tgtEl>
+                                          <p:spTgt spid="13"/>
+                                        </p:tgtEl>
+                                        <p:attrNameLst>
+                                          <p:attrName>style.visibility</p:attrName>
+                                        </p:attrNameLst>
+                                      </p:cBhvr>
+                                      <p:to>
+                                        <p:strVal val="visible"/>
+                                      </p:to>
+                                    </p:set>
+                                  </p:childTnLst>
+                                </p:cTn>
+                              </p:par>
+                            </p:childTnLst>
+                          </p:cTn>
+                        </p:par>
+                      </p:childTnLst>
+                    </p:cTn>
+                  </p:par>
+                  <p:par>
+                    <p:cTn id="25" fill="hold">
+                      <p:stCondLst>
+                        <p:cond delay="indefinite"/>
+                      </p:stCondLst>
+                      <p:childTnLst>
+                        <p:par>
+                          <p:cTn id="26" fill="hold">
+                            <p:stCondLst>
+                              <p:cond delay="0"/>
+                            </p:stCondLst>
+                            <p:childTnLst>
+                              <p:par>
+                                <p:cTn id="27" presetID="1" presetClass="entr" presetSubtype="0" fill="hold" grpId="0" nodeType="clickEffect">
+                                  <p:stCondLst>
+                                    <p:cond delay="0"/>
+                                  </p:stCondLst>
+                                  <p:childTnLst>
+                                    <p:set>
+                                      <p:cBhvr>
+                                        <p:cTn id="28" dur="1" fill="hold">
+                                          <p:stCondLst>
+                                            <p:cond delay="0"/>
+                                          </p:stCondLst>
+                                        </p:cTn>
+                                        <p:tgtEl>
+                                          <p:spTgt spid="14"/>
+                                        </p:tgtEl>
+                                        <p:attrNameLst>
+                                          <p:attrName>style.visibility</p:attrName>
+                                        </p:attrNameLst>
+                                      </p:cBhvr>
+                                      <p:to>
+                                        <p:strVal val="visible"/>
+                                      </p:to>
+                                    </p:set>
+                                  </p:childTnLst>
+                                </p:cTn>
+                              </p:par>
+                            </p:childTnLst>
+                          </p:cTn>
+                        </p:par>
+                      </p:childTnLst>
+                    </p:cTn>
+                  </p:par>
+                  <p:par>
+                    <p:cTn id="29" fill="hold">
+                      <p:stCondLst>
+                        <p:cond delay="indefinite"/>
+                      </p:stCondLst>
+                      <p:childTnLst>
+                        <p:par>
+                          <p:cTn id="30" fill="hold">
+                            <p:stCondLst>
+                              <p:cond delay="0"/>
+                            </p:stCondLst>
+                            <p:childTnLst>
+                              <p:par>
+                                <p:cTn id="31" presetID="1" presetClass="entr" presetSubtype="0" fill="hold" grpId="0" nodeType="clickEffect">
+                                  <p:stCondLst>
+                                    <p:cond delay="0"/>
+                                  </p:stCondLst>
+                                  <p:childTnLst>
+                                    <p:set>
+                                      <p:cBhvr>
+                                        <p:cTn id="32" dur="1" fill="hold">
+                                          <p:stCondLst>
+                                            <p:cond delay="0"/>
+                                          </p:stCondLst>
+                                        </p:cTn>
+                                        <p:tgtEl>
+                                          <p:spTgt spid="15"/>
+                                        </p:tgtEl>
+                                        <p:attrNameLst>
+                                          <p:attrName>style.visibility</p:attrName>
+                                        </p:attrNameLst>
+                                      </p:cBhvr>
+                                      <p:to>
+                                        <p:strVal val="visible"/>
+                                      </p:to>
+                                    </p:set>
+                                  </p:childTnLst>
+                                </p:cTn>
+                              </p:par>
+                            </p:childTnLst>
+                          </p:cTn>
+                        </p:par>
+                      </p:childTnLst>
+                    </p:cTn>
+                  </p:par>
+                  <p:par>
+                    <p:cTn id="33" fill="hold">
+                      <p:stCondLst>
+                        <p:cond delay="indefinite"/>
+                      </p:stCondLst>
+                      <p:childTnLst>
+                        <p:par>
+                          <p:cTn id="34" fill="hold">
+                            <p:stCondLst>
+                              <p:cond delay="0"/>
+                            </p:stCondLst>
+                            <p:childTnLst>
+                              <p:par>
+                                <p:cTn id="35" presetID="1" presetClass="entr" presetSubtype="0" fill="hold" grpId="0" nodeType="clickEffect">
+                                  <p:stCondLst>
+                                    <p:cond delay="0"/>
+                                  </p:stCondLst>
+                                  <p:childTnLst>
+                                    <p:set>
+                                      <p:cBhvr>
+                                        <p:cTn id="36" dur="1" fill="hold">
+                                          <p:stCondLst>
+                                            <p:cond delay="0"/>
+                                          </p:stCondLst>
+                                        </p:cTn>
+                                        <p:tgtEl>
+                                          <p:spTgt spid="10"/>
+                                        </p:tgtEl>
+                                        <p:attrNameLst>
+                                          <p:attrName>style.visibility</p:attrName>
+                                        </p:attrNameLst>
+                                      </p:cBhvr>
+                                      <p:to>
+                                        <p:strVal val="visible"/>
+                                      </p:to>
+                                    </p:set>
+                                  </p:childTnLst>
+                                </p:cTn>
+                              </p:par>
+                            </p:childTnLst>
+                          </p:cTn>
+                        </p:par>
+                      </p:childTnLst>
+                    </p:cTn>
+                  </p:par>
+                  <p:par>
+                    <p:cTn id="37" fill="hold">
+                      <p:stCondLst>
+                        <p:cond delay="indefinite"/>
+                      </p:stCondLst>
+                      <p:childTnLst>
+                        <p:par>
+                          <p:cTn id="38" fill="hold">
+                            <p:stCondLst>
+                              <p:cond delay="0"/>
+                            </p:stCondLst>
+                            <p:childTnLst>
+                              <p:par>
+                                <p:cTn id="39" presetID="1" presetClass="entr" presetSubtype="0" fill="hold" grpId="0" nodeType="clickEffect">
+                                  <p:stCondLst>
+                                    <p:cond delay="0"/>
+                                  </p:stCondLst>
+                                  <p:childTnLst>
+                                    <p:set>
+                                      <p:cBhvr>
+                                        <p:cTn id="40" dur="1" fill="hold">
+                                          <p:stCondLst>
+                                            <p:cond delay="0"/>
+                                          </p:stCondLst>
+                                        </p:cTn>
+                                        <p:tgtEl>
+                                          <p:spTgt spid="20"/>
+                                        </p:tgtEl>
+                                        <p:attrNameLst>
+                                          <p:attrName>style.visibility</p:attrName>
+                                        </p:attrNameLst>
+                                      </p:cBhvr>
+                                      <p:to>
+                                        <p:strVal val="visible"/>
+                                      </p:to>
+                                    </p:set>
+                                  </p:childTnLst>
+                                </p:cTn>
+                              </p:par>
+                            </p:childTnLst>
+                          </p:cTn>
+                        </p:par>
+                      </p:childTnLst>
+                    </p:cTn>
+                  </p:par>
+                  <p:par>
+                    <p:cTn id="41" fill="hold">
+                      <p:stCondLst>
+                        <p:cond delay="indefinite"/>
+                      </p:stCondLst>
+                      <p:childTnLst>
+                        <p:par>
+                          <p:cTn id="42" fill="hold">
+                            <p:stCondLst>
+                              <p:cond delay="0"/>
+                            </p:stCondLst>
+                            <p:childTnLst>
+                              <p:par>
+                                <p:cTn id="43" presetID="1" presetClass="entr" presetSubtype="0" fill="hold" grpId="0" nodeType="clickEffect">
+                                  <p:stCondLst>
+                                    <p:cond delay="0"/>
+                                  </p:stCondLst>
+                                  <p:childTnLst>
+                                    <p:set>
+                                      <p:cBhvr>
+                                        <p:cTn id="44" dur="1" fill="hold">
+                                          <p:stCondLst>
+                                            <p:cond delay="0"/>
+                                          </p:stCondLst>
+                                        </p:cTn>
+                                        <p:tgtEl>
+                                          <p:spTgt spid="19"/>
+                                        </p:tgtEl>
+                                        <p:attrNameLst>
+                                          <p:attrName>style.visibility</p:attrName>
+                                        </p:attrNameLst>
+                                      </p:cBhvr>
+                                      <p:to>
+                                        <p:strVal val="visible"/>
+                                      </p:to>
+                                    </p:set>
+                                  </p:childTnLst>
+                                </p:cTn>
+                              </p:par>
+                            </p:childTnLst>
+                          </p:cTn>
+                        </p:par>
+                        <p:par>
+                          <p:cTn id="45" fill="hold">
+                            <p:stCondLst>
+                              <p:cond delay="0"/>
+                            </p:stCondLst>
+                            <p:childTnLst>
+                              <p:par>
+                                <p:cTn id="46" presetID="1" presetClass="entr" presetSubtype="0" fill="hold" nodeType="afterEffect">
+                                  <p:stCondLst>
+                                    <p:cond delay="0"/>
+                                  </p:stCondLst>
+                                  <p:childTnLst>
+                                    <p:set>
+                                      <p:cBhvr>
+                                        <p:cTn id="47" dur="1" fill="hold">
+                                          <p:stCondLst>
+                                            <p:cond delay="0"/>
+                                          </p:stCondLst>
+                                        </p:cTn>
+                                        <p:tgtEl>
+                                          <p:spTgt spid="18"/>
+                                        </p:tgtEl>
+                                        <p:attrNameLst>
+                                          <p:attrName>style.visibility</p:attrName>
+                                        </p:attrNameLst>
+                                      </p:cBhvr>
+                                      <p:to>
+                                        <p:strVal val="visible"/>
+                                      </p:to>
+                                    </p:set>
+                                  </p:childTnLst>
+                                </p:cTn>
+                              </p:par>
+                            </p:childTnLst>
+                          </p:cTn>
+                        </p:par>
+                      </p:childTnLst>
+                    </p:cTn>
+                  </p:par>
+                </p:childTnLst>
+              </p:cTn>
+              <p:prevCondLst>
+                <p:cond evt="onPrev" delay="0">
+                  <p:tgtEl>
+                    <p:sldTgt/>
+                  </p:tgtEl>
+                </p:cond>
+              </p:prevCondLst>
+              <p:nextCondLst>
+                <p:cond evt="onNext" delay="0">
+                  <p:tgtEl>
+                    <p:sldTgt/>
+                  </p:tgtEl>
+                </p:cond>
+              </p:nextCondLst>
+            </p:seq>
+          </p:childTnLst>
+        </p:cTn>
+      </p:par>
+    </p:tnLst>
+    <p:bldLst>
+      <p:bldP spid="8" grpId="0"/>
+      <p:bldP spid="10" grpId="0"/>
+      <p:bldP spid="12" grpId="0"/>
+      <p:bldP spid="13" grpId="0"/>
+      <p:bldP spid="14" grpId="0"/>
+      <p:bldP spid="15" grpId="0"/>
+      <p:bldP spid="17" grpId="0"/>
+      <p:bldP spid="19" grpId="0"/>
+      <p:bldP spid="20" grpId="0"/>
+    </p:bldLst>
   </p:timing>
 </p:sld>
 </file>

--- a/Présentation.pptx
+++ b/Présentation.pptx
@@ -517,6 +517,307 @@
           <a:lstStyle/>
           <a:p>
             <a:r>
+              <a:rPr lang="fr-FR" dirty="0" smtClean="0"/>
+              <a:t>Répartition des rôles</a:t>
+            </a:r>
+            <a:r>
+              <a:rPr lang="fr-FR" baseline="0" dirty="0" smtClean="0"/>
+              <a:t> :</a:t>
+            </a:r>
+            <a:br>
+              <a:rPr lang="fr-FR" baseline="0" dirty="0" smtClean="0"/>
+            </a:br>
+            <a:r>
+              <a:rPr lang="fr-FR" baseline="0" dirty="0" err="1" smtClean="0"/>
+              <a:t>Fel</a:t>
+            </a:r>
+            <a:r>
+              <a:rPr lang="fr-FR" baseline="0" dirty="0" smtClean="0"/>
+              <a:t> : D1, D2</a:t>
+            </a:r>
+          </a:p>
+          <a:p>
+            <a:r>
+              <a:rPr lang="fr-FR" baseline="0" dirty="0" err="1" smtClean="0"/>
+              <a:t>Pap</a:t>
+            </a:r>
+            <a:r>
+              <a:rPr lang="fr-FR" baseline="0" dirty="0" smtClean="0"/>
+              <a:t> : D3,D4</a:t>
+            </a:r>
+            <a:br>
+              <a:rPr lang="fr-FR" baseline="0" dirty="0" smtClean="0"/>
+            </a:br>
+            <a:r>
+              <a:rPr lang="fr-FR" baseline="0" dirty="0" smtClean="0"/>
+              <a:t>Thomas: D5, D6</a:t>
+            </a:r>
+          </a:p>
+          <a:p>
+            <a:r>
+              <a:rPr lang="fr-FR" baseline="0" dirty="0" err="1" smtClean="0"/>
+              <a:t>Presentation</a:t>
+            </a:r>
+            <a:r>
+              <a:rPr lang="fr-FR" baseline="0" dirty="0" smtClean="0"/>
+              <a:t> Site:</a:t>
+            </a:r>
+            <a:br>
+              <a:rPr lang="fr-FR" baseline="0" dirty="0" smtClean="0"/>
+            </a:br>
+            <a:r>
+              <a:rPr lang="fr-FR" baseline="0" dirty="0" err="1" smtClean="0"/>
+              <a:t>Fel</a:t>
+            </a:r>
+            <a:r>
+              <a:rPr lang="fr-FR" baseline="0" dirty="0" smtClean="0"/>
+              <a:t> : partie non </a:t>
+            </a:r>
+            <a:r>
+              <a:rPr lang="fr-FR" baseline="0" dirty="0" err="1" smtClean="0"/>
+              <a:t>auth</a:t>
+            </a:r>
+            <a:endParaRPr lang="fr-FR" baseline="0" dirty="0" smtClean="0"/>
+          </a:p>
+          <a:p>
+            <a:r>
+              <a:rPr lang="fr-FR" baseline="0" dirty="0" err="1" smtClean="0"/>
+              <a:t>Pap</a:t>
+            </a:r>
+            <a:r>
+              <a:rPr lang="fr-FR" baseline="0" dirty="0" smtClean="0"/>
+              <a:t>: connexion Inscription</a:t>
+            </a:r>
+          </a:p>
+          <a:p>
+            <a:r>
+              <a:rPr lang="fr-FR" baseline="0" dirty="0" smtClean="0"/>
+              <a:t>Thomas: Partie </a:t>
+            </a:r>
+            <a:r>
+              <a:rPr lang="fr-FR" baseline="0" dirty="0" err="1" smtClean="0"/>
+              <a:t>auth</a:t>
+            </a:r>
+            <a:endParaRPr lang="fr-FR" baseline="0" dirty="0" smtClean="0"/>
+          </a:p>
+          <a:p>
+            <a:endParaRPr lang="fr-FR" baseline="0" dirty="0" smtClean="0"/>
+          </a:p>
+          <a:p>
+            <a:r>
+              <a:rPr lang="fr-FR" baseline="0" dirty="0" smtClean="0"/>
+              <a:t>Si Code : </a:t>
+            </a:r>
+            <a:br>
+              <a:rPr lang="fr-FR" baseline="0" dirty="0" smtClean="0"/>
+            </a:br>
+            <a:r>
+              <a:rPr lang="fr-FR" baseline="0" dirty="0" smtClean="0"/>
+              <a:t>Formulaire : </a:t>
+            </a:r>
+            <a:r>
+              <a:rPr lang="fr-FR" baseline="0" dirty="0" err="1" smtClean="0"/>
+              <a:t>Fel</a:t>
+            </a:r>
+            <a:r>
+              <a:rPr lang="fr-FR" baseline="0" dirty="0" smtClean="0"/>
+              <a:t/>
+            </a:r>
+            <a:br>
+              <a:rPr lang="fr-FR" baseline="0" dirty="0" smtClean="0"/>
+            </a:br>
+            <a:r>
+              <a:rPr lang="fr-FR" baseline="0" smtClean="0"/>
+              <a:t>Code PHP lié: PAPE</a:t>
+            </a:r>
+            <a:endParaRPr lang="fr-FR" baseline="0" dirty="0" smtClean="0"/>
+          </a:p>
+          <a:p>
+            <a:endParaRPr lang="fr-FR" baseline="0" dirty="0" smtClean="0"/>
+          </a:p>
+          <a:p>
+            <a:endParaRPr lang="fr-FR" baseline="0" dirty="0" smtClean="0"/>
+          </a:p>
+          <a:p>
+            <a:r>
+              <a:rPr lang="fr-FR" baseline="0" dirty="0" err="1" smtClean="0"/>
+              <a:t>Pap</a:t>
+            </a:r>
+            <a:r>
+              <a:rPr lang="fr-FR" baseline="0" dirty="0" smtClean="0"/>
+              <a:t>: Conclusion </a:t>
+            </a:r>
+          </a:p>
+          <a:p>
+            <a:endParaRPr lang="fr-FR" baseline="0" dirty="0" smtClean="0"/>
+          </a:p>
+        </p:txBody>
+      </p:sp>
+      <p:sp>
+        <p:nvSpPr>
+          <p:cNvPr id="4" name="Espace réservé du numéro de diapositive 3"/>
+          <p:cNvSpPr>
+            <a:spLocks noGrp="1"/>
+          </p:cNvSpPr>
+          <p:nvPr>
+            <p:ph type="sldNum" sz="quarter" idx="10"/>
+          </p:nvPr>
+        </p:nvSpPr>
+        <p:spPr/>
+        <p:txBody>
+          <a:bodyPr/>
+          <a:lstStyle/>
+          <a:p>
+            <a:fld id="{05358A63-4E55-4906-AEA2-B5A89550A91C}" type="slidenum">
+              <a:rPr lang="fr-FR" smtClean="0"/>
+              <a:t>1</a:t>
+            </a:fld>
+            <a:endParaRPr lang="fr-FR"/>
+          </a:p>
+        </p:txBody>
+      </p:sp>
+    </p:spTree>
+    <p:extLst>
+      <p:ext uri="{BB962C8B-B14F-4D97-AF65-F5344CB8AC3E}">
+        <p14:creationId xmlns:p14="http://schemas.microsoft.com/office/powerpoint/2010/main" val="4242230857"/>
+      </p:ext>
+    </p:extLst>
+  </p:cSld>
+  <p:clrMapOvr>
+    <a:masterClrMapping/>
+  </p:clrMapOvr>
+</p:notes>
+</file>
+
+<file path=ppt/notesSlides/notesSlide2.xml><?xml version="1.0" encoding="utf-8"?>
+<p:notes xmlns:a="http://schemas.openxmlformats.org/drawingml/2006/main" xmlns:r="http://schemas.openxmlformats.org/officeDocument/2006/relationships" xmlns:p="http://schemas.openxmlformats.org/presentationml/2006/main">
+  <p:cSld>
+    <p:spTree>
+      <p:nvGrpSpPr>
+        <p:cNvPr id="1" name=""/>
+        <p:cNvGrpSpPr/>
+        <p:nvPr/>
+      </p:nvGrpSpPr>
+      <p:grpSpPr>
+        <a:xfrm>
+          <a:off x="0" y="0"/>
+          <a:ext cx="0" cy="0"/>
+          <a:chOff x="0" y="0"/>
+          <a:chExt cx="0" cy="0"/>
+        </a:xfrm>
+      </p:grpSpPr>
+      <p:sp>
+        <p:nvSpPr>
+          <p:cNvPr id="2" name="Espace réservé de l'image des diapositives 1"/>
+          <p:cNvSpPr>
+            <a:spLocks noGrp="1" noRot="1" noChangeAspect="1"/>
+          </p:cNvSpPr>
+          <p:nvPr>
+            <p:ph type="sldImg"/>
+          </p:nvPr>
+        </p:nvSpPr>
+        <p:spPr/>
+      </p:sp>
+      <p:sp>
+        <p:nvSpPr>
+          <p:cNvPr id="3" name="Espace réservé des commentaires 2"/>
+          <p:cNvSpPr>
+            <a:spLocks noGrp="1"/>
+          </p:cNvSpPr>
+          <p:nvPr>
+            <p:ph type="body" idx="1"/>
+          </p:nvPr>
+        </p:nvSpPr>
+        <p:spPr/>
+        <p:txBody>
+          <a:bodyPr/>
+          <a:lstStyle/>
+          <a:p>
+            <a:endParaRPr lang="fr-FR" dirty="0"/>
+          </a:p>
+        </p:txBody>
+      </p:sp>
+      <p:sp>
+        <p:nvSpPr>
+          <p:cNvPr id="4" name="Espace réservé du numéro de diapositive 3"/>
+          <p:cNvSpPr>
+            <a:spLocks noGrp="1"/>
+          </p:cNvSpPr>
+          <p:nvPr>
+            <p:ph type="sldNum" sz="quarter" idx="10"/>
+          </p:nvPr>
+        </p:nvSpPr>
+        <p:spPr/>
+        <p:txBody>
+          <a:bodyPr/>
+          <a:lstStyle/>
+          <a:p>
+            <a:fld id="{05358A63-4E55-4906-AEA2-B5A89550A91C}" type="slidenum">
+              <a:rPr lang="fr-FR" smtClean="0"/>
+              <a:t>2</a:t>
+            </a:fld>
+            <a:endParaRPr lang="fr-FR"/>
+          </a:p>
+        </p:txBody>
+      </p:sp>
+    </p:spTree>
+    <p:extLst>
+      <p:ext uri="{BB962C8B-B14F-4D97-AF65-F5344CB8AC3E}">
+        <p14:creationId xmlns:p14="http://schemas.microsoft.com/office/powerpoint/2010/main" val="3315994711"/>
+      </p:ext>
+    </p:extLst>
+  </p:cSld>
+  <p:clrMapOvr>
+    <a:masterClrMapping/>
+  </p:clrMapOvr>
+</p:notes>
+</file>
+
+<file path=ppt/notesSlides/notesSlide3.xml><?xml version="1.0" encoding="utf-8"?>
+<p:notes xmlns:a="http://schemas.openxmlformats.org/drawingml/2006/main" xmlns:r="http://schemas.openxmlformats.org/officeDocument/2006/relationships" xmlns:p="http://schemas.openxmlformats.org/presentationml/2006/main">
+  <p:cSld>
+    <p:spTree>
+      <p:nvGrpSpPr>
+        <p:cNvPr id="1" name=""/>
+        <p:cNvGrpSpPr/>
+        <p:nvPr/>
+      </p:nvGrpSpPr>
+      <p:grpSpPr>
+        <a:xfrm>
+          <a:off x="0" y="0"/>
+          <a:ext cx="0" cy="0"/>
+          <a:chOff x="0" y="0"/>
+          <a:chExt cx="0" cy="0"/>
+        </a:xfrm>
+      </p:grpSpPr>
+      <p:sp>
+        <p:nvSpPr>
+          <p:cNvPr id="2" name="Espace réservé de l'image des diapositives 1"/>
+          <p:cNvSpPr>
+            <a:spLocks noGrp="1" noRot="1" noChangeAspect="1"/>
+          </p:cNvSpPr>
+          <p:nvPr>
+            <p:ph type="sldImg"/>
+          </p:nvPr>
+        </p:nvSpPr>
+        <p:spPr/>
+      </p:sp>
+      <p:sp>
+        <p:nvSpPr>
+          <p:cNvPr id="3" name="Espace réservé des commentaires 2"/>
+          <p:cNvSpPr>
+            <a:spLocks noGrp="1"/>
+          </p:cNvSpPr>
+          <p:nvPr>
+            <p:ph type="body" idx="1"/>
+          </p:nvPr>
+        </p:nvSpPr>
+        <p:spPr/>
+        <p:txBody>
+          <a:bodyPr/>
+          <a:lstStyle/>
+          <a:p>
+            <a:r>
               <a:rPr lang="fr-FR" dirty="0" err="1" smtClean="0"/>
               <a:t>Bootstrap</a:t>
             </a:r>
@@ -638,7 +939,91 @@
 </p:notes>
 </file>
 
-<file path=ppt/notesSlides/notesSlide2.xml><?xml version="1.0" encoding="utf-8"?>
+<file path=ppt/notesSlides/notesSlide4.xml><?xml version="1.0" encoding="utf-8"?>
+<p:notes xmlns:a="http://schemas.openxmlformats.org/drawingml/2006/main" xmlns:r="http://schemas.openxmlformats.org/officeDocument/2006/relationships" xmlns:p="http://schemas.openxmlformats.org/presentationml/2006/main">
+  <p:cSld>
+    <p:spTree>
+      <p:nvGrpSpPr>
+        <p:cNvPr id="1" name=""/>
+        <p:cNvGrpSpPr/>
+        <p:nvPr/>
+      </p:nvGrpSpPr>
+      <p:grpSpPr>
+        <a:xfrm>
+          <a:off x="0" y="0"/>
+          <a:ext cx="0" cy="0"/>
+          <a:chOff x="0" y="0"/>
+          <a:chExt cx="0" cy="0"/>
+        </a:xfrm>
+      </p:grpSpPr>
+      <p:sp>
+        <p:nvSpPr>
+          <p:cNvPr id="2" name="Espace réservé de l'image des diapositives 1"/>
+          <p:cNvSpPr>
+            <a:spLocks noGrp="1" noRot="1" noChangeAspect="1"/>
+          </p:cNvSpPr>
+          <p:nvPr>
+            <p:ph type="sldImg"/>
+          </p:nvPr>
+        </p:nvSpPr>
+        <p:spPr/>
+      </p:sp>
+      <p:sp>
+        <p:nvSpPr>
+          <p:cNvPr id="3" name="Espace réservé des commentaires 2"/>
+          <p:cNvSpPr>
+            <a:spLocks noGrp="1"/>
+          </p:cNvSpPr>
+          <p:nvPr>
+            <p:ph type="body" idx="1"/>
+          </p:nvPr>
+        </p:nvSpPr>
+        <p:spPr/>
+        <p:txBody>
+          <a:bodyPr/>
+          <a:lstStyle/>
+          <a:p>
+            <a:endParaRPr lang="fr-FR" dirty="0"/>
+          </a:p>
+        </p:txBody>
+      </p:sp>
+      <p:sp>
+        <p:nvSpPr>
+          <p:cNvPr id="4" name="Espace réservé du numéro de diapositive 3"/>
+          <p:cNvSpPr>
+            <a:spLocks noGrp="1"/>
+          </p:cNvSpPr>
+          <p:nvPr>
+            <p:ph type="sldNum" sz="quarter" idx="10"/>
+          </p:nvPr>
+        </p:nvSpPr>
+        <p:spPr/>
+        <p:txBody>
+          <a:bodyPr/>
+          <a:lstStyle/>
+          <a:p>
+            <a:fld id="{05358A63-4E55-4906-AEA2-B5A89550A91C}" type="slidenum">
+              <a:rPr lang="fr-FR" smtClean="0"/>
+              <a:t>5</a:t>
+            </a:fld>
+            <a:endParaRPr lang="fr-FR"/>
+          </a:p>
+        </p:txBody>
+      </p:sp>
+    </p:spTree>
+    <p:extLst>
+      <p:ext uri="{BB962C8B-B14F-4D97-AF65-F5344CB8AC3E}">
+        <p14:creationId xmlns:p14="http://schemas.microsoft.com/office/powerpoint/2010/main" val="2357308742"/>
+      </p:ext>
+    </p:extLst>
+  </p:cSld>
+  <p:clrMapOvr>
+    <a:masterClrMapping/>
+  </p:clrMapOvr>
+</p:notes>
+</file>
+
+<file path=ppt/notesSlides/notesSlide5.xml><?xml version="1.0" encoding="utf-8"?>
 <p:notes xmlns:a="http://schemas.openxmlformats.org/drawingml/2006/main" xmlns:r="http://schemas.openxmlformats.org/officeDocument/2006/relationships" xmlns:p="http://schemas.openxmlformats.org/presentationml/2006/main">
   <p:cSld>
     <p:spTree>
@@ -3663,7 +4048,7 @@
           <p:nvPr/>
         </p:nvPicPr>
         <p:blipFill>
-          <a:blip r:embed="rId2">
+          <a:blip r:embed="rId3">
             <a:extLst>
               <a:ext uri="{28A0092B-C50C-407E-A947-70E740481C1C}">
                 <a14:useLocalDpi xmlns:a14="http://schemas.microsoft.com/office/drawing/2010/main" val="0"/>
@@ -3691,7 +4076,7 @@
           <p:nvPr/>
         </p:nvPicPr>
         <p:blipFill>
-          <a:blip r:embed="rId3">
+          <a:blip r:embed="rId4">
             <a:extLst>
               <a:ext uri="{28A0092B-C50C-407E-A947-70E740481C1C}">
                 <a14:useLocalDpi xmlns:a14="http://schemas.microsoft.com/office/drawing/2010/main" val="0"/>
@@ -3922,11 +4307,7 @@
             </a:r>
             <a:r>
               <a:rPr lang="fr-FR" dirty="0" smtClean="0"/>
-              <a:t> </a:t>
-            </a:r>
-            <a:r>
-              <a:rPr lang="fr-FR" dirty="0" smtClean="0"/>
-              <a:t>Ndiaye</a:t>
+              <a:t> Ndiaye</a:t>
             </a:r>
           </a:p>
           <a:p>
@@ -3957,7 +4338,7 @@
             <p:nvPr/>
           </p:nvPicPr>
           <p:blipFill>
-            <a:blip r:embed="rId4">
+            <a:blip r:embed="rId5">
               <a:extLst>
                 <a:ext uri="{28A0092B-C50C-407E-A947-70E740481C1C}">
                   <a14:useLocalDpi xmlns:a14="http://schemas.microsoft.com/office/drawing/2010/main" val="0"/>
@@ -3987,7 +4368,7 @@
             <p:nvPr/>
           </p:nvPicPr>
           <p:blipFill rotWithShape="1">
-            <a:blip r:embed="rId4">
+            <a:blip r:embed="rId5">
               <a:extLst>
                 <a:ext uri="{28A0092B-C50C-407E-A947-70E740481C1C}">
                   <a14:useLocalDpi xmlns:a14="http://schemas.microsoft.com/office/drawing/2010/main" val="0"/>
@@ -4115,7 +4496,7 @@
             <p:nvPr/>
           </p:nvPicPr>
           <p:blipFill>
-            <a:blip r:embed="rId2">
+            <a:blip r:embed="rId3">
               <a:extLst>
                 <a:ext uri="{28A0092B-C50C-407E-A947-70E740481C1C}">
                   <a14:useLocalDpi xmlns:a14="http://schemas.microsoft.com/office/drawing/2010/main" val="0"/>
@@ -4145,7 +4526,7 @@
             <p:nvPr/>
           </p:nvPicPr>
           <p:blipFill rotWithShape="1">
-            <a:blip r:embed="rId2">
+            <a:blip r:embed="rId3">
               <a:extLst>
                 <a:ext uri="{28A0092B-C50C-407E-A947-70E740481C1C}">
                   <a14:useLocalDpi xmlns:a14="http://schemas.microsoft.com/office/drawing/2010/main" val="0"/>
@@ -4171,7 +4552,7 @@
           <p:cNvPr id="22" name="Graphic 17" descr="Monitor">
             <a:extLst>
               <a:ext uri="{FF2B5EF4-FFF2-40B4-BE49-F238E27FC236}">
-                <a16:creationId xmlns:a16="http://schemas.microsoft.com/office/drawing/2014/main" xmlns="" xmlns:lc="http://schemas.openxmlformats.org/drawingml/2006/lockedCanvas" id="{632D8E6C-CC68-4BD7-96CD-E18DC0FAF045}"/>
+                <a16:creationId xmlns:lc="http://schemas.openxmlformats.org/drawingml/2006/lockedCanvas" xmlns="" xmlns:a16="http://schemas.microsoft.com/office/drawing/2014/main" id="{632D8E6C-CC68-4BD7-96CD-E18DC0FAF045}"/>
               </a:ext>
             </a:extLst>
           </p:cNvPr>
@@ -4181,11 +4562,11 @@
           <p:nvPr/>
         </p:nvPicPr>
         <p:blipFill>
-          <a:blip r:embed="rId3" cstate="print">
+          <a:blip r:embed="rId4" cstate="print">
             <a:extLst>
               <a:ext uri="{BEBA8EAE-BF5A-486C-A8C5-ECC9F3942E4B}">
                 <a14:imgProps xmlns:a14="http://schemas.microsoft.com/office/drawing/2010/main">
-                  <a14:imgLayer r:embed="rId4">
+                  <a14:imgLayer r:embed="rId5">
                     <a14:imgEffect>
                       <a14:brightnessContrast bright="-100000" contrast="-40000"/>
                     </a14:imgEffect>
@@ -4196,7 +4577,7 @@
                 <a14:useLocalDpi xmlns:a14="http://schemas.microsoft.com/office/drawing/2010/main" val="0"/>
               </a:ext>
               <a:ext uri="{96DAC541-7B7A-43D3-8B79-37D633B846F1}">
-                <asvg:svgBlip xmlns:asvg="http://schemas.microsoft.com/office/drawing/2016/SVG/main" xmlns="" xmlns:lc="http://schemas.openxmlformats.org/drawingml/2006/lockedCanvas" r:embed="rId8"/>
+                <asvg:svgBlip xmlns:lc="http://schemas.openxmlformats.org/drawingml/2006/lockedCanvas" xmlns="" xmlns:asvg="http://schemas.microsoft.com/office/drawing/2016/SVG/main" r:embed="rId8"/>
               </a:ext>
             </a:extLst>
           </a:blip>
@@ -4220,7 +4601,7 @@
           <p:cNvPr id="24" name="Content Placeholder 7" descr="Briefcase">
             <a:extLst>
               <a:ext uri="{FF2B5EF4-FFF2-40B4-BE49-F238E27FC236}">
-                <a16:creationId xmlns:a16="http://schemas.microsoft.com/office/drawing/2014/main" xmlns="" xmlns:lc="http://schemas.openxmlformats.org/drawingml/2006/lockedCanvas" id="{2B1B4CA7-BA24-4C57-8460-641C162B3E75}"/>
+                <a16:creationId xmlns:lc="http://schemas.openxmlformats.org/drawingml/2006/lockedCanvas" xmlns="" xmlns:a16="http://schemas.microsoft.com/office/drawing/2014/main" id="{2B1B4CA7-BA24-4C57-8460-641C162B3E75}"/>
               </a:ext>
             </a:extLst>
           </p:cNvPr>
@@ -4245,7 +4626,7 @@
                 <a14:useLocalDpi xmlns:a14="http://schemas.microsoft.com/office/drawing/2010/main" val="0"/>
               </a:ext>
               <a:ext uri="{96DAC541-7B7A-43D3-8B79-37D633B846F1}">
-                <asvg:svgBlip xmlns:asvg="http://schemas.microsoft.com/office/drawing/2016/SVG/main" xmlns="" xmlns:lc="http://schemas.openxmlformats.org/drawingml/2006/lockedCanvas" r:embed="rId22"/>
+                <asvg:svgBlip xmlns:lc="http://schemas.openxmlformats.org/drawingml/2006/lockedCanvas" xmlns="" xmlns:asvg="http://schemas.microsoft.com/office/drawing/2016/SVG/main" r:embed="rId22"/>
               </a:ext>
             </a:extLst>
           </a:blip>
@@ -4292,9 +4673,6 @@
               </a:rPr>
               <a:t>Conclusion</a:t>
             </a:r>
-            <a:endParaRPr lang="fr-FR" sz="2400" dirty="0">
-              <a:latin typeface="Futura Book" pitchFamily="82" charset="0"/>
-            </a:endParaRPr>
           </a:p>
         </p:txBody>
       </p:sp>
@@ -4327,9 +4705,6 @@
               </a:rPr>
               <a:t>Présentation du site</a:t>
             </a:r>
-            <a:endParaRPr lang="fr-FR" sz="2400" dirty="0" smtClean="0">
-              <a:latin typeface="Futura Book" pitchFamily="82" charset="0"/>
-            </a:endParaRPr>
           </a:p>
           <a:p>
             <a:pPr algn="ctr"/>
@@ -4342,7 +4717,7 @@
           <p:cNvPr id="39" name="Graphic 10" descr="Checklist">
             <a:extLst>
               <a:ext uri="{FF2B5EF4-FFF2-40B4-BE49-F238E27FC236}">
-                <a16:creationId xmlns:a16="http://schemas.microsoft.com/office/drawing/2014/main" xmlns="" xmlns:lc="http://schemas.openxmlformats.org/drawingml/2006/lockedCanvas" id="{C47068F2-9344-4F6C-B6CE-38FAF54B95AE}"/>
+                <a16:creationId xmlns:lc="http://schemas.openxmlformats.org/drawingml/2006/lockedCanvas" xmlns="" xmlns:a16="http://schemas.microsoft.com/office/drawing/2014/main" id="{C47068F2-9344-4F6C-B6CE-38FAF54B95AE}"/>
               </a:ext>
             </a:extLst>
           </p:cNvPr>
@@ -4370,7 +4745,7 @@
                 <a14:useLocalDpi xmlns:a14="http://schemas.microsoft.com/office/drawing/2010/main" val="0"/>
               </a:ext>
               <a:ext uri="{96DAC541-7B7A-43D3-8B79-37D633B846F1}">
-                <asvg:svgBlip xmlns:asvg="http://schemas.microsoft.com/office/drawing/2016/SVG/main" xmlns="" xmlns:lc="http://schemas.openxmlformats.org/drawingml/2006/lockedCanvas" r:embed="rId11"/>
+                <asvg:svgBlip xmlns:lc="http://schemas.openxmlformats.org/drawingml/2006/lockedCanvas" xmlns="" xmlns:asvg="http://schemas.microsoft.com/office/drawing/2016/SVG/main" r:embed="rId11"/>
               </a:ext>
             </a:extLst>
           </a:blip>
@@ -4524,13 +4899,7 @@
               <a:rPr lang="fr-FR" sz="2400" dirty="0" smtClean="0">
                 <a:latin typeface="Futura Book" pitchFamily="82" charset="0"/>
               </a:rPr>
-              <a:t>es </a:t>
-            </a:r>
-            <a:r>
-              <a:rPr lang="fr-FR" sz="2400" dirty="0" smtClean="0">
-                <a:latin typeface="Futura Book" pitchFamily="82" charset="0"/>
-              </a:rPr>
-              <a:t>exigences</a:t>
+              <a:t>es exigences</a:t>
             </a:r>
             <a:endParaRPr lang="fr-FR" sz="2400" dirty="0">
               <a:latin typeface="Futura Book" pitchFamily="82" charset="0"/>
@@ -4624,7 +4993,7 @@
                 <p:cNvPr id="20" name="Graphic 14" descr="Handshake">
                   <a:extLst>
                     <a:ext uri="{FF2B5EF4-FFF2-40B4-BE49-F238E27FC236}">
-                      <a16:creationId xmlns:a16="http://schemas.microsoft.com/office/drawing/2014/main" xmlns="" xmlns:lc="http://schemas.openxmlformats.org/drawingml/2006/lockedCanvas" id="{8CC1CE3F-9962-4320-A5E0-2813AC4C7F5C}"/>
+                      <a16:creationId xmlns:lc="http://schemas.openxmlformats.org/drawingml/2006/lockedCanvas" xmlns="" xmlns:a16="http://schemas.microsoft.com/office/drawing/2014/main" id="{8CC1CE3F-9962-4320-A5E0-2813AC4C7F5C}"/>
                     </a:ext>
                   </a:extLst>
                 </p:cNvPr>
@@ -4649,7 +5018,7 @@
                       <a14:useLocalDpi xmlns:a14="http://schemas.microsoft.com/office/drawing/2010/main" val="0"/>
                     </a:ext>
                     <a:ext uri="{96DAC541-7B7A-43D3-8B79-37D633B846F1}">
-                      <asvg:svgBlip xmlns:asvg="http://schemas.microsoft.com/office/drawing/2016/SVG/main" xmlns="" xmlns:lc="http://schemas.openxmlformats.org/drawingml/2006/lockedCanvas" r:embed="rId15"/>
+                      <asvg:svgBlip xmlns:lc="http://schemas.openxmlformats.org/drawingml/2006/lockedCanvas" xmlns="" xmlns:asvg="http://schemas.microsoft.com/office/drawing/2016/SVG/main" r:embed="rId15"/>
                     </a:ext>
                   </a:extLst>
                 </a:blip>
@@ -4696,9 +5065,6 @@
                     </a:rPr>
                     <a:t>Répartition du travail</a:t>
                   </a:r>
-                  <a:endParaRPr lang="fr-FR" sz="2400" dirty="0">
-                    <a:latin typeface="Futura Book" pitchFamily="82" charset="0"/>
-                  </a:endParaRPr>
                 </a:p>
               </p:txBody>
             </p:sp>
@@ -4722,7 +5088,7 @@
                 <p:cNvPr id="26" name="Graphic 6" descr="Mining Tools">
                   <a:extLst>
                     <a:ext uri="{FF2B5EF4-FFF2-40B4-BE49-F238E27FC236}">
-                      <a16:creationId xmlns:a16="http://schemas.microsoft.com/office/drawing/2014/main" xmlns="" xmlns:lc="http://schemas.openxmlformats.org/drawingml/2006/lockedCanvas" id="{CA775E17-20FB-426A-862F-AF41550D67A2}"/>
+                      <a16:creationId xmlns:lc="http://schemas.openxmlformats.org/drawingml/2006/lockedCanvas" xmlns="" xmlns:a16="http://schemas.microsoft.com/office/drawing/2014/main" id="{CA775E17-20FB-426A-862F-AF41550D67A2}"/>
                     </a:ext>
                   </a:extLst>
                 </p:cNvPr>
@@ -4747,7 +5113,7 @@
                       <a14:useLocalDpi xmlns:a14="http://schemas.microsoft.com/office/drawing/2010/main" val="0"/>
                     </a:ext>
                     <a:ext uri="{96DAC541-7B7A-43D3-8B79-37D633B846F1}">
-                      <asvg:svgBlip xmlns:asvg="http://schemas.microsoft.com/office/drawing/2016/SVG/main" xmlns="" xmlns:lc="http://schemas.openxmlformats.org/drawingml/2006/lockedCanvas" r:embed="rId29"/>
+                      <asvg:svgBlip xmlns:lc="http://schemas.openxmlformats.org/drawingml/2006/lockedCanvas" xmlns="" xmlns:asvg="http://schemas.microsoft.com/office/drawing/2016/SVG/main" r:embed="rId29"/>
                     </a:ext>
                   </a:extLst>
                 </a:blip>
@@ -4794,9 +5160,6 @@
                     </a:rPr>
                     <a:t>Outils utilisé</a:t>
                   </a:r>
-                  <a:endParaRPr lang="fr-FR" sz="2400" dirty="0">
-                    <a:latin typeface="Futura Book" pitchFamily="82" charset="0"/>
-                  </a:endParaRPr>
                 </a:p>
               </p:txBody>
             </p:sp>
@@ -4820,7 +5183,7 @@
                 <p:cNvPr id="27" name="Content Placeholder 7" descr="Bullseye">
                   <a:extLst>
                     <a:ext uri="{FF2B5EF4-FFF2-40B4-BE49-F238E27FC236}">
-                      <a16:creationId xmlns:a16="http://schemas.microsoft.com/office/drawing/2014/main" xmlns="" xmlns:lc="http://schemas.openxmlformats.org/drawingml/2006/lockedCanvas" id="{2F6EA311-2F89-4164-AA3A-D9A6109E3873}"/>
+                      <a16:creationId xmlns:lc="http://schemas.openxmlformats.org/drawingml/2006/lockedCanvas" xmlns="" xmlns:a16="http://schemas.microsoft.com/office/drawing/2014/main" id="{2F6EA311-2F89-4164-AA3A-D9A6109E3873}"/>
                     </a:ext>
                   </a:extLst>
                 </p:cNvPr>
@@ -4845,7 +5208,7 @@
                       <a14:useLocalDpi xmlns:a14="http://schemas.microsoft.com/office/drawing/2010/main" val="0"/>
                     </a:ext>
                     <a:ext uri="{96DAC541-7B7A-43D3-8B79-37D633B846F1}">
-                      <asvg:svgBlip xmlns:asvg="http://schemas.microsoft.com/office/drawing/2016/SVG/main" xmlns="" xmlns:lc="http://schemas.openxmlformats.org/drawingml/2006/lockedCanvas" r:embed="rId14"/>
+                      <asvg:svgBlip xmlns:lc="http://schemas.openxmlformats.org/drawingml/2006/lockedCanvas" xmlns="" xmlns:asvg="http://schemas.microsoft.com/office/drawing/2016/SVG/main" r:embed="rId14"/>
                     </a:ext>
                   </a:extLst>
                 </a:blip>
@@ -5541,7 +5904,7 @@
           <p:cNvPr id="8" name="Graphic 6" descr="Mining Tools">
             <a:extLst>
               <a:ext uri="{FF2B5EF4-FFF2-40B4-BE49-F238E27FC236}">
-                <a16:creationId xmlns:a16="http://schemas.microsoft.com/office/drawing/2014/main" xmlns="" xmlns:lc="http://schemas.openxmlformats.org/drawingml/2006/lockedCanvas" id="{CA775E17-20FB-426A-862F-AF41550D67A2}"/>
+                <a16:creationId xmlns:lc="http://schemas.openxmlformats.org/drawingml/2006/lockedCanvas" xmlns="" xmlns:a16="http://schemas.microsoft.com/office/drawing/2014/main" id="{CA775E17-20FB-426A-862F-AF41550D67A2}"/>
               </a:ext>
             </a:extLst>
           </p:cNvPr>
@@ -5566,7 +5929,7 @@
                 <a14:useLocalDpi xmlns:a14="http://schemas.microsoft.com/office/drawing/2010/main" val="0"/>
               </a:ext>
               <a:ext uri="{96DAC541-7B7A-43D3-8B79-37D633B846F1}">
-                <asvg:svgBlip xmlns:asvg="http://schemas.microsoft.com/office/drawing/2016/SVG/main" xmlns="" xmlns:lc="http://schemas.openxmlformats.org/drawingml/2006/lockedCanvas" r:embed="rId10"/>
+                <asvg:svgBlip xmlns:lc="http://schemas.openxmlformats.org/drawingml/2006/lockedCanvas" xmlns="" xmlns:asvg="http://schemas.microsoft.com/office/drawing/2016/SVG/main" r:embed="rId10"/>
               </a:ext>
             </a:extLst>
           </a:blip>
@@ -5589,7 +5952,7 @@
           <p:cNvPr id="9" name="Content Placeholder 7" descr="Bullseye">
             <a:extLst>
               <a:ext uri="{FF2B5EF4-FFF2-40B4-BE49-F238E27FC236}">
-                <a16:creationId xmlns:a16="http://schemas.microsoft.com/office/drawing/2014/main" xmlns="" xmlns:lc="http://schemas.openxmlformats.org/drawingml/2006/lockedCanvas" id="{2F6EA311-2F89-4164-AA3A-D9A6109E3873}"/>
+                <a16:creationId xmlns:lc="http://schemas.openxmlformats.org/drawingml/2006/lockedCanvas" xmlns="" xmlns:a16="http://schemas.microsoft.com/office/drawing/2014/main" id="{2F6EA311-2F89-4164-AA3A-D9A6109E3873}"/>
               </a:ext>
             </a:extLst>
           </p:cNvPr>
@@ -5614,7 +5977,7 @@
                 <a14:useLocalDpi xmlns:a14="http://schemas.microsoft.com/office/drawing/2010/main" val="0"/>
               </a:ext>
               <a:ext uri="{96DAC541-7B7A-43D3-8B79-37D633B846F1}">
-                <asvg:svgBlip xmlns:asvg="http://schemas.microsoft.com/office/drawing/2016/SVG/main" xmlns="" xmlns:lc="http://schemas.openxmlformats.org/drawingml/2006/lockedCanvas" r:embed="rId14"/>
+                <asvg:svgBlip xmlns:lc="http://schemas.openxmlformats.org/drawingml/2006/lockedCanvas" xmlns="" xmlns:asvg="http://schemas.microsoft.com/office/drawing/2016/SVG/main" r:embed="rId14"/>
               </a:ext>
             </a:extLst>
           </a:blip>
@@ -5918,15 +6281,7 @@
             <a:pPr algn="ctr"/>
             <a:r>
               <a:rPr lang="fr-FR" dirty="0" smtClean="0"/>
-              <a:t>Réalisation </a:t>
-            </a:r>
-            <a:r>
-              <a:rPr lang="fr-FR" dirty="0" smtClean="0"/>
-              <a:t>d’un site </a:t>
-            </a:r>
-            <a:r>
-              <a:rPr lang="fr-FR" dirty="0" smtClean="0"/>
-              <a:t>internet utilisant HTML/PHP/CSS</a:t>
+              <a:t>Réalisation d’un site internet utilisant HTML/PHP/CSS</a:t>
             </a:r>
             <a:endParaRPr lang="fr-FR" dirty="0"/>
           </a:p>
@@ -7289,7 +7644,7 @@
           <p:cNvPr id="4" name="Graphic 14" descr="Handshake">
             <a:extLst>
               <a:ext uri="{FF2B5EF4-FFF2-40B4-BE49-F238E27FC236}">
-                <a16:creationId xmlns:a16="http://schemas.microsoft.com/office/drawing/2014/main" xmlns="" xmlns:lc="http://schemas.openxmlformats.org/drawingml/2006/lockedCanvas" id="{8CC1CE3F-9962-4320-A5E0-2813AC4C7F5C}"/>
+                <a16:creationId xmlns:lc="http://schemas.openxmlformats.org/drawingml/2006/lockedCanvas" xmlns="" xmlns:a16="http://schemas.microsoft.com/office/drawing/2014/main" id="{8CC1CE3F-9962-4320-A5E0-2813AC4C7F5C}"/>
               </a:ext>
             </a:extLst>
           </p:cNvPr>
@@ -7299,11 +7654,11 @@
           <p:nvPr/>
         </p:nvPicPr>
         <p:blipFill>
-          <a:blip r:embed="rId2" cstate="print">
+          <a:blip r:embed="rId3" cstate="print">
             <a:extLst>
               <a:ext uri="{BEBA8EAE-BF5A-486C-A8C5-ECC9F3942E4B}">
                 <a14:imgProps xmlns:a14="http://schemas.microsoft.com/office/drawing/2010/main">
-                  <a14:imgLayer r:embed="rId3">
+                  <a14:imgLayer r:embed="rId4">
                     <a14:imgEffect>
                       <a14:artisticGlowEdges/>
                     </a14:imgEffect>
@@ -7314,7 +7669,7 @@
                 <a14:useLocalDpi xmlns:a14="http://schemas.microsoft.com/office/drawing/2010/main" val="0"/>
               </a:ext>
               <a:ext uri="{96DAC541-7B7A-43D3-8B79-37D633B846F1}">
-                <asvg:svgBlip xmlns:asvg="http://schemas.microsoft.com/office/drawing/2016/SVG/main" xmlns="" xmlns:lc="http://schemas.openxmlformats.org/drawingml/2006/lockedCanvas" r:embed="rId15"/>
+                <asvg:svgBlip xmlns:lc="http://schemas.openxmlformats.org/drawingml/2006/lockedCanvas" xmlns="" xmlns:asvg="http://schemas.microsoft.com/office/drawing/2016/SVG/main" r:embed="rId15"/>
               </a:ext>
             </a:extLst>
           </a:blip>
@@ -7695,7 +8050,6 @@
               <a:rPr lang="fr-FR" dirty="0" smtClean="0"/>
               <a:t>HTML</a:t>
             </a:r>
-            <a:endParaRPr lang="fr-FR" dirty="0" smtClean="0"/>
           </a:p>
           <a:p>
             <a:pPr marL="285750" indent="-285750">
@@ -8261,7 +8615,7 @@
           <p:cNvPr id="13" name="Graphic 10" descr="Checklist">
             <a:extLst>
               <a:ext uri="{FF2B5EF4-FFF2-40B4-BE49-F238E27FC236}">
-                <a16:creationId xmlns:a16="http://schemas.microsoft.com/office/drawing/2014/main" xmlns="" xmlns:lc="http://schemas.openxmlformats.org/drawingml/2006/lockedCanvas" id="{C47068F2-9344-4F6C-B6CE-38FAF54B95AE}"/>
+                <a16:creationId xmlns:lc="http://schemas.openxmlformats.org/drawingml/2006/lockedCanvas" xmlns="" xmlns:a16="http://schemas.microsoft.com/office/drawing/2014/main" id="{C47068F2-9344-4F6C-B6CE-38FAF54B95AE}"/>
               </a:ext>
             </a:extLst>
           </p:cNvPr>
@@ -8289,7 +8643,7 @@
                 <a14:useLocalDpi xmlns:a14="http://schemas.microsoft.com/office/drawing/2010/main" val="0"/>
               </a:ext>
               <a:ext uri="{96DAC541-7B7A-43D3-8B79-37D633B846F1}">
-                <asvg:svgBlip xmlns:asvg="http://schemas.microsoft.com/office/drawing/2016/SVG/main" xmlns="" xmlns:lc="http://schemas.openxmlformats.org/drawingml/2006/lockedCanvas" r:embed="rId11"/>
+                <asvg:svgBlip xmlns:lc="http://schemas.openxmlformats.org/drawingml/2006/lockedCanvas" xmlns="" xmlns:asvg="http://schemas.microsoft.com/office/drawing/2016/SVG/main" r:embed="rId11"/>
               </a:ext>
             </a:extLst>
           </a:blip>
@@ -9117,7 +9471,7 @@
           <p:cNvPr id="7" name="Content Placeholder 7" descr="Briefcase">
             <a:extLst>
               <a:ext uri="{FF2B5EF4-FFF2-40B4-BE49-F238E27FC236}">
-                <a16:creationId xmlns:a16="http://schemas.microsoft.com/office/drawing/2014/main" xmlns="" xmlns:lc="http://schemas.openxmlformats.org/drawingml/2006/lockedCanvas" id="{2B1B4CA7-BA24-4C57-8460-641C162B3E75}"/>
+                <a16:creationId xmlns:lc="http://schemas.openxmlformats.org/drawingml/2006/lockedCanvas" xmlns="" xmlns:a16="http://schemas.microsoft.com/office/drawing/2014/main" id="{2B1B4CA7-BA24-4C57-8460-641C162B3E75}"/>
               </a:ext>
             </a:extLst>
           </p:cNvPr>
@@ -9142,7 +9496,7 @@
                 <a14:useLocalDpi xmlns:a14="http://schemas.microsoft.com/office/drawing/2010/main" val="0"/>
               </a:ext>
               <a:ext uri="{96DAC541-7B7A-43D3-8B79-37D633B846F1}">
-                <asvg:svgBlip xmlns:asvg="http://schemas.microsoft.com/office/drawing/2016/SVG/main" xmlns="" xmlns:lc="http://schemas.openxmlformats.org/drawingml/2006/lockedCanvas" r:embed="rId22"/>
+                <asvg:svgBlip xmlns:lc="http://schemas.openxmlformats.org/drawingml/2006/lockedCanvas" xmlns="" xmlns:asvg="http://schemas.microsoft.com/office/drawing/2016/SVG/main" r:embed="rId22"/>
               </a:ext>
             </a:extLst>
           </a:blip>
@@ -9426,7 +9780,7 @@
           <p:cNvPr id="16" name="Content Placeholder 7" descr="Stopwatch">
             <a:extLst>
               <a:ext uri="{FF2B5EF4-FFF2-40B4-BE49-F238E27FC236}">
-                <a16:creationId xmlns:a16="http://schemas.microsoft.com/office/drawing/2014/main" xmlns="" xmlns:lc="http://schemas.openxmlformats.org/drawingml/2006/lockedCanvas" id="{8BE448A2-D2CF-4742-A9FD-4B1D9E20A5DA}"/>
+                <a16:creationId xmlns:lc="http://schemas.openxmlformats.org/drawingml/2006/lockedCanvas" xmlns="" xmlns:a16="http://schemas.microsoft.com/office/drawing/2014/main" id="{8BE448A2-D2CF-4742-A9FD-4B1D9E20A5DA}"/>
               </a:ext>
             </a:extLst>
           </p:cNvPr>
@@ -9451,7 +9805,7 @@
                 <a14:useLocalDpi xmlns:a14="http://schemas.microsoft.com/office/drawing/2010/main" val="0"/>
               </a:ext>
               <a:ext uri="{96DAC541-7B7A-43D3-8B79-37D633B846F1}">
-                <asvg:svgBlip xmlns:asvg="http://schemas.microsoft.com/office/drawing/2016/SVG/main" xmlns="" xmlns:lc="http://schemas.openxmlformats.org/drawingml/2006/lockedCanvas" r:embed="rId9"/>
+                <asvg:svgBlip xmlns:lc="http://schemas.openxmlformats.org/drawingml/2006/lockedCanvas" xmlns="" xmlns:asvg="http://schemas.microsoft.com/office/drawing/2016/SVG/main" r:embed="rId9"/>
               </a:ext>
             </a:extLst>
           </a:blip>
@@ -9505,7 +9859,7 @@
           <p:cNvPr id="18" name="Picture 21">
             <a:extLst>
               <a:ext uri="{FF2B5EF4-FFF2-40B4-BE49-F238E27FC236}">
-                <a16:creationId xmlns:a16="http://schemas.microsoft.com/office/drawing/2014/main" xmlns="" xmlns:lc="http://schemas.openxmlformats.org/drawingml/2006/lockedCanvas" id="{9BB891D5-F9F9-45D3-9430-355061BF2579}"/>
+                <a16:creationId xmlns:lc="http://schemas.openxmlformats.org/drawingml/2006/lockedCanvas" xmlns="" xmlns:a16="http://schemas.microsoft.com/office/drawing/2014/main" id="{9BB891D5-F9F9-45D3-9430-355061BF2579}"/>
               </a:ext>
             </a:extLst>
           </p:cNvPr>
